--- a/slides/01-01-GraphsIntroBFS.pptx
+++ b/slides/01-01-GraphsIntroBFS.pptx
@@ -5,10 +5,10 @@
     <p:sldMasterId id="2147483714" r:id="rId1"/>
   </p:sldMasterIdLst>
   <p:notesMasterIdLst>
-    <p:notesMasterId r:id="rId38"/>
+    <p:notesMasterId r:id="rId42"/>
   </p:notesMasterIdLst>
   <p:handoutMasterIdLst>
-    <p:handoutMasterId r:id="rId39"/>
+    <p:handoutMasterId r:id="rId43"/>
   </p:handoutMasterIdLst>
   <p:sldIdLst>
     <p:sldId id="377" r:id="rId2"/>
@@ -18,40 +18,44 @@
     <p:sldId id="280" r:id="rId6"/>
     <p:sldId id="278" r:id="rId7"/>
     <p:sldId id="282" r:id="rId8"/>
-    <p:sldId id="314" r:id="rId9"/>
-    <p:sldId id="317" r:id="rId10"/>
-    <p:sldId id="315" r:id="rId11"/>
-    <p:sldId id="316" r:id="rId12"/>
-    <p:sldId id="319" r:id="rId13"/>
-    <p:sldId id="284" r:id="rId14"/>
-    <p:sldId id="285" r:id="rId15"/>
-    <p:sldId id="339" r:id="rId16"/>
-    <p:sldId id="286" r:id="rId17"/>
-    <p:sldId id="288" r:id="rId18"/>
-    <p:sldId id="381" r:id="rId19"/>
-    <p:sldId id="333" r:id="rId20"/>
-    <p:sldId id="369" r:id="rId21"/>
-    <p:sldId id="459" r:id="rId22"/>
-    <p:sldId id="370" r:id="rId23"/>
-    <p:sldId id="460" r:id="rId24"/>
-    <p:sldId id="373" r:id="rId25"/>
-    <p:sldId id="461" r:id="rId26"/>
-    <p:sldId id="462" r:id="rId27"/>
-    <p:sldId id="463" r:id="rId28"/>
-    <p:sldId id="466" r:id="rId29"/>
-    <p:sldId id="465" r:id="rId30"/>
-    <p:sldId id="467" r:id="rId31"/>
-    <p:sldId id="468" r:id="rId32"/>
-    <p:sldId id="469" r:id="rId33"/>
-    <p:sldId id="470" r:id="rId34"/>
-    <p:sldId id="471" r:id="rId35"/>
-    <p:sldId id="472" r:id="rId36"/>
-    <p:sldId id="473" r:id="rId37"/>
+    <p:sldId id="277" r:id="rId9"/>
+    <p:sldId id="279" r:id="rId10"/>
+    <p:sldId id="281" r:id="rId11"/>
+    <p:sldId id="314" r:id="rId12"/>
+    <p:sldId id="317" r:id="rId13"/>
+    <p:sldId id="315" r:id="rId14"/>
+    <p:sldId id="316" r:id="rId15"/>
+    <p:sldId id="319" r:id="rId16"/>
+    <p:sldId id="284" r:id="rId17"/>
+    <p:sldId id="285" r:id="rId18"/>
+    <p:sldId id="339" r:id="rId19"/>
+    <p:sldId id="286" r:id="rId20"/>
+    <p:sldId id="288" r:id="rId21"/>
+    <p:sldId id="381" r:id="rId22"/>
+    <p:sldId id="333" r:id="rId23"/>
+    <p:sldId id="369" r:id="rId24"/>
+    <p:sldId id="459" r:id="rId25"/>
+    <p:sldId id="370" r:id="rId26"/>
+    <p:sldId id="460" r:id="rId27"/>
+    <p:sldId id="373" r:id="rId28"/>
+    <p:sldId id="461" r:id="rId29"/>
+    <p:sldId id="462" r:id="rId30"/>
+    <p:sldId id="463" r:id="rId31"/>
+    <p:sldId id="466" r:id="rId32"/>
+    <p:sldId id="465" r:id="rId33"/>
+    <p:sldId id="476" r:id="rId34"/>
+    <p:sldId id="467" r:id="rId35"/>
+    <p:sldId id="468" r:id="rId36"/>
+    <p:sldId id="469" r:id="rId37"/>
+    <p:sldId id="470" r:id="rId38"/>
+    <p:sldId id="471" r:id="rId39"/>
+    <p:sldId id="472" r:id="rId40"/>
+    <p:sldId id="473" r:id="rId41"/>
   </p:sldIdLst>
   <p:sldSz cx="12192000" cy="6858000"/>
   <p:notesSz cx="7315200" cy="9601200"/>
   <p:custDataLst>
-    <p:tags r:id="rId40"/>
+    <p:tags r:id="rId44"/>
   </p:custDataLst>
   <p:defaultTextStyle>
     <a:defPPr>
@@ -4815,7 +4819,7 @@
       </p:grpSpPr>
       <p:sp>
         <p:nvSpPr>
-          <p:cNvPr id="22530" name="Rectangle 1026"/>
+          <p:cNvPr id="19458" name="Rectangle 2"/>
           <p:cNvSpPr>
             <a:spLocks noGrp="1" noChangeArrowheads="1"/>
           </p:cNvSpPr>
@@ -4828,14 +4832,12 @@
         </p:nvSpPr>
         <p:spPr/>
         <p:txBody>
-          <a:bodyPr>
-            <a:normAutofit/>
-          </a:bodyPr>
+          <a:bodyPr/>
           <a:lstStyle/>
           <a:p>
             <a:r>
               <a:rPr lang="en-US"/>
-              <a:t>Terms You Should Know or Learn Now</a:t>
+              <a:t>Problems: e.g. Computer Networks</a:t>
             </a:r>
           </a:p>
         </p:txBody>
@@ -4864,116 +4866,40 @@
           </a:p>
         </p:txBody>
       </p:sp>
-      <p:sp>
-        <p:nvSpPr>
-          <p:cNvPr id="22531" name="Rectangle 1027"/>
-          <p:cNvSpPr>
-            <a:spLocks noGrp="1" noChangeArrowheads="1"/>
-          </p:cNvSpPr>
+      <p:pic>
+        <p:nvPicPr>
+          <p:cNvPr id="19459" name="Picture 4" descr="fig7"/>
+          <p:cNvPicPr>
+            <a:picLocks noGrp="1" noChangeAspect="1" noChangeArrowheads="1"/>
+          </p:cNvPicPr>
           <p:nvPr>
             <p:ph sz="quarter" idx="1"/>
             <p:custDataLst>
               <p:tags r:id="rId2"/>
             </p:custDataLst>
           </p:nvPr>
-        </p:nvSpPr>
-        <p:spPr/>
-        <p:txBody>
-          <a:bodyPr>
-            <a:normAutofit/>
-          </a:bodyPr>
-          <a:lstStyle/>
-          <a:p>
-            <a:r>
-              <a:rPr lang="en-US" dirty="0"/>
-              <a:t>Path vs. simple path</a:t>
-            </a:r>
-          </a:p>
-          <a:p>
-            <a:pPr lvl="1"/>
-            <a:r>
-              <a:rPr lang="en-US" dirty="0"/>
-              <a:t>One vertex is </a:t>
-            </a:r>
-            <a:r>
-              <a:rPr lang="en-US" i="1" dirty="0"/>
-              <a:t>reachable</a:t>
-            </a:r>
-            <a:r>
-              <a:rPr lang="en-US" dirty="0"/>
-              <a:t> from another vertex</a:t>
-            </a:r>
-          </a:p>
-          <a:p>
-            <a:r>
-              <a:rPr lang="en-US" dirty="0"/>
-              <a:t>A </a:t>
-            </a:r>
-            <a:r>
-              <a:rPr lang="en-US" i="1" dirty="0"/>
-              <a:t>connected graph</a:t>
-            </a:r>
-            <a:endParaRPr lang="en-US" dirty="0"/>
-          </a:p>
-          <a:p>
-            <a:pPr lvl="1"/>
-            <a:r>
-              <a:rPr lang="en-US" dirty="0"/>
-              <a:t>undirected graph, where each vertex is reachable from all others</a:t>
-            </a:r>
-          </a:p>
-          <a:p>
-            <a:r>
-              <a:rPr lang="en-US" dirty="0"/>
-              <a:t>A </a:t>
-            </a:r>
-            <a:r>
-              <a:rPr lang="en-US" i="1" dirty="0"/>
-              <a:t>strongly connected </a:t>
-            </a:r>
-            <a:r>
-              <a:rPr lang="en-US" i="1" u="sng" dirty="0"/>
-              <a:t>di</a:t>
-            </a:r>
-            <a:r>
-              <a:rPr lang="en-US" i="1" dirty="0"/>
-              <a:t>graph:</a:t>
-            </a:r>
-          </a:p>
-          <a:p>
-            <a:pPr lvl="1"/>
-            <a:r>
-              <a:rPr lang="en-US" dirty="0"/>
-              <a:t>direction affects this!</a:t>
-            </a:r>
-          </a:p>
-          <a:p>
-            <a:pPr lvl="1"/>
-            <a:r>
-              <a:rPr lang="en-US" dirty="0"/>
-              <a:t>node u may be reachable from v, but not v from u</a:t>
-            </a:r>
-          </a:p>
-          <a:p>
-            <a:pPr lvl="1"/>
-            <a:r>
-              <a:rPr lang="en-US" u="sng" dirty="0"/>
-              <a:t>Strongly</a:t>
-            </a:r>
-            <a:r>
-              <a:rPr lang="en-US" dirty="0"/>
-              <a:t> connected means both directions</a:t>
-            </a:r>
-          </a:p>
-          <a:p>
-            <a:r>
-              <a:rPr lang="en-US" dirty="0"/>
-              <a:t>Connected components for undirected graphs</a:t>
-            </a:r>
-          </a:p>
-        </p:txBody>
-      </p:sp>
+        </p:nvPicPr>
+        <p:blipFill>
+          <a:blip r:embed="rId4"/>
+          <a:srcRect l="1846" t="5531" r="5846" b="13843"/>
+          <a:stretch>
+            <a:fillRect/>
+          </a:stretch>
+        </p:blipFill>
+        <p:spPr>
+          <a:xfrm>
+            <a:off x="1524000" y="1219200"/>
+            <a:ext cx="9144000" cy="5303838"/>
+          </a:xfrm>
+          <a:noFill/>
+        </p:spPr>
+      </p:pic>
     </p:spTree>
+    <p:extLst>
+      <p:ext uri="{BB962C8B-B14F-4D97-AF65-F5344CB8AC3E}">
+        <p14:creationId xmlns:p14="http://schemas.microsoft.com/office/powerpoint/2010/main" val="1968934227"/>
+      </p:ext>
+    </p:extLst>
   </p:cSld>
   <p:clrMapOvr>
     <a:masterClrMapping/>
@@ -5000,7 +4926,7 @@
       </p:grpSpPr>
       <p:sp>
         <p:nvSpPr>
-          <p:cNvPr id="23554" name="Rectangle 1026"/>
+          <p:cNvPr id="20482" name="Rectangle 2"/>
           <p:cNvSpPr>
             <a:spLocks noGrp="1" noChangeArrowheads="1"/>
           </p:cNvSpPr>
@@ -5017,8 +4943,8 @@
           <a:lstStyle/>
           <a:p>
             <a:r>
-              <a:rPr lang="en-US"/>
-              <a:t>Terms You Should Know or Learn Now</a:t>
+              <a:rPr lang="en-US" dirty="0"/>
+              <a:t>There are a lot of Graphs Terms</a:t>
             </a:r>
           </a:p>
         </p:txBody>
@@ -5049,7 +4975,7 @@
       </p:sp>
       <p:sp>
         <p:nvSpPr>
-          <p:cNvPr id="23555" name="Rectangle 1027"/>
+          <p:cNvPr id="20483" name="Rectangle 3"/>
           <p:cNvSpPr>
             <a:spLocks noGrp="1" noChangeArrowheads="1"/>
           </p:cNvSpPr>
@@ -5063,7 +4989,7 @@
         <p:spPr/>
         <p:txBody>
           <a:bodyPr>
-            <a:normAutofit/>
+            <a:normAutofit fontScale="92500" lnSpcReduction="10000"/>
           </a:bodyPr>
           <a:lstStyle/>
           <a:p>
@@ -5073,8 +4999,35 @@
               </a:lnSpc>
             </a:pPr>
             <a:r>
-              <a:rPr lang="en-US" dirty="0"/>
-              <a:t>Cycle</a:t>
+              <a:rPr lang="en-US" sz="2400" dirty="0"/>
+              <a:t>Vertex (plural </a:t>
+            </a:r>
+            <a:r>
+              <a:rPr lang="en-US" sz="2400" i="1" dirty="0"/>
+              <a:t>vertices</a:t>
+            </a:r>
+            <a:r>
+              <a:rPr lang="en-US" sz="2400" dirty="0"/>
+              <a:t>) or Node</a:t>
+            </a:r>
+          </a:p>
+          <a:p>
+            <a:pPr>
+              <a:lnSpc>
+                <a:spcPct val="90000"/>
+              </a:lnSpc>
+            </a:pPr>
+            <a:r>
+              <a:rPr lang="en-US" sz="2400" dirty="0"/>
+              <a:t>Edge (sometimes referred to as an </a:t>
+            </a:r>
+            <a:r>
+              <a:rPr lang="en-US" sz="2400" i="1" dirty="0"/>
+              <a:t>arc</a:t>
+            </a:r>
+            <a:r>
+              <a:rPr lang="en-US" sz="2400" dirty="0"/>
+              <a:t>)</a:t>
             </a:r>
           </a:p>
           <a:p>
@@ -5084,8 +5037,23 @@
               </a:lnSpc>
             </a:pPr>
             <a:r>
-              <a:rPr lang="en-US" dirty="0"/>
-              <a:t>Directed graph: non-empty path with same starting and ending node</a:t>
+              <a:rPr lang="en-US" sz="2000" dirty="0"/>
+              <a:t>Note the meaning of </a:t>
+            </a:r>
+            <a:r>
+              <a:rPr lang="en-US" sz="2000" i="1" dirty="0"/>
+              <a:t>incident</a:t>
+            </a:r>
+          </a:p>
+          <a:p>
+            <a:pPr>
+              <a:lnSpc>
+                <a:spcPct val="90000"/>
+              </a:lnSpc>
+            </a:pPr>
+            <a:r>
+              <a:rPr lang="en-US" sz="2400" dirty="0"/>
+              <a:t>Degree of a vertex: how many adjacent vertices</a:t>
             </a:r>
           </a:p>
           <a:p>
@@ -5095,8 +5063,41 @@
               </a:lnSpc>
             </a:pPr>
             <a:r>
-              <a:rPr lang="en-US" dirty="0"/>
-              <a:t>An edge may appear more than once (but why?)</a:t>
+              <a:rPr lang="en-US" sz="2000" dirty="0"/>
+              <a:t>Digraph: in-degree (num. of incoming edges) vs. out-degree</a:t>
+            </a:r>
+          </a:p>
+          <a:p>
+            <a:pPr>
+              <a:lnSpc>
+                <a:spcPct val="90000"/>
+              </a:lnSpc>
+            </a:pPr>
+            <a:r>
+              <a:rPr lang="en-US" sz="2400" dirty="0"/>
+              <a:t>Graphs can be:</a:t>
+            </a:r>
+          </a:p>
+          <a:p>
+            <a:pPr lvl="1">
+              <a:lnSpc>
+                <a:spcPct val="90000"/>
+              </a:lnSpc>
+            </a:pPr>
+            <a:r>
+              <a:rPr lang="en-US" sz="2000" dirty="0"/>
+              <a:t>Directed or undirected</a:t>
+            </a:r>
+          </a:p>
+          <a:p>
+            <a:pPr lvl="1">
+              <a:lnSpc>
+                <a:spcPct val="90000"/>
+              </a:lnSpc>
+            </a:pPr>
+            <a:r>
+              <a:rPr lang="en-US" sz="2000" dirty="0"/>
+              <a:t>Weighted or not weighted</a:t>
             </a:r>
           </a:p>
           <a:p>
@@ -5106,12 +5107,38 @@
               </a:lnSpc>
             </a:pPr>
             <a:r>
-              <a:rPr lang="en-US" b="1" dirty="0"/>
-              <a:t>Simple cycle</a:t>
-            </a:r>
-            <a:r>
-              <a:rPr lang="en-US" dirty="0"/>
-              <a:t>: no node repeated except start and end</a:t>
+              <a:rPr lang="en-US" sz="1800" dirty="0"/>
+              <a:t>weights can be </a:t>
+            </a:r>
+            <a:r>
+              <a:rPr lang="en-US" sz="1800" dirty="0" err="1"/>
+              <a:t>reals</a:t>
+            </a:r>
+            <a:r>
+              <a:rPr lang="en-US" sz="1800" dirty="0"/>
+              <a:t>, integers, etc.</a:t>
+            </a:r>
+          </a:p>
+          <a:p>
+            <a:pPr lvl="2">
+              <a:lnSpc>
+                <a:spcPct val="90000"/>
+              </a:lnSpc>
+            </a:pPr>
+            <a:r>
+              <a:rPr lang="en-US" sz="1800" dirty="0"/>
+              <a:t>weight also known as: cost, length, distance, capacity,…</a:t>
+            </a:r>
+          </a:p>
+          <a:p>
+            <a:pPr>
+              <a:lnSpc>
+                <a:spcPct val="90000"/>
+              </a:lnSpc>
+            </a:pPr>
+            <a:r>
+              <a:rPr lang="en-US" sz="2400" dirty="0"/>
+              <a:t>Undirected graphs:</a:t>
             </a:r>
           </a:p>
           <a:p>
@@ -5121,19 +5148,8 @@
               </a:lnSpc>
             </a:pPr>
             <a:r>
-              <a:rPr lang="en-US" dirty="0"/>
-              <a:t>Undirected graph: same idea</a:t>
-            </a:r>
-          </a:p>
-          <a:p>
-            <a:pPr lvl="2">
-              <a:lnSpc>
-                <a:spcPct val="90000"/>
-              </a:lnSpc>
-            </a:pPr>
-            <a:r>
-              <a:rPr lang="en-US" dirty="0"/>
-              <a:t>If an edge appears more than once (I.e. non-simple) then we traverse it in the same direction</a:t>
+              <a:rPr lang="en-US" sz="2000" dirty="0"/>
+              <a:t>Normally an edge can’t connect a vertex to itself</a:t>
             </a:r>
           </a:p>
           <a:p>
@@ -5143,23 +5159,16 @@
               </a:lnSpc>
             </a:pPr>
             <a:r>
-              <a:rPr lang="en-US" dirty="0"/>
-              <a:t>Acyclic:  no-cycles</a:t>
-            </a:r>
-          </a:p>
-          <a:p>
-            <a:pPr>
-              <a:lnSpc>
-                <a:spcPct val="90000"/>
-              </a:lnSpc>
-            </a:pPr>
-            <a:r>
-              <a:rPr lang="en-US" dirty="0"/>
-              <a:t>A connected, acyclic undirected graph: </a:t>
-            </a:r>
-            <a:r>
-              <a:rPr lang="en-US" i="1" dirty="0"/>
-              <a:t>free tree</a:t>
+              <a:rPr lang="en-US" sz="2400" dirty="0"/>
+              <a:t>A directed graph (also known as a </a:t>
+            </a:r>
+            <a:r>
+              <a:rPr lang="en-US" sz="2400" i="1" dirty="0"/>
+              <a:t>digraph</a:t>
+            </a:r>
+            <a:r>
+              <a:rPr lang="en-US" sz="2400" dirty="0"/>
+              <a:t>)</a:t>
             </a:r>
           </a:p>
           <a:p>
@@ -5169,20 +5178,20 @@
               </a:lnSpc>
             </a:pPr>
             <a:r>
-              <a:rPr lang="en-US" dirty="0"/>
-              <a:t>If we </a:t>
-            </a:r>
-            <a:r>
-              <a:rPr lang="en-US" dirty="0" err="1"/>
-              <a:t>specificy</a:t>
-            </a:r>
-            <a:r>
-              <a:rPr lang="en-US" dirty="0"/>
-              <a:t> a root, it’s a </a:t>
-            </a:r>
-            <a:r>
-              <a:rPr lang="en-US" i="1" dirty="0"/>
-              <a:t>rooted tree</a:t>
+              <a:rPr lang="en-US" sz="2000" dirty="0"/>
+              <a:t>“Originating” node is the </a:t>
+            </a:r>
+            <a:r>
+              <a:rPr lang="en-US" sz="2000" i="1" dirty="0"/>
+              <a:t>head</a:t>
+            </a:r>
+            <a:r>
+              <a:rPr lang="en-US" sz="2000" dirty="0"/>
+              <a:t>, the target the </a:t>
+            </a:r>
+            <a:r>
+              <a:rPr lang="en-US" sz="2000" i="1" dirty="0"/>
+              <a:t>tail</a:t>
             </a:r>
           </a:p>
           <a:p>
@@ -5192,23 +5201,8 @@
               </a:lnSpc>
             </a:pPr>
             <a:r>
-              <a:rPr lang="en-US" dirty="0"/>
-              <a:t>Acyclic but not connected?  a undirected </a:t>
-            </a:r>
-            <a:r>
-              <a:rPr lang="en-US" i="1" dirty="0"/>
-              <a:t>forest</a:t>
-            </a:r>
-          </a:p>
-          <a:p>
-            <a:pPr>
-              <a:lnSpc>
-                <a:spcPct val="90000"/>
-              </a:lnSpc>
-            </a:pPr>
-            <a:r>
-              <a:rPr lang="en-US" dirty="0"/>
-              <a:t>Directed acyclic graph: a DAG</a:t>
+              <a:rPr lang="en-US" sz="2000" dirty="0"/>
+              <a:t>An edge may connect a vertex to itself</a:t>
             </a:r>
           </a:p>
         </p:txBody>
@@ -5240,7 +5234,7 @@
       </p:grpSpPr>
       <p:sp>
         <p:nvSpPr>
-          <p:cNvPr id="24578" name="Rectangle 2"/>
+          <p:cNvPr id="21506" name="Rectangle 2"/>
           <p:cNvSpPr>
             <a:spLocks noGrp="1" noChangeArrowheads="1"/>
           </p:cNvSpPr>
@@ -5253,12 +5247,14 @@
         </p:nvSpPr>
         <p:spPr/>
         <p:txBody>
-          <a:bodyPr/>
-          <a:lstStyle/>
-          <a:p>
-            <a:r>
-              <a:rPr lang="en-US"/>
-              <a:t>Self-test: Understand these Terms?</a:t>
+          <a:bodyPr>
+            <a:normAutofit/>
+          </a:bodyPr>
+          <a:lstStyle/>
+          <a:p>
+            <a:r>
+              <a:rPr lang="en-US" dirty="0"/>
+              <a:t>More Graph Terms</a:t>
             </a:r>
           </a:p>
         </p:txBody>
@@ -5289,7 +5285,7 @@
       </p:sp>
       <p:sp>
         <p:nvSpPr>
-          <p:cNvPr id="24579" name="Rectangle 3"/>
+          <p:cNvPr id="21507" name="Rectangle 3"/>
           <p:cNvSpPr>
             <a:spLocks noGrp="1" noChangeArrowheads="1"/>
           </p:cNvSpPr>
@@ -5303,79 +5299,89 @@
         <p:spPr/>
         <p:txBody>
           <a:bodyPr>
-            <a:normAutofit fontScale="92500" lnSpcReduction="10000"/>
+            <a:normAutofit/>
           </a:bodyPr>
           <a:lstStyle/>
           <a:p>
             <a:r>
-              <a:rPr lang="en-US" sz="2400"/>
-              <a:t>Subgraph</a:t>
-            </a:r>
-          </a:p>
-          <a:p>
-            <a:r>
-              <a:rPr lang="en-US" sz="2400"/>
-              <a:t>Symmetric digraph</a:t>
-            </a:r>
-          </a:p>
-          <a:p>
-            <a:r>
-              <a:rPr lang="en-US" sz="2400"/>
+              <a:rPr lang="en-US" dirty="0"/>
+              <a:t>Size of graph? Two measures:</a:t>
+            </a:r>
+          </a:p>
+          <a:p>
+            <a:pPr lvl="1"/>
+            <a:r>
+              <a:rPr lang="en-US" dirty="0"/>
+              <a:t>Number of nodes.  Usually  ‘V’</a:t>
+            </a:r>
+          </a:p>
+          <a:p>
+            <a:pPr lvl="1"/>
+            <a:r>
+              <a:rPr lang="en-US" dirty="0"/>
+              <a:t>Number of edges: usually ‘E’</a:t>
+            </a:r>
+          </a:p>
+          <a:p>
+            <a:r>
+              <a:rPr lang="en-US" dirty="0"/>
+              <a:t>Dense graph: many edges</a:t>
+            </a:r>
+          </a:p>
+          <a:p>
+            <a:pPr lvl="1"/>
+            <a:r>
+              <a:rPr lang="en-US" dirty="0"/>
+              <a:t>Maximally dense?</a:t>
+            </a:r>
+          </a:p>
+          <a:p>
+            <a:pPr lvl="1" algn="l"/>
+            <a:r>
+              <a:rPr lang="en-US" dirty="0"/>
+              <a:t>Undirected: each node connects to all others, so </a:t>
+            </a:r>
+            <a:br>
+              <a:rPr lang="en-US" dirty="0"/>
+            </a:br>
+            <a:r>
+              <a:rPr lang="en-US" dirty="0"/>
+              <a:t>e = v(v-1)/2</a:t>
+            </a:r>
+            <a:br>
+              <a:rPr lang="en-US" dirty="0"/>
+            </a:br>
+            <a:r>
+              <a:rPr lang="en-US" dirty="0"/>
+              <a:t>Called a </a:t>
+            </a:r>
+            <a:r>
+              <a:rPr lang="en-US" i="1" dirty="0"/>
               <a:t>complete graph</a:t>
             </a:r>
           </a:p>
           <a:p>
-            <a:r>
-              <a:rPr lang="en-US" sz="2400"/>
-              <a:t>Adjacency relation</a:t>
-            </a:r>
-          </a:p>
-          <a:p>
-            <a:r>
-              <a:rPr lang="en-US" sz="2400"/>
-              <a:t>Path, simple path, reachable</a:t>
-            </a:r>
-          </a:p>
-          <a:p>
-            <a:r>
-              <a:rPr lang="en-US" sz="2400"/>
-              <a:t>Connected, Strongly Connected</a:t>
-            </a:r>
-          </a:p>
-          <a:p>
-            <a:r>
-              <a:rPr lang="en-US" sz="2400"/>
-              <a:t>Cycle, simple cycle</a:t>
-            </a:r>
-          </a:p>
-          <a:p>
-            <a:r>
-              <a:rPr lang="en-US" sz="2400"/>
-              <a:t>acyclic</a:t>
-            </a:r>
-          </a:p>
-          <a:p>
-            <a:r>
-              <a:rPr lang="en-US" sz="2400"/>
-              <a:t>undirected forest </a:t>
-            </a:r>
-          </a:p>
-          <a:p>
-            <a:r>
-              <a:rPr lang="en-US" sz="2400"/>
-              <a:t>free tree, undirected tree</a:t>
-            </a:r>
-          </a:p>
-          <a:p>
-            <a:r>
-              <a:rPr lang="en-US" sz="2400"/>
-              <a:t>rooted tree</a:t>
-            </a:r>
-          </a:p>
-          <a:p>
-            <a:r>
-              <a:rPr lang="en-US" sz="2400"/>
-              <a:t>Connected component</a:t>
+            <a:pPr lvl="1"/>
+            <a:r>
+              <a:rPr lang="en-US" dirty="0"/>
+              <a:t>Directed:   e = v(v-1)        </a:t>
+            </a:r>
+            <a:r>
+              <a:rPr lang="en-US" i="1" dirty="0"/>
+              <a:t>why?</a:t>
+            </a:r>
+          </a:p>
+          <a:p>
+            <a:r>
+              <a:rPr lang="en-US" dirty="0"/>
+              <a:t>Sparse graph: fewer edges</a:t>
+            </a:r>
+          </a:p>
+          <a:p>
+            <a:pPr lvl="1"/>
+            <a:r>
+              <a:rPr lang="en-US" dirty="0"/>
+              <a:t>Could be zero edges…</a:t>
             </a:r>
           </a:p>
         </p:txBody>
@@ -5405,6 +5411,598 @@
           <a:chExt cx="0" cy="0"/>
         </a:xfrm>
       </p:grpSpPr>
+      <p:sp>
+        <p:nvSpPr>
+          <p:cNvPr id="22530" name="Rectangle 1026"/>
+          <p:cNvSpPr>
+            <a:spLocks noGrp="1" noChangeArrowheads="1"/>
+          </p:cNvSpPr>
+          <p:nvPr>
+            <p:ph type="title"/>
+            <p:custDataLst>
+              <p:tags r:id="rId1"/>
+            </p:custDataLst>
+          </p:nvPr>
+        </p:nvSpPr>
+        <p:spPr/>
+        <p:txBody>
+          <a:bodyPr>
+            <a:normAutofit/>
+          </a:bodyPr>
+          <a:lstStyle/>
+          <a:p>
+            <a:r>
+              <a:rPr lang="en-US"/>
+              <a:t>Terms You Should Know or Learn Now</a:t>
+            </a:r>
+          </a:p>
+        </p:txBody>
+      </p:sp>
+      <p:sp>
+        <p:nvSpPr>
+          <p:cNvPr id="4" name="Slide Number Placeholder 3"/>
+          <p:cNvSpPr>
+            <a:spLocks noGrp="1"/>
+          </p:cNvSpPr>
+          <p:nvPr>
+            <p:ph type="sldNum" sz="quarter" idx="12"/>
+          </p:nvPr>
+        </p:nvSpPr>
+        <p:spPr/>
+        <p:txBody>
+          <a:bodyPr/>
+          <a:lstStyle/>
+          <a:p>
+            <a:fld id="{030EE116-056E-4288-B7F7-411CB7E437A9}" type="slidenum">
+              <a:rPr lang="en-US" smtClean="0"/>
+              <a:pPr/>
+              <a:t>13</a:t>
+            </a:fld>
+            <a:endParaRPr lang="en-US"/>
+          </a:p>
+        </p:txBody>
+      </p:sp>
+      <p:sp>
+        <p:nvSpPr>
+          <p:cNvPr id="22531" name="Rectangle 1027"/>
+          <p:cNvSpPr>
+            <a:spLocks noGrp="1" noChangeArrowheads="1"/>
+          </p:cNvSpPr>
+          <p:nvPr>
+            <p:ph sz="quarter" idx="1"/>
+            <p:custDataLst>
+              <p:tags r:id="rId2"/>
+            </p:custDataLst>
+          </p:nvPr>
+        </p:nvSpPr>
+        <p:spPr/>
+        <p:txBody>
+          <a:bodyPr>
+            <a:normAutofit/>
+          </a:bodyPr>
+          <a:lstStyle/>
+          <a:p>
+            <a:r>
+              <a:rPr lang="en-US" dirty="0"/>
+              <a:t>Path vs. simple path</a:t>
+            </a:r>
+          </a:p>
+          <a:p>
+            <a:pPr lvl="1"/>
+            <a:r>
+              <a:rPr lang="en-US" dirty="0"/>
+              <a:t>One vertex is </a:t>
+            </a:r>
+            <a:r>
+              <a:rPr lang="en-US" i="1" dirty="0"/>
+              <a:t>reachable</a:t>
+            </a:r>
+            <a:r>
+              <a:rPr lang="en-US" dirty="0"/>
+              <a:t> from another vertex</a:t>
+            </a:r>
+          </a:p>
+          <a:p>
+            <a:r>
+              <a:rPr lang="en-US" dirty="0"/>
+              <a:t>A </a:t>
+            </a:r>
+            <a:r>
+              <a:rPr lang="en-US" i="1" dirty="0"/>
+              <a:t>connected graph</a:t>
+            </a:r>
+            <a:endParaRPr lang="en-US" dirty="0"/>
+          </a:p>
+          <a:p>
+            <a:pPr lvl="1"/>
+            <a:r>
+              <a:rPr lang="en-US" dirty="0"/>
+              <a:t>undirected graph, where each vertex is reachable from all others</a:t>
+            </a:r>
+          </a:p>
+          <a:p>
+            <a:r>
+              <a:rPr lang="en-US" dirty="0"/>
+              <a:t>A </a:t>
+            </a:r>
+            <a:r>
+              <a:rPr lang="en-US" i="1" dirty="0"/>
+              <a:t>strongly connected </a:t>
+            </a:r>
+            <a:r>
+              <a:rPr lang="en-US" i="1" u="sng" dirty="0"/>
+              <a:t>di</a:t>
+            </a:r>
+            <a:r>
+              <a:rPr lang="en-US" i="1" dirty="0"/>
+              <a:t>graph:</a:t>
+            </a:r>
+          </a:p>
+          <a:p>
+            <a:pPr lvl="1"/>
+            <a:r>
+              <a:rPr lang="en-US" dirty="0"/>
+              <a:t>direction affects this!</a:t>
+            </a:r>
+          </a:p>
+          <a:p>
+            <a:pPr lvl="1"/>
+            <a:r>
+              <a:rPr lang="en-US" dirty="0"/>
+              <a:t>node u may be reachable from v, but not v from u</a:t>
+            </a:r>
+          </a:p>
+          <a:p>
+            <a:pPr lvl="1"/>
+            <a:r>
+              <a:rPr lang="en-US" u="sng" dirty="0"/>
+              <a:t>Strongly</a:t>
+            </a:r>
+            <a:r>
+              <a:rPr lang="en-US" dirty="0"/>
+              <a:t> connected means both directions</a:t>
+            </a:r>
+          </a:p>
+          <a:p>
+            <a:r>
+              <a:rPr lang="en-US" dirty="0"/>
+              <a:t>Connected components for undirected graphs</a:t>
+            </a:r>
+          </a:p>
+        </p:txBody>
+      </p:sp>
+    </p:spTree>
+  </p:cSld>
+  <p:clrMapOvr>
+    <a:masterClrMapping/>
+  </p:clrMapOvr>
+</p:sld>
+</file>
+
+<file path=ppt/slides/slide14.xml><?xml version="1.0" encoding="utf-8"?>
+<p:sld xmlns:a="http://schemas.openxmlformats.org/drawingml/2006/main" xmlns:r="http://schemas.openxmlformats.org/officeDocument/2006/relationships" xmlns:p="http://schemas.openxmlformats.org/presentationml/2006/main">
+  <p:cSld>
+    <p:spTree>
+      <p:nvGrpSpPr>
+        <p:cNvPr id="1" name=""/>
+        <p:cNvGrpSpPr/>
+        <p:nvPr/>
+      </p:nvGrpSpPr>
+      <p:grpSpPr>
+        <a:xfrm>
+          <a:off x="0" y="0"/>
+          <a:ext cx="0" cy="0"/>
+          <a:chOff x="0" y="0"/>
+          <a:chExt cx="0" cy="0"/>
+        </a:xfrm>
+      </p:grpSpPr>
+      <p:sp>
+        <p:nvSpPr>
+          <p:cNvPr id="23554" name="Rectangle 1026"/>
+          <p:cNvSpPr>
+            <a:spLocks noGrp="1" noChangeArrowheads="1"/>
+          </p:cNvSpPr>
+          <p:nvPr>
+            <p:ph type="title"/>
+            <p:custDataLst>
+              <p:tags r:id="rId1"/>
+            </p:custDataLst>
+          </p:nvPr>
+        </p:nvSpPr>
+        <p:spPr/>
+        <p:txBody>
+          <a:bodyPr/>
+          <a:lstStyle/>
+          <a:p>
+            <a:r>
+              <a:rPr lang="en-US"/>
+              <a:t>Terms You Should Know or Learn Now</a:t>
+            </a:r>
+          </a:p>
+        </p:txBody>
+      </p:sp>
+      <p:sp>
+        <p:nvSpPr>
+          <p:cNvPr id="4" name="Slide Number Placeholder 3"/>
+          <p:cNvSpPr>
+            <a:spLocks noGrp="1"/>
+          </p:cNvSpPr>
+          <p:nvPr>
+            <p:ph type="sldNum" sz="quarter" idx="12"/>
+          </p:nvPr>
+        </p:nvSpPr>
+        <p:spPr/>
+        <p:txBody>
+          <a:bodyPr/>
+          <a:lstStyle/>
+          <a:p>
+            <a:fld id="{030EE116-056E-4288-B7F7-411CB7E437A9}" type="slidenum">
+              <a:rPr lang="en-US" smtClean="0"/>
+              <a:pPr/>
+              <a:t>14</a:t>
+            </a:fld>
+            <a:endParaRPr lang="en-US"/>
+          </a:p>
+        </p:txBody>
+      </p:sp>
+      <p:sp>
+        <p:nvSpPr>
+          <p:cNvPr id="23555" name="Rectangle 1027"/>
+          <p:cNvSpPr>
+            <a:spLocks noGrp="1" noChangeArrowheads="1"/>
+          </p:cNvSpPr>
+          <p:nvPr>
+            <p:ph sz="quarter" idx="1"/>
+            <p:custDataLst>
+              <p:tags r:id="rId2"/>
+            </p:custDataLst>
+          </p:nvPr>
+        </p:nvSpPr>
+        <p:spPr/>
+        <p:txBody>
+          <a:bodyPr>
+            <a:normAutofit/>
+          </a:bodyPr>
+          <a:lstStyle/>
+          <a:p>
+            <a:pPr>
+              <a:lnSpc>
+                <a:spcPct val="90000"/>
+              </a:lnSpc>
+            </a:pPr>
+            <a:r>
+              <a:rPr lang="en-US" dirty="0"/>
+              <a:t>Cycle</a:t>
+            </a:r>
+          </a:p>
+          <a:p>
+            <a:pPr lvl="1">
+              <a:lnSpc>
+                <a:spcPct val="90000"/>
+              </a:lnSpc>
+            </a:pPr>
+            <a:r>
+              <a:rPr lang="en-US" dirty="0"/>
+              <a:t>Directed graph: non-empty path with same starting and ending node</a:t>
+            </a:r>
+          </a:p>
+          <a:p>
+            <a:pPr lvl="1">
+              <a:lnSpc>
+                <a:spcPct val="90000"/>
+              </a:lnSpc>
+            </a:pPr>
+            <a:r>
+              <a:rPr lang="en-US" dirty="0"/>
+              <a:t>An edge may appear more than once (but why?)</a:t>
+            </a:r>
+          </a:p>
+          <a:p>
+            <a:pPr lvl="2">
+              <a:lnSpc>
+                <a:spcPct val="90000"/>
+              </a:lnSpc>
+            </a:pPr>
+            <a:r>
+              <a:rPr lang="en-US" b="1" dirty="0"/>
+              <a:t>Simple cycle</a:t>
+            </a:r>
+            <a:r>
+              <a:rPr lang="en-US" dirty="0"/>
+              <a:t>: no node repeated except start and end</a:t>
+            </a:r>
+          </a:p>
+          <a:p>
+            <a:pPr lvl="1">
+              <a:lnSpc>
+                <a:spcPct val="90000"/>
+              </a:lnSpc>
+            </a:pPr>
+            <a:r>
+              <a:rPr lang="en-US" dirty="0"/>
+              <a:t>Undirected graph: same idea</a:t>
+            </a:r>
+          </a:p>
+          <a:p>
+            <a:pPr lvl="2">
+              <a:lnSpc>
+                <a:spcPct val="90000"/>
+              </a:lnSpc>
+            </a:pPr>
+            <a:r>
+              <a:rPr lang="en-US" dirty="0"/>
+              <a:t>If an edge appears more than once (I.e. non-simple) then we traverse it in the same direction</a:t>
+            </a:r>
+          </a:p>
+          <a:p>
+            <a:pPr>
+              <a:lnSpc>
+                <a:spcPct val="90000"/>
+              </a:lnSpc>
+            </a:pPr>
+            <a:r>
+              <a:rPr lang="en-US" dirty="0"/>
+              <a:t>Acyclic:  no-cycles</a:t>
+            </a:r>
+          </a:p>
+          <a:p>
+            <a:pPr>
+              <a:lnSpc>
+                <a:spcPct val="90000"/>
+              </a:lnSpc>
+            </a:pPr>
+            <a:r>
+              <a:rPr lang="en-US" dirty="0"/>
+              <a:t>A connected, acyclic undirected graph: </a:t>
+            </a:r>
+            <a:r>
+              <a:rPr lang="en-US" i="1" dirty="0"/>
+              <a:t>free tree</a:t>
+            </a:r>
+          </a:p>
+          <a:p>
+            <a:pPr lvl="1">
+              <a:lnSpc>
+                <a:spcPct val="90000"/>
+              </a:lnSpc>
+            </a:pPr>
+            <a:r>
+              <a:rPr lang="en-US" dirty="0"/>
+              <a:t>If we </a:t>
+            </a:r>
+            <a:r>
+              <a:rPr lang="en-US" dirty="0" err="1"/>
+              <a:t>specificy</a:t>
+            </a:r>
+            <a:r>
+              <a:rPr lang="en-US" dirty="0"/>
+              <a:t> a root, it’s a </a:t>
+            </a:r>
+            <a:r>
+              <a:rPr lang="en-US" i="1" dirty="0"/>
+              <a:t>rooted tree</a:t>
+            </a:r>
+          </a:p>
+          <a:p>
+            <a:pPr lvl="1">
+              <a:lnSpc>
+                <a:spcPct val="90000"/>
+              </a:lnSpc>
+            </a:pPr>
+            <a:r>
+              <a:rPr lang="en-US" dirty="0"/>
+              <a:t>Acyclic but not connected?  a undirected </a:t>
+            </a:r>
+            <a:r>
+              <a:rPr lang="en-US" i="1" dirty="0"/>
+              <a:t>forest</a:t>
+            </a:r>
+          </a:p>
+          <a:p>
+            <a:pPr>
+              <a:lnSpc>
+                <a:spcPct val="90000"/>
+              </a:lnSpc>
+            </a:pPr>
+            <a:r>
+              <a:rPr lang="en-US" dirty="0"/>
+              <a:t>Directed acyclic graph: a DAG</a:t>
+            </a:r>
+          </a:p>
+        </p:txBody>
+      </p:sp>
+    </p:spTree>
+  </p:cSld>
+  <p:clrMapOvr>
+    <a:masterClrMapping/>
+  </p:clrMapOvr>
+</p:sld>
+</file>
+
+<file path=ppt/slides/slide15.xml><?xml version="1.0" encoding="utf-8"?>
+<p:sld xmlns:a="http://schemas.openxmlformats.org/drawingml/2006/main" xmlns:r="http://schemas.openxmlformats.org/officeDocument/2006/relationships" xmlns:p="http://schemas.openxmlformats.org/presentationml/2006/main">
+  <p:cSld>
+    <p:spTree>
+      <p:nvGrpSpPr>
+        <p:cNvPr id="1" name=""/>
+        <p:cNvGrpSpPr/>
+        <p:nvPr/>
+      </p:nvGrpSpPr>
+      <p:grpSpPr>
+        <a:xfrm>
+          <a:off x="0" y="0"/>
+          <a:ext cx="0" cy="0"/>
+          <a:chOff x="0" y="0"/>
+          <a:chExt cx="0" cy="0"/>
+        </a:xfrm>
+      </p:grpSpPr>
+      <p:sp>
+        <p:nvSpPr>
+          <p:cNvPr id="24578" name="Rectangle 2"/>
+          <p:cNvSpPr>
+            <a:spLocks noGrp="1" noChangeArrowheads="1"/>
+          </p:cNvSpPr>
+          <p:nvPr>
+            <p:ph type="title"/>
+            <p:custDataLst>
+              <p:tags r:id="rId1"/>
+            </p:custDataLst>
+          </p:nvPr>
+        </p:nvSpPr>
+        <p:spPr/>
+        <p:txBody>
+          <a:bodyPr/>
+          <a:lstStyle/>
+          <a:p>
+            <a:r>
+              <a:rPr lang="en-US"/>
+              <a:t>Self-test: Understand these Terms?</a:t>
+            </a:r>
+          </a:p>
+        </p:txBody>
+      </p:sp>
+      <p:sp>
+        <p:nvSpPr>
+          <p:cNvPr id="4" name="Slide Number Placeholder 3"/>
+          <p:cNvSpPr>
+            <a:spLocks noGrp="1"/>
+          </p:cNvSpPr>
+          <p:nvPr>
+            <p:ph type="sldNum" sz="quarter" idx="12"/>
+          </p:nvPr>
+        </p:nvSpPr>
+        <p:spPr/>
+        <p:txBody>
+          <a:bodyPr/>
+          <a:lstStyle/>
+          <a:p>
+            <a:fld id="{030EE116-056E-4288-B7F7-411CB7E437A9}" type="slidenum">
+              <a:rPr lang="en-US" smtClean="0"/>
+              <a:pPr/>
+              <a:t>15</a:t>
+            </a:fld>
+            <a:endParaRPr lang="en-US"/>
+          </a:p>
+        </p:txBody>
+      </p:sp>
+      <p:sp>
+        <p:nvSpPr>
+          <p:cNvPr id="24579" name="Rectangle 3"/>
+          <p:cNvSpPr>
+            <a:spLocks noGrp="1" noChangeArrowheads="1"/>
+          </p:cNvSpPr>
+          <p:nvPr>
+            <p:ph sz="quarter" idx="1"/>
+            <p:custDataLst>
+              <p:tags r:id="rId2"/>
+            </p:custDataLst>
+          </p:nvPr>
+        </p:nvSpPr>
+        <p:spPr/>
+        <p:txBody>
+          <a:bodyPr>
+            <a:normAutofit fontScale="92500" lnSpcReduction="10000"/>
+          </a:bodyPr>
+          <a:lstStyle/>
+          <a:p>
+            <a:r>
+              <a:rPr lang="en-US" sz="2400"/>
+              <a:t>Subgraph</a:t>
+            </a:r>
+          </a:p>
+          <a:p>
+            <a:r>
+              <a:rPr lang="en-US" sz="2400"/>
+              <a:t>Symmetric digraph</a:t>
+            </a:r>
+          </a:p>
+          <a:p>
+            <a:r>
+              <a:rPr lang="en-US" sz="2400"/>
+              <a:t>complete graph</a:t>
+            </a:r>
+          </a:p>
+          <a:p>
+            <a:r>
+              <a:rPr lang="en-US" sz="2400"/>
+              <a:t>Adjacency relation</a:t>
+            </a:r>
+          </a:p>
+          <a:p>
+            <a:r>
+              <a:rPr lang="en-US" sz="2400"/>
+              <a:t>Path, simple path, reachable</a:t>
+            </a:r>
+          </a:p>
+          <a:p>
+            <a:r>
+              <a:rPr lang="en-US" sz="2400"/>
+              <a:t>Connected, Strongly Connected</a:t>
+            </a:r>
+          </a:p>
+          <a:p>
+            <a:r>
+              <a:rPr lang="en-US" sz="2400"/>
+              <a:t>Cycle, simple cycle</a:t>
+            </a:r>
+          </a:p>
+          <a:p>
+            <a:r>
+              <a:rPr lang="en-US" sz="2400"/>
+              <a:t>acyclic</a:t>
+            </a:r>
+          </a:p>
+          <a:p>
+            <a:r>
+              <a:rPr lang="en-US" sz="2400"/>
+              <a:t>undirected forest </a:t>
+            </a:r>
+          </a:p>
+          <a:p>
+            <a:r>
+              <a:rPr lang="en-US" sz="2400"/>
+              <a:t>free tree, undirected tree</a:t>
+            </a:r>
+          </a:p>
+          <a:p>
+            <a:r>
+              <a:rPr lang="en-US" sz="2400"/>
+              <a:t>rooted tree</a:t>
+            </a:r>
+          </a:p>
+          <a:p>
+            <a:r>
+              <a:rPr lang="en-US" sz="2400"/>
+              <a:t>Connected component</a:t>
+            </a:r>
+          </a:p>
+        </p:txBody>
+      </p:sp>
+    </p:spTree>
+  </p:cSld>
+  <p:clrMapOvr>
+    <a:masterClrMapping/>
+  </p:clrMapOvr>
+</p:sld>
+</file>
+
+<file path=ppt/slides/slide16.xml><?xml version="1.0" encoding="utf-8"?>
+<p:sld xmlns:a="http://schemas.openxmlformats.org/drawingml/2006/main" xmlns:r="http://schemas.openxmlformats.org/officeDocument/2006/relationships" xmlns:p="http://schemas.openxmlformats.org/presentationml/2006/main">
+  <p:cSld>
+    <p:spTree>
+      <p:nvGrpSpPr>
+        <p:cNvPr id="1" name=""/>
+        <p:cNvGrpSpPr/>
+        <p:nvPr/>
+      </p:nvGrpSpPr>
+      <p:grpSpPr>
+        <a:xfrm>
+          <a:off x="0" y="0"/>
+          <a:ext cx="0" cy="0"/>
+          <a:chOff x="0" y="0"/>
+          <a:chExt cx="0" cy="0"/>
+        </a:xfrm>
+      </p:grpSpPr>
       <p:pic>
         <p:nvPicPr>
           <p:cNvPr id="28676" name="Picture 4" descr="fig 7"/>
@@ -5484,7 +6082,7 @@
             <a:fld id="{030EE116-056E-4288-B7F7-411CB7E437A9}" type="slidenum">
               <a:rPr lang="en-US" smtClean="0"/>
               <a:pPr/>
-              <a:t>13</a:t>
+              <a:t>16</a:t>
             </a:fld>
             <a:endParaRPr lang="en-US"/>
           </a:p>
@@ -5595,7 +6193,7 @@
 </p:sld>
 </file>
 
-<file path=ppt/slides/slide14.xml><?xml version="1.0" encoding="utf-8"?>
+<file path=ppt/slides/slide17.xml><?xml version="1.0" encoding="utf-8"?>
 <p:sld xmlns:a="http://schemas.openxmlformats.org/drawingml/2006/main" xmlns:r="http://schemas.openxmlformats.org/officeDocument/2006/relationships" xmlns:p="http://schemas.openxmlformats.org/presentationml/2006/main">
   <p:cSld>
     <p:spTree>
@@ -5694,7 +6292,7 @@
             <a:fld id="{030EE116-056E-4288-B7F7-411CB7E437A9}" type="slidenum">
               <a:rPr lang="en-US" smtClean="0"/>
               <a:pPr/>
-              <a:t>14</a:t>
+              <a:t>17</a:t>
             </a:fld>
             <a:endParaRPr lang="en-US"/>
           </a:p>
@@ -5798,7 +6396,7 @@
 </p:sld>
 </file>
 
-<file path=ppt/slides/slide15.xml><?xml version="1.0" encoding="utf-8"?>
+<file path=ppt/slides/slide18.xml><?xml version="1.0" encoding="utf-8"?>
 <p:sld xmlns:a="http://schemas.openxmlformats.org/drawingml/2006/main" xmlns:r="http://schemas.openxmlformats.org/officeDocument/2006/relationships" xmlns:p="http://schemas.openxmlformats.org/presentationml/2006/main">
   <p:cSld>
     <p:spTree>
@@ -5894,7 +6492,7 @@
             <a:fld id="{030EE116-056E-4288-B7F7-411CB7E437A9}" type="slidenum">
               <a:rPr lang="en-US" smtClean="0"/>
               <a:pPr/>
-              <a:t>15</a:t>
+              <a:t>18</a:t>
             </a:fld>
             <a:endParaRPr lang="en-US"/>
           </a:p>
@@ -5908,7 +6506,7 @@
 </p:sld>
 </file>
 
-<file path=ppt/slides/slide16.xml><?xml version="1.0" encoding="utf-8"?>
+<file path=ppt/slides/slide19.xml><?xml version="1.0" encoding="utf-8"?>
 <p:sld xmlns:a="http://schemas.openxmlformats.org/drawingml/2006/main" xmlns:r="http://schemas.openxmlformats.org/officeDocument/2006/relationships" xmlns:p="http://schemas.openxmlformats.org/presentationml/2006/main">
   <p:cSld>
     <p:spTree>
@@ -5969,7 +6567,7 @@
             <a:fld id="{030EE116-056E-4288-B7F7-411CB7E437A9}" type="slidenum">
               <a:rPr lang="en-US" smtClean="0"/>
               <a:pPr/>
-              <a:t>16</a:t>
+              <a:t>19</a:t>
             </a:fld>
             <a:endParaRPr lang="en-US"/>
           </a:p>
@@ -6038,466 +6636,6 @@
 </p:sld>
 </file>
 
-<file path=ppt/slides/slide17.xml><?xml version="1.0" encoding="utf-8"?>
-<p:sld xmlns:a="http://schemas.openxmlformats.org/drawingml/2006/main" xmlns:r="http://schemas.openxmlformats.org/officeDocument/2006/relationships" xmlns:p="http://schemas.openxmlformats.org/presentationml/2006/main">
-  <p:cSld>
-    <p:spTree>
-      <p:nvGrpSpPr>
-        <p:cNvPr id="1" name=""/>
-        <p:cNvGrpSpPr/>
-        <p:nvPr/>
-      </p:nvGrpSpPr>
-      <p:grpSpPr>
-        <a:xfrm>
-          <a:off x="0" y="0"/>
-          <a:ext cx="0" cy="0"/>
-          <a:chOff x="0" y="0"/>
-          <a:chExt cx="0" cy="0"/>
-        </a:xfrm>
-      </p:grpSpPr>
-      <p:sp>
-        <p:nvSpPr>
-          <p:cNvPr id="32770" name="Rectangle 2"/>
-          <p:cNvSpPr>
-            <a:spLocks noGrp="1" noChangeArrowheads="1"/>
-          </p:cNvSpPr>
-          <p:nvPr>
-            <p:ph type="title"/>
-            <p:custDataLst>
-              <p:tags r:id="rId1"/>
-            </p:custDataLst>
-          </p:nvPr>
-        </p:nvSpPr>
-        <p:spPr/>
-        <p:txBody>
-          <a:bodyPr>
-            <a:normAutofit/>
-          </a:bodyPr>
-          <a:lstStyle/>
-          <a:p>
-            <a:r>
-              <a:rPr lang="en-US" sz="3600"/>
-              <a:t>Array of Adjacency Lists Representation</a:t>
-            </a:r>
-            <a:endParaRPr lang="en-US" sz="3600" dirty="0"/>
-          </a:p>
-        </p:txBody>
-      </p:sp>
-      <p:sp>
-        <p:nvSpPr>
-          <p:cNvPr id="5" name="Slide Number Placeholder 4"/>
-          <p:cNvSpPr>
-            <a:spLocks noGrp="1"/>
-          </p:cNvSpPr>
-          <p:nvPr>
-            <p:ph type="sldNum" sz="quarter" idx="12"/>
-          </p:nvPr>
-        </p:nvSpPr>
-        <p:spPr/>
-        <p:txBody>
-          <a:bodyPr/>
-          <a:lstStyle/>
-          <a:p>
-            <a:fld id="{030EE116-056E-4288-B7F7-411CB7E437A9}" type="slidenum">
-              <a:rPr lang="en-US" smtClean="0"/>
-              <a:pPr/>
-              <a:t>17</a:t>
-            </a:fld>
-            <a:endParaRPr lang="en-US"/>
-          </a:p>
-        </p:txBody>
-      </p:sp>
-      <p:pic>
-        <p:nvPicPr>
-          <p:cNvPr id="32771" name="Picture 4" descr="fig 7"/>
-          <p:cNvPicPr>
-            <a:picLocks noGrp="1" noChangeAspect="1" noChangeArrowheads="1"/>
-          </p:cNvPicPr>
-          <p:nvPr>
-            <p:ph sz="quarter" idx="1"/>
-            <p:custDataLst>
-              <p:tags r:id="rId2"/>
-            </p:custDataLst>
-          </p:nvPr>
-        </p:nvPicPr>
-        <p:blipFill>
-          <a:blip r:embed="rId5"/>
-          <a:srcRect r="926"/>
-          <a:stretch>
-            <a:fillRect/>
-          </a:stretch>
-        </p:blipFill>
-        <p:spPr>
-          <a:xfrm>
-            <a:off x="1981200" y="1219200"/>
-            <a:ext cx="8153400" cy="5410200"/>
-          </a:xfrm>
-          <a:noFill/>
-        </p:spPr>
-      </p:pic>
-      <p:sp>
-        <p:nvSpPr>
-          <p:cNvPr id="32772" name="Text Box 6"/>
-          <p:cNvSpPr txBox="1">
-            <a:spLocks noChangeArrowheads="1"/>
-          </p:cNvSpPr>
-          <p:nvPr>
-            <p:custDataLst>
-              <p:tags r:id="rId3"/>
-            </p:custDataLst>
-          </p:nvPr>
-        </p:nvSpPr>
-        <p:spPr bwMode="auto">
-          <a:xfrm>
-            <a:off x="7467600" y="4267201"/>
-            <a:ext cx="2819400" cy="525401"/>
-          </a:xfrm>
-          <a:prstGeom prst="rect">
-            <a:avLst/>
-          </a:prstGeom>
-          <a:solidFill>
-            <a:srgbClr val="66CCFF"/>
-          </a:solidFill>
-          <a:ln w="9525">
-            <a:noFill/>
-            <a:miter lim="800000"/>
-            <a:headEnd/>
-            <a:tailEnd/>
-          </a:ln>
-        </p:spPr>
-        <p:txBody>
-          <a:bodyPr wrap="square" lIns="90000" tIns="46800" rIns="90000" bIns="46800">
-            <a:spAutoFit/>
-          </a:bodyPr>
-          <a:lstStyle/>
-          <a:p>
-            <a:r>
-              <a:rPr kumimoji="1" lang="en-US" sz="2800" dirty="0"/>
-              <a:t>from -&gt; to, weight</a:t>
-            </a:r>
-          </a:p>
-        </p:txBody>
-      </p:sp>
-    </p:spTree>
-  </p:cSld>
-  <p:clrMapOvr>
-    <a:masterClrMapping/>
-  </p:clrMapOvr>
-</p:sld>
-</file>
-
-<file path=ppt/slides/slide18.xml><?xml version="1.0" encoding="utf-8"?>
-<p:sld xmlns:a="http://schemas.openxmlformats.org/drawingml/2006/main" xmlns:r="http://schemas.openxmlformats.org/officeDocument/2006/relationships" xmlns:p="http://schemas.openxmlformats.org/presentationml/2006/main">
-  <p:cSld>
-    <p:spTree>
-      <p:nvGrpSpPr>
-        <p:cNvPr id="1" name=""/>
-        <p:cNvGrpSpPr/>
-        <p:nvPr/>
-      </p:nvGrpSpPr>
-      <p:grpSpPr>
-        <a:xfrm>
-          <a:off x="0" y="0"/>
-          <a:ext cx="0" cy="0"/>
-          <a:chOff x="0" y="0"/>
-          <a:chExt cx="0" cy="0"/>
-        </a:xfrm>
-      </p:grpSpPr>
-      <p:sp>
-        <p:nvSpPr>
-          <p:cNvPr id="5" name="Title 4"/>
-          <p:cNvSpPr>
-            <a:spLocks noGrp="1"/>
-          </p:cNvSpPr>
-          <p:nvPr>
-            <p:ph type="title"/>
-          </p:nvPr>
-        </p:nvSpPr>
-        <p:spPr/>
-        <p:txBody>
-          <a:bodyPr/>
-          <a:lstStyle/>
-          <a:p>
-            <a:r>
-              <a:rPr lang="en-US"/>
-              <a:t>Breadth-First Search</a:t>
-            </a:r>
-            <a:endParaRPr lang="en-US" dirty="0"/>
-          </a:p>
-        </p:txBody>
-      </p:sp>
-      <p:sp>
-        <p:nvSpPr>
-          <p:cNvPr id="6" name="Text Placeholder 5"/>
-          <p:cNvSpPr>
-            <a:spLocks noGrp="1"/>
-          </p:cNvSpPr>
-          <p:nvPr>
-            <p:ph type="body" idx="1"/>
-          </p:nvPr>
-        </p:nvSpPr>
-        <p:spPr/>
-        <p:txBody>
-          <a:bodyPr/>
-          <a:lstStyle/>
-          <a:p>
-            <a:endParaRPr lang="en-US"/>
-          </a:p>
-        </p:txBody>
-      </p:sp>
-      <p:sp>
-        <p:nvSpPr>
-          <p:cNvPr id="4" name="Slide Number Placeholder 3"/>
-          <p:cNvSpPr>
-            <a:spLocks noGrp="1"/>
-          </p:cNvSpPr>
-          <p:nvPr>
-            <p:ph type="sldNum" sz="quarter" idx="12"/>
-          </p:nvPr>
-        </p:nvSpPr>
-        <p:spPr/>
-        <p:txBody>
-          <a:bodyPr/>
-          <a:lstStyle/>
-          <a:p>
-            <a:fld id="{030EE116-056E-4288-B7F7-411CB7E437A9}" type="slidenum">
-              <a:rPr lang="en-US" smtClean="0"/>
-              <a:pPr/>
-              <a:t>18</a:t>
-            </a:fld>
-            <a:endParaRPr lang="en-US"/>
-          </a:p>
-        </p:txBody>
-      </p:sp>
-    </p:spTree>
-  </p:cSld>
-  <p:clrMapOvr>
-    <a:masterClrMapping/>
-  </p:clrMapOvr>
-</p:sld>
-</file>
-
-<file path=ppt/slides/slide19.xml><?xml version="1.0" encoding="utf-8"?>
-<p:sld xmlns:a="http://schemas.openxmlformats.org/drawingml/2006/main" xmlns:r="http://schemas.openxmlformats.org/officeDocument/2006/relationships" xmlns:p="http://schemas.openxmlformats.org/presentationml/2006/main">
-  <p:cSld>
-    <p:spTree>
-      <p:nvGrpSpPr>
-        <p:cNvPr id="1" name=""/>
-        <p:cNvGrpSpPr/>
-        <p:nvPr/>
-      </p:nvGrpSpPr>
-      <p:grpSpPr>
-        <a:xfrm>
-          <a:off x="0" y="0"/>
-          <a:ext cx="0" cy="0"/>
-          <a:chOff x="0" y="0"/>
-          <a:chExt cx="0" cy="0"/>
-        </a:xfrm>
-      </p:grpSpPr>
-      <p:sp>
-        <p:nvSpPr>
-          <p:cNvPr id="33794" name="Rectangle 2"/>
-          <p:cNvSpPr>
-            <a:spLocks noGrp="1" noChangeArrowheads="1"/>
-          </p:cNvSpPr>
-          <p:nvPr>
-            <p:ph type="title"/>
-            <p:custDataLst>
-              <p:tags r:id="rId1"/>
-            </p:custDataLst>
-          </p:nvPr>
-        </p:nvSpPr>
-        <p:spPr/>
-        <p:txBody>
-          <a:bodyPr/>
-          <a:lstStyle/>
-          <a:p>
-            <a:r>
-              <a:rPr lang="en-US"/>
-              <a:t>Traversing Graphs</a:t>
-            </a:r>
-          </a:p>
-        </p:txBody>
-      </p:sp>
-      <p:sp>
-        <p:nvSpPr>
-          <p:cNvPr id="4" name="Slide Number Placeholder 3"/>
-          <p:cNvSpPr>
-            <a:spLocks noGrp="1"/>
-          </p:cNvSpPr>
-          <p:nvPr>
-            <p:ph type="sldNum" sz="quarter" idx="12"/>
-          </p:nvPr>
-        </p:nvSpPr>
-        <p:spPr/>
-        <p:txBody>
-          <a:bodyPr/>
-          <a:lstStyle/>
-          <a:p>
-            <a:fld id="{030EE116-056E-4288-B7F7-411CB7E437A9}" type="slidenum">
-              <a:rPr lang="en-US" smtClean="0"/>
-              <a:pPr/>
-              <a:t>19</a:t>
-            </a:fld>
-            <a:endParaRPr lang="en-US"/>
-          </a:p>
-        </p:txBody>
-      </p:sp>
-      <p:sp>
-        <p:nvSpPr>
-          <p:cNvPr id="33795" name="Rectangle 3"/>
-          <p:cNvSpPr>
-            <a:spLocks noGrp="1" noChangeArrowheads="1"/>
-          </p:cNvSpPr>
-          <p:nvPr>
-            <p:ph sz="quarter" idx="1"/>
-            <p:custDataLst>
-              <p:tags r:id="rId2"/>
-            </p:custDataLst>
-          </p:nvPr>
-        </p:nvSpPr>
-        <p:spPr/>
-        <p:txBody>
-          <a:bodyPr>
-            <a:normAutofit/>
-          </a:bodyPr>
-          <a:lstStyle/>
-          <a:p>
-            <a:pPr>
-              <a:lnSpc>
-                <a:spcPct val="90000"/>
-              </a:lnSpc>
-            </a:pPr>
-            <a:r>
-              <a:rPr lang="en-US" sz="2400" dirty="0"/>
-              <a:t>“Traversing” means processing each vertex edge in some organized fashion by following edges between vertices</a:t>
-            </a:r>
-          </a:p>
-          <a:p>
-            <a:pPr lvl="1">
-              <a:lnSpc>
-                <a:spcPct val="90000"/>
-              </a:lnSpc>
-            </a:pPr>
-            <a:r>
-              <a:rPr lang="en-US" sz="2000" dirty="0"/>
-              <a:t>We speak of </a:t>
-            </a:r>
-            <a:r>
-              <a:rPr lang="en-US" sz="2000" i="1" dirty="0"/>
-              <a:t>visiting</a:t>
-            </a:r>
-            <a:r>
-              <a:rPr lang="en-US" sz="2000" dirty="0"/>
-              <a:t> a vertex.  Might do something while there.</a:t>
-            </a:r>
-          </a:p>
-          <a:p>
-            <a:pPr>
-              <a:lnSpc>
-                <a:spcPct val="90000"/>
-              </a:lnSpc>
-            </a:pPr>
-            <a:r>
-              <a:rPr lang="en-US" sz="2400" dirty="0"/>
-              <a:t>Recall traversal of binary trees:</a:t>
-            </a:r>
-          </a:p>
-          <a:p>
-            <a:pPr lvl="1">
-              <a:lnSpc>
-                <a:spcPct val="90000"/>
-              </a:lnSpc>
-            </a:pPr>
-            <a:r>
-              <a:rPr lang="en-US" sz="2000" dirty="0"/>
-              <a:t>Several strategies: In-order, pre-order, post-order</a:t>
-            </a:r>
-          </a:p>
-          <a:p>
-            <a:pPr lvl="1">
-              <a:lnSpc>
-                <a:spcPct val="90000"/>
-              </a:lnSpc>
-            </a:pPr>
-            <a:r>
-              <a:rPr lang="en-US" sz="2000" dirty="0"/>
-              <a:t>Traversal strategy implies an </a:t>
-            </a:r>
-            <a:r>
-              <a:rPr lang="en-US" sz="2000" u="sng" dirty="0"/>
-              <a:t>order</a:t>
-            </a:r>
-            <a:r>
-              <a:rPr lang="en-US" sz="2000" dirty="0"/>
-              <a:t> of visits</a:t>
-            </a:r>
-          </a:p>
-          <a:p>
-            <a:pPr lvl="1">
-              <a:lnSpc>
-                <a:spcPct val="90000"/>
-              </a:lnSpc>
-            </a:pPr>
-            <a:r>
-              <a:rPr lang="en-US" sz="2000" dirty="0"/>
-              <a:t>We used recursion to describe and implement these</a:t>
-            </a:r>
-          </a:p>
-          <a:p>
-            <a:pPr>
-              <a:lnSpc>
-                <a:spcPct val="90000"/>
-              </a:lnSpc>
-            </a:pPr>
-            <a:r>
-              <a:rPr lang="en-US" sz="2400" dirty="0"/>
-              <a:t>Graphs can be used to model interesting, complex relationships</a:t>
-            </a:r>
-          </a:p>
-          <a:p>
-            <a:pPr lvl="1">
-              <a:lnSpc>
-                <a:spcPct val="90000"/>
-              </a:lnSpc>
-            </a:pPr>
-            <a:r>
-              <a:rPr lang="en-US" sz="2000" dirty="0"/>
-              <a:t>Often traversal used just to process the set of vertices or edges</a:t>
-            </a:r>
-          </a:p>
-          <a:p>
-            <a:pPr lvl="1">
-              <a:lnSpc>
-                <a:spcPct val="90000"/>
-              </a:lnSpc>
-            </a:pPr>
-            <a:r>
-              <a:rPr lang="en-US" sz="2000" dirty="0"/>
-              <a:t>Sometimes traversal can identify interesting properties of the graph</a:t>
-            </a:r>
-          </a:p>
-          <a:p>
-            <a:pPr lvl="1">
-              <a:lnSpc>
-                <a:spcPct val="90000"/>
-              </a:lnSpc>
-            </a:pPr>
-            <a:r>
-              <a:rPr lang="en-US" sz="2000" dirty="0"/>
-              <a:t>Sometimes traversal (perhaps modified, enhanced) can answer interesting questions about the problem-instance that the graph models</a:t>
-            </a:r>
-          </a:p>
-        </p:txBody>
-      </p:sp>
-    </p:spTree>
-  </p:cSld>
-  <p:clrMapOvr>
-    <a:masterClrMapping/>
-  </p:clrMapOvr>
-</p:sld>
-</file>
-
 <file path=ppt/slides/slide2.xml><?xml version="1.0" encoding="utf-8"?>
 <p:sld xmlns:a="http://schemas.openxmlformats.org/drawingml/2006/main" xmlns:r="http://schemas.openxmlformats.org/officeDocument/2006/relationships" xmlns:p="http://schemas.openxmlformats.org/presentationml/2006/main">
   <p:cSld>
@@ -6607,7 +6745,7 @@
       </p:grpSpPr>
       <p:sp>
         <p:nvSpPr>
-          <p:cNvPr id="35842" name="Rectangle 2"/>
+          <p:cNvPr id="32770" name="Rectangle 2"/>
           <p:cNvSpPr>
             <a:spLocks noGrp="1" noChangeArrowheads="1"/>
           </p:cNvSpPr>
@@ -6620,19 +6758,22 @@
         </p:nvSpPr>
         <p:spPr/>
         <p:txBody>
-          <a:bodyPr/>
-          <a:lstStyle/>
-          <a:p>
-            <a:r>
-              <a:rPr lang="en-US" dirty="0"/>
-              <a:t>BFS: Overall Strategy</a:t>
-            </a:r>
-          </a:p>
-        </p:txBody>
-      </p:sp>
-      <p:sp>
-        <p:nvSpPr>
-          <p:cNvPr id="4" name="Slide Number Placeholder 3"/>
+          <a:bodyPr>
+            <a:normAutofit/>
+          </a:bodyPr>
+          <a:lstStyle/>
+          <a:p>
+            <a:r>
+              <a:rPr lang="en-US" sz="3600"/>
+              <a:t>Array of Adjacency Lists Representation</a:t>
+            </a:r>
+            <a:endParaRPr lang="en-US" sz="3600" dirty="0"/>
+          </a:p>
+        </p:txBody>
+      </p:sp>
+      <p:sp>
+        <p:nvSpPr>
+          <p:cNvPr id="5" name="Slide Number Placeholder 4"/>
           <p:cNvSpPr>
             <a:spLocks noGrp="1"/>
           </p:cNvSpPr>
@@ -6654,62 +6795,73 @@
           </a:p>
         </p:txBody>
       </p:sp>
-      <p:sp>
-        <p:nvSpPr>
-          <p:cNvPr id="35843" name="Rectangle 3"/>
-          <p:cNvSpPr>
-            <a:spLocks noGrp="1" noChangeArrowheads="1"/>
-          </p:cNvSpPr>
+      <p:pic>
+        <p:nvPicPr>
+          <p:cNvPr id="32771" name="Picture 4" descr="fig 7"/>
+          <p:cNvPicPr>
+            <a:picLocks noGrp="1" noChangeAspect="1" noChangeArrowheads="1"/>
+          </p:cNvPicPr>
           <p:nvPr>
             <p:ph sz="quarter" idx="1"/>
             <p:custDataLst>
               <p:tags r:id="rId2"/>
             </p:custDataLst>
           </p:nvPr>
-        </p:nvSpPr>
-        <p:spPr/>
-        <p:txBody>
-          <a:bodyPr/>
-          <a:lstStyle/>
-          <a:p>
-            <a:r>
-              <a:rPr lang="en-US" dirty="0"/>
-              <a:t>Breadth-first search: Strategy</a:t>
-            </a:r>
-          </a:p>
-          <a:p>
-            <a:pPr lvl="1"/>
-            <a:r>
-              <a:rPr lang="en-US" dirty="0"/>
-              <a:t>choose a starting vertex, distance d = 0</a:t>
-            </a:r>
-          </a:p>
-          <a:p>
-            <a:pPr lvl="1"/>
-            <a:r>
-              <a:rPr lang="en-US" dirty="0"/>
-              <a:t>vertices are visited in order of increasing distance from the starting vertex, </a:t>
-            </a:r>
-          </a:p>
-          <a:p>
-            <a:pPr lvl="1"/>
-            <a:r>
-              <a:rPr lang="en-US" dirty="0"/>
-              <a:t>examine all edges leading from vertices (at distance d) to adjacent vertices (at distance d+1)</a:t>
-            </a:r>
-          </a:p>
-          <a:p>
-            <a:pPr lvl="1"/>
-            <a:r>
-              <a:rPr lang="en-US" dirty="0"/>
-              <a:t>then, examine all edges leading from vertices at distance d+1 to distance d+2, and so on, </a:t>
-            </a:r>
-          </a:p>
-          <a:p>
-            <a:pPr lvl="1"/>
-            <a:r>
-              <a:rPr lang="en-US" dirty="0"/>
-              <a:t>until no new vertex is discovered</a:t>
+        </p:nvPicPr>
+        <p:blipFill>
+          <a:blip r:embed="rId5"/>
+          <a:srcRect r="926"/>
+          <a:stretch>
+            <a:fillRect/>
+          </a:stretch>
+        </p:blipFill>
+        <p:spPr>
+          <a:xfrm>
+            <a:off x="1981200" y="1219200"/>
+            <a:ext cx="8153400" cy="5410200"/>
+          </a:xfrm>
+          <a:noFill/>
+        </p:spPr>
+      </p:pic>
+      <p:sp>
+        <p:nvSpPr>
+          <p:cNvPr id="32772" name="Text Box 6"/>
+          <p:cNvSpPr txBox="1">
+            <a:spLocks noChangeArrowheads="1"/>
+          </p:cNvSpPr>
+          <p:nvPr>
+            <p:custDataLst>
+              <p:tags r:id="rId3"/>
+            </p:custDataLst>
+          </p:nvPr>
+        </p:nvSpPr>
+        <p:spPr bwMode="auto">
+          <a:xfrm>
+            <a:off x="7467600" y="4267201"/>
+            <a:ext cx="2819400" cy="525401"/>
+          </a:xfrm>
+          <a:prstGeom prst="rect">
+            <a:avLst/>
+          </a:prstGeom>
+          <a:solidFill>
+            <a:srgbClr val="66CCFF"/>
+          </a:solidFill>
+          <a:ln w="9525">
+            <a:noFill/>
+            <a:miter lim="800000"/>
+            <a:headEnd/>
+            <a:tailEnd/>
+          </a:ln>
+        </p:spPr>
+        <p:txBody>
+          <a:bodyPr wrap="square" lIns="90000" tIns="46800" rIns="90000" bIns="46800">
+            <a:spAutoFit/>
+          </a:bodyPr>
+          <a:lstStyle/>
+          <a:p>
+            <a:r>
+              <a:rPr kumimoji="1" lang="en-US" sz="2800" dirty="0"/>
+              <a:t>from -&gt; to, weight</a:t>
             </a:r>
           </a:p>
         </p:txBody>
@@ -6741,15 +6893,12 @@
       </p:grpSpPr>
       <p:sp>
         <p:nvSpPr>
-          <p:cNvPr id="35842" name="Rectangle 2"/>
-          <p:cNvSpPr>
-            <a:spLocks noGrp="1" noChangeArrowheads="1"/>
+          <p:cNvPr id="5" name="Title 4"/>
+          <p:cNvSpPr>
+            <a:spLocks noGrp="1"/>
           </p:cNvSpPr>
           <p:nvPr>
             <p:ph type="title"/>
-            <p:custDataLst>
-              <p:tags r:id="rId1"/>
-            </p:custDataLst>
           </p:nvPr>
         </p:nvSpPr>
         <p:spPr/>
@@ -6758,14 +6907,29 @@
           <a:lstStyle/>
           <a:p>
             <a:r>
-              <a:rPr lang="en-US" dirty="0"/>
-              <a:t>BFS: Specific </a:t>
-            </a:r>
-            <a:r>
-              <a:rPr lang="en-US" dirty="0" err="1"/>
-              <a:t>Input/Output</a:t>
+              <a:rPr lang="en-US"/>
+              <a:t>Breadth-First Search</a:t>
             </a:r>
             <a:endParaRPr lang="en-US" dirty="0"/>
+          </a:p>
+        </p:txBody>
+      </p:sp>
+      <p:sp>
+        <p:nvSpPr>
+          <p:cNvPr id="6" name="Text Placeholder 5"/>
+          <p:cNvSpPr>
+            <a:spLocks noGrp="1"/>
+          </p:cNvSpPr>
+          <p:nvPr>
+            <p:ph type="body" idx="1"/>
+          </p:nvPr>
+        </p:nvSpPr>
+        <p:spPr/>
+        <p:txBody>
+          <a:bodyPr/>
+          <a:lstStyle/>
+          <a:p>
+            <a:endParaRPr lang="en-US"/>
           </a:p>
         </p:txBody>
       </p:sp>
@@ -6793,118 +6957,7 @@
           </a:p>
         </p:txBody>
       </p:sp>
-      <p:sp>
-        <p:nvSpPr>
-          <p:cNvPr id="35843" name="Rectangle 3"/>
-          <p:cNvSpPr>
-            <a:spLocks noGrp="1" noChangeArrowheads="1"/>
-          </p:cNvSpPr>
-          <p:nvPr>
-            <p:ph sz="quarter" idx="1"/>
-            <p:custDataLst>
-              <p:tags r:id="rId2"/>
-            </p:custDataLst>
-          </p:nvPr>
-        </p:nvSpPr>
-        <p:spPr/>
-        <p:txBody>
-          <a:bodyPr/>
-          <a:lstStyle/>
-          <a:p>
-            <a:r>
-              <a:rPr lang="en-US" dirty="0"/>
-              <a:t>Input: </a:t>
-            </a:r>
-          </a:p>
-          <a:p>
-            <a:pPr lvl="1"/>
-            <a:r>
-              <a:rPr lang="en-US" dirty="0"/>
-              <a:t>A graph </a:t>
-            </a:r>
-            <a:r>
-              <a:rPr lang="en-US" b="1" i="1" u="sng" dirty="0"/>
-              <a:t>G</a:t>
-            </a:r>
-            <a:endParaRPr lang="en-US" dirty="0"/>
-          </a:p>
-          <a:p>
-            <a:pPr lvl="1"/>
-            <a:r>
-              <a:rPr lang="en-US" dirty="0"/>
-              <a:t>single start vertex </a:t>
-            </a:r>
-            <a:r>
-              <a:rPr lang="en-US" b="1" i="1" u="sng" dirty="0"/>
-              <a:t>s</a:t>
-            </a:r>
-          </a:p>
-          <a:p>
-            <a:endParaRPr lang="en-US" b="1" i="1" u="sng" dirty="0"/>
-          </a:p>
-          <a:p>
-            <a:r>
-              <a:rPr lang="en-US" dirty="0"/>
-              <a:t>Output:</a:t>
-            </a:r>
-          </a:p>
-          <a:p>
-            <a:pPr lvl="1"/>
-            <a:r>
-              <a:rPr lang="en-US" dirty="0"/>
-              <a:t>Shortest distance from </a:t>
-            </a:r>
-            <a:r>
-              <a:rPr lang="en-US" b="1" i="1" u="sng" dirty="0"/>
-              <a:t>s</a:t>
-            </a:r>
-            <a:r>
-              <a:rPr lang="en-US" dirty="0"/>
-              <a:t> to each node in </a:t>
-            </a:r>
-            <a:r>
-              <a:rPr lang="en-US" b="1" i="1" u="sng" dirty="0"/>
-              <a:t>G</a:t>
-            </a:r>
-            <a:r>
-              <a:rPr lang="en-US" dirty="0"/>
-              <a:t> (distance = number of edges)</a:t>
-            </a:r>
-          </a:p>
-          <a:p>
-            <a:pPr lvl="1"/>
-            <a:r>
-              <a:rPr lang="en-US" dirty="0"/>
-              <a:t>Breadth-First Tree of </a:t>
-            </a:r>
-            <a:r>
-              <a:rPr lang="en-US" b="1" i="1" u="sng" dirty="0"/>
-              <a:t>G</a:t>
-            </a:r>
-            <a:r>
-              <a:rPr lang="en-US" dirty="0"/>
-              <a:t> with root </a:t>
-            </a:r>
-            <a:r>
-              <a:rPr lang="en-US" b="1" i="1" u="sng" dirty="0"/>
-              <a:t>s</a:t>
-            </a:r>
-          </a:p>
-          <a:p>
-            <a:pPr lvl="2"/>
-            <a:r>
-              <a:rPr lang="en-US" i="1" dirty="0"/>
-              <a:t>Note: The paths in this BFS tree represent the shortest paths from s to each node in G</a:t>
-            </a:r>
-          </a:p>
-        </p:txBody>
-      </p:sp>
     </p:spTree>
-    <p:extLst>
-      <p:ext uri="{BB962C8B-B14F-4D97-AF65-F5344CB8AC3E}">
-        <p14:creationId xmlns:p14="http://schemas.microsoft.com/office/powerpoint/2010/main" val="4124080203"/>
-      </p:ext>
-    </p:extLst>
   </p:cSld>
   <p:clrMapOvr>
     <a:masterClrMapping/>
@@ -6931,7 +6984,7 @@
       </p:grpSpPr>
       <p:sp>
         <p:nvSpPr>
-          <p:cNvPr id="36866" name="Rectangle 2"/>
+          <p:cNvPr id="33794" name="Rectangle 2"/>
           <p:cNvSpPr>
             <a:spLocks noGrp="1" noChangeArrowheads="1"/>
           </p:cNvSpPr>
@@ -6948,15 +7001,15 @@
           <a:lstStyle/>
           <a:p>
             <a:r>
-              <a:rPr lang="en-US" dirty="0"/>
-              <a:t>Breadth-first search, quick example</a:t>
-            </a:r>
-          </a:p>
-        </p:txBody>
-      </p:sp>
-      <p:sp>
-        <p:nvSpPr>
-          <p:cNvPr id="5" name="Slide Number Placeholder 4"/>
+              <a:rPr lang="en-US"/>
+              <a:t>Traversing Graphs</a:t>
+            </a:r>
+          </a:p>
+        </p:txBody>
+      </p:sp>
+      <p:sp>
+        <p:nvSpPr>
+          <p:cNvPr id="4" name="Slide Number Placeholder 3"/>
           <p:cNvSpPr>
             <a:spLocks noGrp="1"/>
           </p:cNvSpPr>
@@ -6973,6 +7026,551 @@
               <a:rPr lang="en-US" smtClean="0"/>
               <a:pPr/>
               <a:t>22</a:t>
+            </a:fld>
+            <a:endParaRPr lang="en-US"/>
+          </a:p>
+        </p:txBody>
+      </p:sp>
+      <p:sp>
+        <p:nvSpPr>
+          <p:cNvPr id="33795" name="Rectangle 3"/>
+          <p:cNvSpPr>
+            <a:spLocks noGrp="1" noChangeArrowheads="1"/>
+          </p:cNvSpPr>
+          <p:nvPr>
+            <p:ph sz="quarter" idx="1"/>
+            <p:custDataLst>
+              <p:tags r:id="rId2"/>
+            </p:custDataLst>
+          </p:nvPr>
+        </p:nvSpPr>
+        <p:spPr/>
+        <p:txBody>
+          <a:bodyPr>
+            <a:normAutofit/>
+          </a:bodyPr>
+          <a:lstStyle/>
+          <a:p>
+            <a:pPr>
+              <a:lnSpc>
+                <a:spcPct val="90000"/>
+              </a:lnSpc>
+            </a:pPr>
+            <a:r>
+              <a:rPr lang="en-US" sz="2400" dirty="0"/>
+              <a:t>“Traversing” means processing each vertex edge in some organized fashion by following edges between vertices</a:t>
+            </a:r>
+          </a:p>
+          <a:p>
+            <a:pPr lvl="1">
+              <a:lnSpc>
+                <a:spcPct val="90000"/>
+              </a:lnSpc>
+            </a:pPr>
+            <a:r>
+              <a:rPr lang="en-US" sz="2000" dirty="0"/>
+              <a:t>We speak of </a:t>
+            </a:r>
+            <a:r>
+              <a:rPr lang="en-US" sz="2000" i="1" dirty="0"/>
+              <a:t>visiting</a:t>
+            </a:r>
+            <a:r>
+              <a:rPr lang="en-US" sz="2000" dirty="0"/>
+              <a:t> a vertex.  Might do something while there.</a:t>
+            </a:r>
+          </a:p>
+          <a:p>
+            <a:pPr>
+              <a:lnSpc>
+                <a:spcPct val="90000"/>
+              </a:lnSpc>
+            </a:pPr>
+            <a:r>
+              <a:rPr lang="en-US" sz="2400" dirty="0"/>
+              <a:t>Recall traversal of binary trees:</a:t>
+            </a:r>
+          </a:p>
+          <a:p>
+            <a:pPr lvl="1">
+              <a:lnSpc>
+                <a:spcPct val="90000"/>
+              </a:lnSpc>
+            </a:pPr>
+            <a:r>
+              <a:rPr lang="en-US" sz="2000" dirty="0"/>
+              <a:t>Several strategies: In-order, pre-order, post-order</a:t>
+            </a:r>
+          </a:p>
+          <a:p>
+            <a:pPr lvl="1">
+              <a:lnSpc>
+                <a:spcPct val="90000"/>
+              </a:lnSpc>
+            </a:pPr>
+            <a:r>
+              <a:rPr lang="en-US" sz="2000" dirty="0"/>
+              <a:t>Traversal strategy implies an </a:t>
+            </a:r>
+            <a:r>
+              <a:rPr lang="en-US" sz="2000" u="sng" dirty="0"/>
+              <a:t>order</a:t>
+            </a:r>
+            <a:r>
+              <a:rPr lang="en-US" sz="2000" dirty="0"/>
+              <a:t> of visits</a:t>
+            </a:r>
+          </a:p>
+          <a:p>
+            <a:pPr lvl="1">
+              <a:lnSpc>
+                <a:spcPct val="90000"/>
+              </a:lnSpc>
+            </a:pPr>
+            <a:r>
+              <a:rPr lang="en-US" sz="2000" dirty="0"/>
+              <a:t>We used recursion to describe and implement these</a:t>
+            </a:r>
+          </a:p>
+          <a:p>
+            <a:pPr>
+              <a:lnSpc>
+                <a:spcPct val="90000"/>
+              </a:lnSpc>
+            </a:pPr>
+            <a:r>
+              <a:rPr lang="en-US" sz="2400" dirty="0"/>
+              <a:t>Graphs can be used to model interesting, complex relationships</a:t>
+            </a:r>
+          </a:p>
+          <a:p>
+            <a:pPr lvl="1">
+              <a:lnSpc>
+                <a:spcPct val="90000"/>
+              </a:lnSpc>
+            </a:pPr>
+            <a:r>
+              <a:rPr lang="en-US" sz="2000" dirty="0"/>
+              <a:t>Often traversal used just to process the set of vertices or edges</a:t>
+            </a:r>
+          </a:p>
+          <a:p>
+            <a:pPr lvl="1">
+              <a:lnSpc>
+                <a:spcPct val="90000"/>
+              </a:lnSpc>
+            </a:pPr>
+            <a:r>
+              <a:rPr lang="en-US" sz="2000" dirty="0"/>
+              <a:t>Sometimes traversal can identify interesting properties of the graph</a:t>
+            </a:r>
+          </a:p>
+          <a:p>
+            <a:pPr lvl="1">
+              <a:lnSpc>
+                <a:spcPct val="90000"/>
+              </a:lnSpc>
+            </a:pPr>
+            <a:r>
+              <a:rPr lang="en-US" sz="2000" dirty="0"/>
+              <a:t>Sometimes traversal (perhaps modified, enhanced) can answer interesting questions about the problem-instance that the graph models</a:t>
+            </a:r>
+          </a:p>
+        </p:txBody>
+      </p:sp>
+    </p:spTree>
+  </p:cSld>
+  <p:clrMapOvr>
+    <a:masterClrMapping/>
+  </p:clrMapOvr>
+</p:sld>
+</file>
+
+<file path=ppt/slides/slide23.xml><?xml version="1.0" encoding="utf-8"?>
+<p:sld xmlns:a="http://schemas.openxmlformats.org/drawingml/2006/main" xmlns:r="http://schemas.openxmlformats.org/officeDocument/2006/relationships" xmlns:p="http://schemas.openxmlformats.org/presentationml/2006/main">
+  <p:cSld>
+    <p:spTree>
+      <p:nvGrpSpPr>
+        <p:cNvPr id="1" name=""/>
+        <p:cNvGrpSpPr/>
+        <p:nvPr/>
+      </p:nvGrpSpPr>
+      <p:grpSpPr>
+        <a:xfrm>
+          <a:off x="0" y="0"/>
+          <a:ext cx="0" cy="0"/>
+          <a:chOff x="0" y="0"/>
+          <a:chExt cx="0" cy="0"/>
+        </a:xfrm>
+      </p:grpSpPr>
+      <p:sp>
+        <p:nvSpPr>
+          <p:cNvPr id="35842" name="Rectangle 2"/>
+          <p:cNvSpPr>
+            <a:spLocks noGrp="1" noChangeArrowheads="1"/>
+          </p:cNvSpPr>
+          <p:nvPr>
+            <p:ph type="title"/>
+            <p:custDataLst>
+              <p:tags r:id="rId1"/>
+            </p:custDataLst>
+          </p:nvPr>
+        </p:nvSpPr>
+        <p:spPr/>
+        <p:txBody>
+          <a:bodyPr/>
+          <a:lstStyle/>
+          <a:p>
+            <a:r>
+              <a:rPr lang="en-US" dirty="0"/>
+              <a:t>BFS: Overall Strategy</a:t>
+            </a:r>
+          </a:p>
+        </p:txBody>
+      </p:sp>
+      <p:sp>
+        <p:nvSpPr>
+          <p:cNvPr id="4" name="Slide Number Placeholder 3"/>
+          <p:cNvSpPr>
+            <a:spLocks noGrp="1"/>
+          </p:cNvSpPr>
+          <p:nvPr>
+            <p:ph type="sldNum" sz="quarter" idx="12"/>
+          </p:nvPr>
+        </p:nvSpPr>
+        <p:spPr/>
+        <p:txBody>
+          <a:bodyPr/>
+          <a:lstStyle/>
+          <a:p>
+            <a:fld id="{030EE116-056E-4288-B7F7-411CB7E437A9}" type="slidenum">
+              <a:rPr lang="en-US" smtClean="0"/>
+              <a:pPr/>
+              <a:t>23</a:t>
+            </a:fld>
+            <a:endParaRPr lang="en-US"/>
+          </a:p>
+        </p:txBody>
+      </p:sp>
+      <p:sp>
+        <p:nvSpPr>
+          <p:cNvPr id="35843" name="Rectangle 3"/>
+          <p:cNvSpPr>
+            <a:spLocks noGrp="1" noChangeArrowheads="1"/>
+          </p:cNvSpPr>
+          <p:nvPr>
+            <p:ph sz="quarter" idx="1"/>
+            <p:custDataLst>
+              <p:tags r:id="rId2"/>
+            </p:custDataLst>
+          </p:nvPr>
+        </p:nvSpPr>
+        <p:spPr/>
+        <p:txBody>
+          <a:bodyPr/>
+          <a:lstStyle/>
+          <a:p>
+            <a:r>
+              <a:rPr lang="en-US" dirty="0"/>
+              <a:t>Breadth-first search: Strategy</a:t>
+            </a:r>
+          </a:p>
+          <a:p>
+            <a:pPr lvl="1"/>
+            <a:r>
+              <a:rPr lang="en-US" dirty="0"/>
+              <a:t>choose a starting vertex, distance d = 0</a:t>
+            </a:r>
+          </a:p>
+          <a:p>
+            <a:pPr lvl="1"/>
+            <a:r>
+              <a:rPr lang="en-US" dirty="0"/>
+              <a:t>vertices are visited in order of increasing distance from the starting vertex, </a:t>
+            </a:r>
+          </a:p>
+          <a:p>
+            <a:pPr lvl="1"/>
+            <a:r>
+              <a:rPr lang="en-US" dirty="0"/>
+              <a:t>examine all edges leading from vertices (at distance d) to adjacent vertices (at distance d+1)</a:t>
+            </a:r>
+          </a:p>
+          <a:p>
+            <a:pPr lvl="1"/>
+            <a:r>
+              <a:rPr lang="en-US" dirty="0"/>
+              <a:t>then, examine all edges leading from vertices at distance d+1 to distance d+2, and so on, </a:t>
+            </a:r>
+          </a:p>
+          <a:p>
+            <a:pPr lvl="1"/>
+            <a:r>
+              <a:rPr lang="en-US" dirty="0"/>
+              <a:t>until no new vertex is discovered</a:t>
+            </a:r>
+          </a:p>
+        </p:txBody>
+      </p:sp>
+    </p:spTree>
+  </p:cSld>
+  <p:clrMapOvr>
+    <a:masterClrMapping/>
+  </p:clrMapOvr>
+</p:sld>
+</file>
+
+<file path=ppt/slides/slide24.xml><?xml version="1.0" encoding="utf-8"?>
+<p:sld xmlns:a="http://schemas.openxmlformats.org/drawingml/2006/main" xmlns:r="http://schemas.openxmlformats.org/officeDocument/2006/relationships" xmlns:p="http://schemas.openxmlformats.org/presentationml/2006/main">
+  <p:cSld>
+    <p:spTree>
+      <p:nvGrpSpPr>
+        <p:cNvPr id="1" name=""/>
+        <p:cNvGrpSpPr/>
+        <p:nvPr/>
+      </p:nvGrpSpPr>
+      <p:grpSpPr>
+        <a:xfrm>
+          <a:off x="0" y="0"/>
+          <a:ext cx="0" cy="0"/>
+          <a:chOff x="0" y="0"/>
+          <a:chExt cx="0" cy="0"/>
+        </a:xfrm>
+      </p:grpSpPr>
+      <p:sp>
+        <p:nvSpPr>
+          <p:cNvPr id="35842" name="Rectangle 2"/>
+          <p:cNvSpPr>
+            <a:spLocks noGrp="1" noChangeArrowheads="1"/>
+          </p:cNvSpPr>
+          <p:nvPr>
+            <p:ph type="title"/>
+            <p:custDataLst>
+              <p:tags r:id="rId1"/>
+            </p:custDataLst>
+          </p:nvPr>
+        </p:nvSpPr>
+        <p:spPr/>
+        <p:txBody>
+          <a:bodyPr/>
+          <a:lstStyle/>
+          <a:p>
+            <a:r>
+              <a:rPr lang="en-US" dirty="0"/>
+              <a:t>BFS: Specific </a:t>
+            </a:r>
+            <a:r>
+              <a:rPr lang="en-US" dirty="0" err="1"/>
+              <a:t>Input/Output</a:t>
+            </a:r>
+            <a:endParaRPr lang="en-US" dirty="0"/>
+          </a:p>
+        </p:txBody>
+      </p:sp>
+      <p:sp>
+        <p:nvSpPr>
+          <p:cNvPr id="4" name="Slide Number Placeholder 3"/>
+          <p:cNvSpPr>
+            <a:spLocks noGrp="1"/>
+          </p:cNvSpPr>
+          <p:nvPr>
+            <p:ph type="sldNum" sz="quarter" idx="12"/>
+          </p:nvPr>
+        </p:nvSpPr>
+        <p:spPr/>
+        <p:txBody>
+          <a:bodyPr/>
+          <a:lstStyle/>
+          <a:p>
+            <a:fld id="{030EE116-056E-4288-B7F7-411CB7E437A9}" type="slidenum">
+              <a:rPr lang="en-US" smtClean="0"/>
+              <a:pPr/>
+              <a:t>24</a:t>
+            </a:fld>
+            <a:endParaRPr lang="en-US"/>
+          </a:p>
+        </p:txBody>
+      </p:sp>
+      <p:sp>
+        <p:nvSpPr>
+          <p:cNvPr id="35843" name="Rectangle 3"/>
+          <p:cNvSpPr>
+            <a:spLocks noGrp="1" noChangeArrowheads="1"/>
+          </p:cNvSpPr>
+          <p:nvPr>
+            <p:ph sz="quarter" idx="1"/>
+            <p:custDataLst>
+              <p:tags r:id="rId2"/>
+            </p:custDataLst>
+          </p:nvPr>
+        </p:nvSpPr>
+        <p:spPr/>
+        <p:txBody>
+          <a:bodyPr/>
+          <a:lstStyle/>
+          <a:p>
+            <a:r>
+              <a:rPr lang="en-US" dirty="0"/>
+              <a:t>Input: </a:t>
+            </a:r>
+          </a:p>
+          <a:p>
+            <a:pPr lvl="1"/>
+            <a:r>
+              <a:rPr lang="en-US" dirty="0"/>
+              <a:t>A graph </a:t>
+            </a:r>
+            <a:r>
+              <a:rPr lang="en-US" b="1" i="1" u="sng" dirty="0"/>
+              <a:t>G</a:t>
+            </a:r>
+            <a:endParaRPr lang="en-US" dirty="0"/>
+          </a:p>
+          <a:p>
+            <a:pPr lvl="1"/>
+            <a:r>
+              <a:rPr lang="en-US" dirty="0"/>
+              <a:t>single start vertex </a:t>
+            </a:r>
+            <a:r>
+              <a:rPr lang="en-US" b="1" i="1" u="sng" dirty="0"/>
+              <a:t>s</a:t>
+            </a:r>
+          </a:p>
+          <a:p>
+            <a:endParaRPr lang="en-US" b="1" i="1" u="sng" dirty="0"/>
+          </a:p>
+          <a:p>
+            <a:r>
+              <a:rPr lang="en-US" dirty="0"/>
+              <a:t>Output:</a:t>
+            </a:r>
+          </a:p>
+          <a:p>
+            <a:pPr lvl="1"/>
+            <a:r>
+              <a:rPr lang="en-US" dirty="0"/>
+              <a:t>Shortest distance from </a:t>
+            </a:r>
+            <a:r>
+              <a:rPr lang="en-US" b="1" i="1" u="sng" dirty="0"/>
+              <a:t>s</a:t>
+            </a:r>
+            <a:r>
+              <a:rPr lang="en-US" dirty="0"/>
+              <a:t> to each node in </a:t>
+            </a:r>
+            <a:r>
+              <a:rPr lang="en-US" b="1" i="1" u="sng" dirty="0"/>
+              <a:t>G</a:t>
+            </a:r>
+            <a:r>
+              <a:rPr lang="en-US" dirty="0"/>
+              <a:t> (distance = number of edges)</a:t>
+            </a:r>
+          </a:p>
+          <a:p>
+            <a:pPr lvl="1"/>
+            <a:r>
+              <a:rPr lang="en-US" dirty="0"/>
+              <a:t>Breadth-First Tree of </a:t>
+            </a:r>
+            <a:r>
+              <a:rPr lang="en-US" b="1" i="1" u="sng" dirty="0"/>
+              <a:t>G</a:t>
+            </a:r>
+            <a:r>
+              <a:rPr lang="en-US" dirty="0"/>
+              <a:t> with root </a:t>
+            </a:r>
+            <a:r>
+              <a:rPr lang="en-US" b="1" i="1" u="sng" dirty="0"/>
+              <a:t>s</a:t>
+            </a:r>
+          </a:p>
+          <a:p>
+            <a:pPr lvl="2"/>
+            <a:r>
+              <a:rPr lang="en-US" i="1" dirty="0"/>
+              <a:t>Note: The paths in this BFS tree represent the shortest paths from s to each node in G</a:t>
+            </a:r>
+          </a:p>
+        </p:txBody>
+      </p:sp>
+    </p:spTree>
+    <p:extLst>
+      <p:ext uri="{BB962C8B-B14F-4D97-AF65-F5344CB8AC3E}">
+        <p14:creationId xmlns:p14="http://schemas.microsoft.com/office/powerpoint/2010/main" val="4124080203"/>
+      </p:ext>
+    </p:extLst>
+  </p:cSld>
+  <p:clrMapOvr>
+    <a:masterClrMapping/>
+  </p:clrMapOvr>
+</p:sld>
+</file>
+
+<file path=ppt/slides/slide25.xml><?xml version="1.0" encoding="utf-8"?>
+<p:sld xmlns:a="http://schemas.openxmlformats.org/drawingml/2006/main" xmlns:r="http://schemas.openxmlformats.org/officeDocument/2006/relationships" xmlns:p="http://schemas.openxmlformats.org/presentationml/2006/main">
+  <p:cSld>
+    <p:spTree>
+      <p:nvGrpSpPr>
+        <p:cNvPr id="1" name=""/>
+        <p:cNvGrpSpPr/>
+        <p:nvPr/>
+      </p:nvGrpSpPr>
+      <p:grpSpPr>
+        <a:xfrm>
+          <a:off x="0" y="0"/>
+          <a:ext cx="0" cy="0"/>
+          <a:chOff x="0" y="0"/>
+          <a:chExt cx="0" cy="0"/>
+        </a:xfrm>
+      </p:grpSpPr>
+      <p:sp>
+        <p:nvSpPr>
+          <p:cNvPr id="36866" name="Rectangle 2"/>
+          <p:cNvSpPr>
+            <a:spLocks noGrp="1" noChangeArrowheads="1"/>
+          </p:cNvSpPr>
+          <p:nvPr>
+            <p:ph type="title"/>
+            <p:custDataLst>
+              <p:tags r:id="rId1"/>
+            </p:custDataLst>
+          </p:nvPr>
+        </p:nvSpPr>
+        <p:spPr/>
+        <p:txBody>
+          <a:bodyPr/>
+          <a:lstStyle/>
+          <a:p>
+            <a:r>
+              <a:rPr lang="en-US" dirty="0"/>
+              <a:t>Breadth-first search, quick example</a:t>
+            </a:r>
+          </a:p>
+        </p:txBody>
+      </p:sp>
+      <p:sp>
+        <p:nvSpPr>
+          <p:cNvPr id="5" name="Slide Number Placeholder 4"/>
+          <p:cNvSpPr>
+            <a:spLocks noGrp="1"/>
+          </p:cNvSpPr>
+          <p:nvPr>
+            <p:ph type="sldNum" sz="quarter" idx="12"/>
+          </p:nvPr>
+        </p:nvSpPr>
+        <p:spPr/>
+        <p:txBody>
+          <a:bodyPr/>
+          <a:lstStyle/>
+          <a:p>
+            <a:fld id="{030EE116-056E-4288-B7F7-411CB7E437A9}" type="slidenum">
+              <a:rPr lang="en-US" smtClean="0"/>
+              <a:pPr/>
+              <a:t>25</a:t>
             </a:fld>
             <a:endParaRPr lang="en-US"/>
           </a:p>
@@ -7046,7 +7644,7 @@
 </p:sld>
 </file>
 
-<file path=ppt/slides/slide23.xml><?xml version="1.0" encoding="utf-8"?>
+<file path=ppt/slides/slide26.xml><?xml version="1.0" encoding="utf-8"?>
 <p:sld xmlns:a="http://schemas.openxmlformats.org/drawingml/2006/main" xmlns:r="http://schemas.openxmlformats.org/officeDocument/2006/relationships" xmlns:p="http://schemas.openxmlformats.org/presentationml/2006/main">
   <p:cSld>
     <p:spTree>
@@ -7106,7 +7704,7 @@
             <a:fld id="{030EE116-056E-4288-B7F7-411CB7E437A9}" type="slidenum">
               <a:rPr lang="en-US" smtClean="0"/>
               <a:pPr/>
-              <a:t>23</a:t>
+              <a:t>26</a:t>
             </a:fld>
             <a:endParaRPr lang="en-US"/>
           </a:p>
@@ -7212,7 +7810,7 @@
 </p:sld>
 </file>
 
-<file path=ppt/slides/slide24.xml><?xml version="1.0" encoding="utf-8"?>
+<file path=ppt/slides/slide27.xml><?xml version="1.0" encoding="utf-8"?>
 <p:sld xmlns:a="http://schemas.openxmlformats.org/drawingml/2006/main" xmlns:r="http://schemas.openxmlformats.org/officeDocument/2006/relationships" xmlns:p="http://schemas.openxmlformats.org/presentationml/2006/main">
   <p:cSld>
     <p:spTree>
@@ -7272,7 +7870,7 @@
             <a:fld id="{030EE116-056E-4288-B7F7-411CB7E437A9}" type="slidenum">
               <a:rPr lang="en-US" smtClean="0"/>
               <a:pPr/>
-              <a:t>24</a:t>
+              <a:t>27</a:t>
             </a:fld>
             <a:endParaRPr lang="en-US"/>
           </a:p>
@@ -7449,7 +8047,7 @@
 </p:sld>
 </file>
 
-<file path=ppt/slides/slide25.xml><?xml version="1.0" encoding="utf-8"?>
+<file path=ppt/slides/slide28.xml><?xml version="1.0" encoding="utf-8"?>
 <p:sld xmlns:a="http://schemas.openxmlformats.org/drawingml/2006/main" xmlns:r="http://schemas.openxmlformats.org/officeDocument/2006/relationships" xmlns:p="http://schemas.openxmlformats.org/presentationml/2006/main">
   <p:cSld>
     <p:spTree>
@@ -7509,7 +8107,7 @@
             <a:fld id="{030EE116-056E-4288-B7F7-411CB7E437A9}" type="slidenum">
               <a:rPr lang="en-US" smtClean="0"/>
               <a:pPr/>
-              <a:t>25</a:t>
+              <a:t>28</a:t>
             </a:fld>
             <a:endParaRPr lang="en-US"/>
           </a:p>
@@ -7854,7 +8452,7 @@
 </p:sld>
 </file>
 
-<file path=ppt/slides/slide26.xml><?xml version="1.0" encoding="utf-8"?>
+<file path=ppt/slides/slide29.xml><?xml version="1.0" encoding="utf-8"?>
 <p:sld xmlns:a="http://schemas.openxmlformats.org/drawingml/2006/main" xmlns:r="http://schemas.openxmlformats.org/officeDocument/2006/relationships" xmlns:p="http://schemas.openxmlformats.org/presentationml/2006/main">
   <p:cSld>
     <p:spTree>
@@ -7914,7 +8512,7 @@
             <a:fld id="{030EE116-056E-4288-B7F7-411CB7E437A9}" type="slidenum">
               <a:rPr lang="en-US" smtClean="0"/>
               <a:pPr/>
-              <a:t>26</a:t>
+              <a:t>29</a:t>
             </a:fld>
             <a:endParaRPr lang="en-US"/>
           </a:p>
@@ -8282,7 +8880,7 @@
 </p:sld>
 </file>
 
-<file path=ppt/slides/slide27.xml><?xml version="1.0" encoding="utf-8"?>
+<file path=ppt/slides/slide3.xml><?xml version="1.0" encoding="utf-8"?>
 <p:sld xmlns:a="http://schemas.openxmlformats.org/drawingml/2006/main" xmlns:r="http://schemas.openxmlformats.org/officeDocument/2006/relationships" xmlns:p="http://schemas.openxmlformats.org/presentationml/2006/main">
   <p:cSld>
     <p:spTree>
@@ -8301,7 +8899,7 @@
       </p:grpSpPr>
       <p:sp>
         <p:nvSpPr>
-          <p:cNvPr id="40962" name="Rectangle 2"/>
+          <p:cNvPr id="20482" name="Rectangle 2"/>
           <p:cNvSpPr>
             <a:spLocks noGrp="1" noChangeArrowheads="1"/>
           </p:cNvSpPr>
@@ -8319,7 +8917,7 @@
           <a:p>
             <a:r>
               <a:rPr lang="en-US" dirty="0"/>
-              <a:t>Breadth-first search: Some Properties</a:t>
+              <a:t>Module 1 Topics (Bolded items in this deck)</a:t>
             </a:r>
           </a:p>
         </p:txBody>
@@ -8342,7 +8940,184 @@
             <a:fld id="{030EE116-056E-4288-B7F7-411CB7E437A9}" type="slidenum">
               <a:rPr lang="en-US" smtClean="0"/>
               <a:pPr/>
-              <a:t>27</a:t>
+              <a:t>3</a:t>
+            </a:fld>
+            <a:endParaRPr lang="en-US"/>
+          </a:p>
+        </p:txBody>
+      </p:sp>
+      <p:sp>
+        <p:nvSpPr>
+          <p:cNvPr id="20483" name="Rectangle 3"/>
+          <p:cNvSpPr>
+            <a:spLocks noGrp="1" noChangeArrowheads="1"/>
+          </p:cNvSpPr>
+          <p:nvPr>
+            <p:ph sz="quarter" idx="1"/>
+            <p:custDataLst>
+              <p:tags r:id="rId2"/>
+            </p:custDataLst>
+          </p:nvPr>
+        </p:nvSpPr>
+        <p:spPr/>
+        <p:txBody>
+          <a:bodyPr>
+            <a:normAutofit/>
+          </a:bodyPr>
+          <a:lstStyle/>
+          <a:p>
+            <a:pPr>
+              <a:lnSpc>
+                <a:spcPct val="90000"/>
+              </a:lnSpc>
+            </a:pPr>
+            <a:r>
+              <a:rPr lang="en-US" sz="2400" b="1" i="1" dirty="0"/>
+              <a:t>Graph Representation</a:t>
+            </a:r>
+          </a:p>
+          <a:p>
+            <a:pPr lvl="1">
+              <a:lnSpc>
+                <a:spcPct val="90000"/>
+              </a:lnSpc>
+            </a:pPr>
+            <a:r>
+              <a:rPr lang="en-US" sz="1700" b="1" i="1" dirty="0"/>
+              <a:t>What is a graph?</a:t>
+            </a:r>
+          </a:p>
+          <a:p>
+            <a:pPr lvl="1">
+              <a:lnSpc>
+                <a:spcPct val="90000"/>
+              </a:lnSpc>
+            </a:pPr>
+            <a:r>
+              <a:rPr lang="en-US" sz="1700" b="1" i="1" dirty="0"/>
+              <a:t>Adjacency Lists vs. Matrices</a:t>
+            </a:r>
+          </a:p>
+          <a:p>
+            <a:pPr>
+              <a:lnSpc>
+                <a:spcPct val="90000"/>
+              </a:lnSpc>
+            </a:pPr>
+            <a:r>
+              <a:rPr lang="en-US" sz="2000" b="1" i="1" dirty="0"/>
+              <a:t>Traversing Graphs: Breadth First Search</a:t>
+            </a:r>
+          </a:p>
+          <a:p>
+            <a:pPr>
+              <a:lnSpc>
+                <a:spcPct val="90000"/>
+              </a:lnSpc>
+            </a:pPr>
+            <a:r>
+              <a:rPr lang="en-US" sz="2000" dirty="0"/>
+              <a:t>Traversing Graphs: Depth First Search</a:t>
+            </a:r>
+          </a:p>
+          <a:p>
+            <a:pPr>
+              <a:lnSpc>
+                <a:spcPct val="90000"/>
+              </a:lnSpc>
+            </a:pPr>
+            <a:r>
+              <a:rPr lang="en-US" sz="2000" dirty="0"/>
+              <a:t>Topological Sort</a:t>
+            </a:r>
+          </a:p>
+          <a:p>
+            <a:pPr>
+              <a:lnSpc>
+                <a:spcPct val="90000"/>
+              </a:lnSpc>
+            </a:pPr>
+            <a:r>
+              <a:rPr lang="en-US" sz="2000" dirty="0"/>
+              <a:t>Strongly Connected Components</a:t>
+            </a:r>
+          </a:p>
+        </p:txBody>
+      </p:sp>
+    </p:spTree>
+    <p:extLst>
+      <p:ext uri="{BB962C8B-B14F-4D97-AF65-F5344CB8AC3E}">
+        <p14:creationId xmlns:p14="http://schemas.microsoft.com/office/powerpoint/2010/main" val="2069037979"/>
+      </p:ext>
+    </p:extLst>
+  </p:cSld>
+  <p:clrMapOvr>
+    <a:masterClrMapping/>
+  </p:clrMapOvr>
+</p:sld>
+</file>
+
+<file path=ppt/slides/slide30.xml><?xml version="1.0" encoding="utf-8"?>
+<p:sld xmlns:a="http://schemas.openxmlformats.org/drawingml/2006/main" xmlns:r="http://schemas.openxmlformats.org/officeDocument/2006/relationships" xmlns:p="http://schemas.openxmlformats.org/presentationml/2006/main">
+  <p:cSld>
+    <p:spTree>
+      <p:nvGrpSpPr>
+        <p:cNvPr id="1" name=""/>
+        <p:cNvGrpSpPr/>
+        <p:nvPr/>
+      </p:nvGrpSpPr>
+      <p:grpSpPr>
+        <a:xfrm>
+          <a:off x="0" y="0"/>
+          <a:ext cx="0" cy="0"/>
+          <a:chOff x="0" y="0"/>
+          <a:chExt cx="0" cy="0"/>
+        </a:xfrm>
+      </p:grpSpPr>
+      <p:sp>
+        <p:nvSpPr>
+          <p:cNvPr id="40962" name="Rectangle 2"/>
+          <p:cNvSpPr>
+            <a:spLocks noGrp="1" noChangeArrowheads="1"/>
+          </p:cNvSpPr>
+          <p:nvPr>
+            <p:ph type="title"/>
+            <p:custDataLst>
+              <p:tags r:id="rId1"/>
+            </p:custDataLst>
+          </p:nvPr>
+        </p:nvSpPr>
+        <p:spPr/>
+        <p:txBody>
+          <a:bodyPr/>
+          <a:lstStyle/>
+          <a:p>
+            <a:r>
+              <a:rPr lang="en-US" dirty="0"/>
+              <a:t>Breadth-first search: Some Properties</a:t>
+            </a:r>
+          </a:p>
+        </p:txBody>
+      </p:sp>
+      <p:sp>
+        <p:nvSpPr>
+          <p:cNvPr id="4" name="Slide Number Placeholder 3"/>
+          <p:cNvSpPr>
+            <a:spLocks noGrp="1"/>
+          </p:cNvSpPr>
+          <p:nvPr>
+            <p:ph type="sldNum" sz="quarter" idx="12"/>
+          </p:nvPr>
+        </p:nvSpPr>
+        <p:spPr/>
+        <p:txBody>
+          <a:bodyPr/>
+          <a:lstStyle/>
+          <a:p>
+            <a:fld id="{030EE116-056E-4288-B7F7-411CB7E437A9}" type="slidenum">
+              <a:rPr lang="en-US" smtClean="0"/>
+              <a:pPr/>
+              <a:t>30</a:t>
             </a:fld>
             <a:endParaRPr lang="en-US"/>
           </a:p>
@@ -8829,7 +9604,7 @@
 </p:sld>
 </file>
 
-<file path=ppt/slides/slide28.xml><?xml version="1.0" encoding="utf-8"?>
+<file path=ppt/slides/slide31.xml><?xml version="1.0" encoding="utf-8"?>
 <p:sld xmlns:a="http://schemas.openxmlformats.org/drawingml/2006/main" xmlns:r="http://schemas.openxmlformats.org/officeDocument/2006/relationships" xmlns:p="http://schemas.openxmlformats.org/presentationml/2006/main">
   <p:cSld>
     <p:spTree>
@@ -8905,7 +9680,7 @@
             <a:fld id="{030EE116-056E-4288-B7F7-411CB7E437A9}" type="slidenum">
               <a:rPr lang="en-US" smtClean="0"/>
               <a:pPr/>
-              <a:t>28</a:t>
+              <a:t>31</a:t>
             </a:fld>
             <a:endParaRPr lang="en-US"/>
           </a:p>
@@ -8924,7 +9699,7 @@
 </p:sld>
 </file>
 
-<file path=ppt/slides/slide29.xml><?xml version="1.0" encoding="utf-8"?>
+<file path=ppt/slides/slide32.xml><?xml version="1.0" encoding="utf-8"?>
 <p:sld xmlns:a="http://schemas.openxmlformats.org/drawingml/2006/main" xmlns:r="http://schemas.openxmlformats.org/officeDocument/2006/relationships" xmlns:p="http://schemas.openxmlformats.org/presentationml/2006/main">
   <p:cSld>
     <p:spTree>
@@ -8954,7 +9729,12 @@
             </p:custDataLst>
           </p:nvPr>
         </p:nvSpPr>
-        <p:spPr/>
+        <p:spPr>
+          <a:xfrm>
+            <a:off x="649386" y="228600"/>
+            <a:ext cx="10972800" cy="990600"/>
+          </a:xfrm>
+        </p:spPr>
         <p:txBody>
           <a:bodyPr/>
           <a:lstStyle/>
@@ -8984,7 +9764,7 @@
             <a:fld id="{030EE116-056E-4288-B7F7-411CB7E437A9}" type="slidenum">
               <a:rPr lang="en-US" smtClean="0"/>
               <a:pPr/>
-              <a:t>29</a:t>
+              <a:t>32</a:t>
             </a:fld>
             <a:endParaRPr lang="en-US"/>
           </a:p>
@@ -9298,7 +10078,7 @@
 </p:sld>
 </file>
 
-<file path=ppt/slides/slide3.xml><?xml version="1.0" encoding="utf-8"?>
+<file path=ppt/slides/slide33.xml><?xml version="1.0" encoding="utf-8"?>
 <p:sld xmlns:a="http://schemas.openxmlformats.org/drawingml/2006/main" xmlns:r="http://schemas.openxmlformats.org/officeDocument/2006/relationships" xmlns:p="http://schemas.openxmlformats.org/presentationml/2006/main">
   <p:cSld>
     <p:spTree>
@@ -9317,7 +10097,7 @@
       </p:grpSpPr>
       <p:sp>
         <p:nvSpPr>
-          <p:cNvPr id="20482" name="Rectangle 2"/>
+          <p:cNvPr id="36866" name="Rectangle 2"/>
           <p:cNvSpPr>
             <a:spLocks noGrp="1" noChangeArrowheads="1"/>
           </p:cNvSpPr>
@@ -9335,14 +10115,14 @@
           <a:p>
             <a:r>
               <a:rPr lang="en-US" dirty="0"/>
-              <a:t>Module 1 Topics (Bolded items in this deck)</a:t>
-            </a:r>
-          </a:p>
-        </p:txBody>
-      </p:sp>
-      <p:sp>
-        <p:nvSpPr>
-          <p:cNvPr id="4" name="Slide Number Placeholder 3"/>
+              <a:t>REMINDER: The Code!</a:t>
+            </a:r>
+          </a:p>
+        </p:txBody>
+      </p:sp>
+      <p:sp>
+        <p:nvSpPr>
+          <p:cNvPr id="5" name="Slide Number Placeholder 4"/>
           <p:cNvSpPr>
             <a:spLocks noGrp="1"/>
           </p:cNvSpPr>
@@ -9358,15 +10138,51 @@
             <a:fld id="{030EE116-056E-4288-B7F7-411CB7E437A9}" type="slidenum">
               <a:rPr lang="en-US" smtClean="0"/>
               <a:pPr/>
-              <a:t>3</a:t>
+              <a:t>33</a:t>
             </a:fld>
             <a:endParaRPr lang="en-US"/>
           </a:p>
         </p:txBody>
       </p:sp>
-      <p:sp>
-        <p:nvSpPr>
-          <p:cNvPr id="20483" name="Rectangle 3"/>
+      <p:pic>
+        <p:nvPicPr>
+          <p:cNvPr id="7" name="Picture 6">
+            <a:extLst>
+              <a:ext uri="{FF2B5EF4-FFF2-40B4-BE49-F238E27FC236}">
+                <a16:creationId xmlns:a16="http://schemas.microsoft.com/office/drawing/2014/main" id="{B6234B73-B3CC-FC4E-B315-5A438F029641}"/>
+              </a:ext>
+            </a:extLst>
+          </p:cNvPr>
+          <p:cNvPicPr>
+            <a:picLocks noChangeAspect="1"/>
+          </p:cNvPicPr>
+          <p:nvPr/>
+        </p:nvPicPr>
+        <p:blipFill>
+          <a:blip r:embed="rId4"/>
+          <a:stretch>
+            <a:fillRect/>
+          </a:stretch>
+        </p:blipFill>
+        <p:spPr>
+          <a:xfrm>
+            <a:off x="816864" y="1182793"/>
+            <a:ext cx="3711195" cy="5556250"/>
+          </a:xfrm>
+          <a:prstGeom prst="rect">
+            <a:avLst/>
+          </a:prstGeom>
+        </p:spPr>
+      </p:pic>
+      <p:sp>
+        <p:nvSpPr>
+          <p:cNvPr id="10" name="Rectangle 3">
+            <a:extLst>
+              <a:ext uri="{FF2B5EF4-FFF2-40B4-BE49-F238E27FC236}">
+                <a16:creationId xmlns:a16="http://schemas.microsoft.com/office/drawing/2014/main" id="{CF6AAD52-B078-9444-B951-343621F36106}"/>
+              </a:ext>
+            </a:extLst>
+          </p:cNvPr>
           <p:cNvSpPr>
             <a:spLocks noGrp="1" noChangeArrowheads="1"/>
           </p:cNvSpPr>
@@ -9377,87 +10193,40 @@
             </p:custDataLst>
           </p:nvPr>
         </p:nvSpPr>
-        <p:spPr/>
-        <p:txBody>
-          <a:bodyPr>
-            <a:normAutofit/>
-          </a:bodyPr>
-          <a:lstStyle/>
-          <a:p>
-            <a:pPr>
-              <a:lnSpc>
-                <a:spcPct val="90000"/>
-              </a:lnSpc>
-            </a:pPr>
-            <a:r>
-              <a:rPr lang="en-US" sz="2400" b="1" i="1" dirty="0"/>
-              <a:t>Graph Representation</a:t>
-            </a:r>
-          </a:p>
-          <a:p>
-            <a:pPr lvl="1">
-              <a:lnSpc>
-                <a:spcPct val="90000"/>
-              </a:lnSpc>
-            </a:pPr>
-            <a:r>
-              <a:rPr lang="en-US" sz="1700" b="1" i="1" dirty="0"/>
-              <a:t>What is a graph?</a:t>
-            </a:r>
-          </a:p>
-          <a:p>
-            <a:pPr lvl="1">
-              <a:lnSpc>
-                <a:spcPct val="90000"/>
-              </a:lnSpc>
-            </a:pPr>
-            <a:r>
-              <a:rPr lang="en-US" sz="1700" b="1" i="1" dirty="0"/>
-              <a:t>Adjacency Lists vs. Matrices</a:t>
-            </a:r>
-          </a:p>
-          <a:p>
-            <a:pPr>
-              <a:lnSpc>
-                <a:spcPct val="90000"/>
-              </a:lnSpc>
-            </a:pPr>
-            <a:r>
-              <a:rPr lang="en-US" sz="2000" b="1" i="1" dirty="0"/>
-              <a:t>Traversing Graphs: Breadth First Search</a:t>
-            </a:r>
-          </a:p>
-          <a:p>
-            <a:pPr>
-              <a:lnSpc>
-                <a:spcPct val="90000"/>
-              </a:lnSpc>
-            </a:pPr>
-            <a:r>
-              <a:rPr lang="en-US" sz="2000" dirty="0"/>
-              <a:t>Traversing Graphs: Depth First Search</a:t>
-            </a:r>
-          </a:p>
-          <a:p>
-            <a:pPr>
-              <a:lnSpc>
-                <a:spcPct val="90000"/>
-              </a:lnSpc>
-            </a:pPr>
-            <a:r>
-              <a:rPr lang="en-US" sz="2000" dirty="0"/>
-              <a:t>Topological Sort</a:t>
-            </a:r>
-          </a:p>
-          <a:p>
-            <a:pPr>
-              <a:lnSpc>
-                <a:spcPct val="90000"/>
-              </a:lnSpc>
-            </a:pPr>
-            <a:r>
-              <a:rPr lang="en-US" sz="2000" dirty="0"/>
-              <a:t>Strongly Connected Components</a:t>
+        <p:spPr>
+          <a:xfrm>
+            <a:off x="6019800" y="2514600"/>
+            <a:ext cx="5562600" cy="2133600"/>
+          </a:xfrm>
+        </p:spPr>
+        <p:txBody>
+          <a:bodyPr/>
+          <a:lstStyle/>
+          <a:p>
+            <a:r>
+              <a:rPr lang="en-US" dirty="0"/>
+              <a:t>Vertices here have some properties:</a:t>
+            </a:r>
+          </a:p>
+          <a:p>
+            <a:pPr lvl="1"/>
+            <a:r>
+              <a:rPr lang="en-US" i="1" dirty="0"/>
+              <a:t>color = white/gray/black</a:t>
+            </a:r>
+          </a:p>
+          <a:p>
+            <a:pPr lvl="1"/>
+            <a:r>
+              <a:rPr lang="en-US" i="1" dirty="0"/>
+              <a:t>d = distance from start node</a:t>
+            </a:r>
+          </a:p>
+          <a:p>
+            <a:pPr lvl="1"/>
+            <a:r>
+              <a:rPr lang="en-US" i="1" dirty="0"/>
+              <a:t>pi = node through which d is achieved</a:t>
             </a:r>
           </a:p>
         </p:txBody>
@@ -9465,7 +10234,7 @@
     </p:spTree>
     <p:extLst>
       <p:ext uri="{BB962C8B-B14F-4D97-AF65-F5344CB8AC3E}">
-        <p14:creationId xmlns:p14="http://schemas.microsoft.com/office/powerpoint/2010/main" val="2069037979"/>
+        <p14:creationId xmlns:p14="http://schemas.microsoft.com/office/powerpoint/2010/main" val="4037198460"/>
       </p:ext>
     </p:extLst>
   </p:cSld>
@@ -9475,7 +10244,7 @@
 </p:sld>
 </file>
 
-<file path=ppt/slides/slide30.xml><?xml version="1.0" encoding="utf-8"?>
+<file path=ppt/slides/slide34.xml><?xml version="1.0" encoding="utf-8"?>
 <p:sld xmlns:a="http://schemas.openxmlformats.org/drawingml/2006/main" xmlns:r="http://schemas.openxmlformats.org/officeDocument/2006/relationships" xmlns:p="http://schemas.openxmlformats.org/presentationml/2006/main">
   <p:cSld>
     <p:spTree>
@@ -9535,14 +10304,14 @@
             <a:fld id="{030EE116-056E-4288-B7F7-411CB7E437A9}" type="slidenum">
               <a:rPr lang="en-US" smtClean="0"/>
               <a:pPr/>
-              <a:t>30</a:t>
+              <a:t>34</a:t>
             </a:fld>
             <a:endParaRPr lang="en-US"/>
           </a:p>
         </p:txBody>
       </p:sp>
-      <mc:AlternateContent xmlns:mc="http://schemas.openxmlformats.org/markup-compatibility/2006" xmlns:a14="http://schemas.microsoft.com/office/drawing/2010/main">
-        <mc:Choice Requires="a14">
+      <mc:AlternateContent xmlns:mc="http://schemas.openxmlformats.org/markup-compatibility/2006">
+        <mc:Choice xmlns:a14="http://schemas.microsoft.com/office/drawing/2010/main" Requires="a14">
           <p:sp>
             <p:nvSpPr>
               <p:cNvPr id="40963" name="Rectangle 3"/>
@@ -9691,10 +10460,46 @@
                   <a:rPr lang="en-US" dirty="0"/>
                   <a:t>There might be more, but let v be such a node with the smallest </a:t>
                 </a:r>
-                <a:r>
-                  <a:rPr lang="en-US" dirty="0" err="1"/>
-                  <a:t>v.d</a:t>
-                </a:r>
+                <a14:m>
+                  <m:oMath xmlns:m="http://schemas.openxmlformats.org/officeDocument/2006/math">
+                    <m:r>
+                      <a:rPr lang="en-US" i="1">
+                        <a:latin typeface="Cambria Math" panose="02040503050406030204" pitchFamily="18" charset="0"/>
+                      </a:rPr>
+                      <m:t>𝛿</m:t>
+                    </m:r>
+                    <m:r>
+                      <a:rPr lang="en-US" i="1">
+                        <a:latin typeface="Cambria Math" panose="02040503050406030204" pitchFamily="18" charset="0"/>
+                      </a:rPr>
+                      <m:t>(</m:t>
+                    </m:r>
+                    <m:r>
+                      <a:rPr lang="en-US" i="1">
+                        <a:latin typeface="Cambria Math" panose="02040503050406030204" pitchFamily="18" charset="0"/>
+                      </a:rPr>
+                      <m:t>𝑠</m:t>
+                    </m:r>
+                    <m:r>
+                      <a:rPr lang="en-US" i="1">
+                        <a:latin typeface="Cambria Math" panose="02040503050406030204" pitchFamily="18" charset="0"/>
+                      </a:rPr>
+                      <m:t>,</m:t>
+                    </m:r>
+                    <m:r>
+                      <a:rPr lang="en-US" i="1">
+                        <a:latin typeface="Cambria Math" panose="02040503050406030204" pitchFamily="18" charset="0"/>
+                      </a:rPr>
+                      <m:t>𝑣</m:t>
+                    </m:r>
+                    <m:r>
+                      <a:rPr lang="en-US" i="1">
+                        <a:latin typeface="Cambria Math" panose="02040503050406030204" pitchFamily="18" charset="0"/>
+                      </a:rPr>
+                      <m:t>)</m:t>
+                    </m:r>
+                  </m:oMath>
+                </a14:m>
                 <a:r>
                   <a:rPr lang="en-US" dirty="0"/>
                   <a:t> value</a:t>
@@ -9708,7 +10513,7 @@
                 </a:pPr>
                 <a:r>
                   <a:rPr lang="en-US" dirty="0"/>
-                  <a:t>Meaning the ”first one” that BFS incorrectly calculates.</a:t>
+                  <a:t>Meaning the ”closest one to s” that BFS incorrectly calculates.</a:t>
                 </a:r>
               </a:p>
               <a:p>
@@ -9725,7 +10530,7 @@
             </p:txBody>
           </p:sp>
         </mc:Choice>
-        <mc:Fallback xmlns="">
+        <mc:Fallback>
           <p:sp>
             <p:nvSpPr>
               <p:cNvPr id="40963" name="Rectangle 3"/>
@@ -9735,7 +10540,7 @@
               <p:nvPr>
                 <p:ph sz="quarter" idx="1"/>
                 <p:custDataLst>
-                  <p:tags r:id="rId4"/>
+                  <p:tags r:id="rId2"/>
                 </p:custDataLst>
               </p:nvPr>
             </p:nvSpPr>
@@ -9745,7 +10550,7 @@
                 <a:ext cx="11277600" cy="4937760"/>
               </a:xfrm>
               <a:blipFill>
-                <a:blip r:embed="rId5"/>
+                <a:blip r:embed="rId4"/>
                 <a:stretch>
                   <a:fillRect l="-450" t="-1795" r="-675"/>
                 </a:stretch>
@@ -9811,7 +10616,7 @@
 </p:sld>
 </file>
 
-<file path=ppt/slides/slide31.xml><?xml version="1.0" encoding="utf-8"?>
+<file path=ppt/slides/slide35.xml><?xml version="1.0" encoding="utf-8"?>
 <p:sld xmlns:a="http://schemas.openxmlformats.org/drawingml/2006/main" xmlns:r="http://schemas.openxmlformats.org/officeDocument/2006/relationships" xmlns:p="http://schemas.openxmlformats.org/presentationml/2006/main">
   <p:cSld>
     <p:spTree>
@@ -9871,7 +10676,7 @@
             <a:fld id="{030EE116-056E-4288-B7F7-411CB7E437A9}" type="slidenum">
               <a:rPr lang="en-US" smtClean="0"/>
               <a:pPr/>
-              <a:t>31</a:t>
+              <a:t>35</a:t>
             </a:fld>
             <a:endParaRPr lang="en-US"/>
           </a:p>
@@ -10401,7 +11206,7 @@
 </p:sld>
 </file>
 
-<file path=ppt/slides/slide32.xml><?xml version="1.0" encoding="utf-8"?>
+<file path=ppt/slides/slide36.xml><?xml version="1.0" encoding="utf-8"?>
 <p:sld xmlns:a="http://schemas.openxmlformats.org/drawingml/2006/main" xmlns:r="http://schemas.openxmlformats.org/officeDocument/2006/relationships" xmlns:p="http://schemas.openxmlformats.org/presentationml/2006/main">
   <p:cSld>
     <p:spTree>
@@ -10461,7 +11266,7 @@
             <a:fld id="{030EE116-056E-4288-B7F7-411CB7E437A9}" type="slidenum">
               <a:rPr lang="en-US" smtClean="0"/>
               <a:pPr/>
-              <a:t>32</a:t>
+              <a:t>36</a:t>
             </a:fld>
             <a:endParaRPr lang="en-US"/>
           </a:p>
@@ -10825,7 +11630,7 @@
 </p:sld>
 </file>
 
-<file path=ppt/slides/slide33.xml><?xml version="1.0" encoding="utf-8"?>
+<file path=ppt/slides/slide37.xml><?xml version="1.0" encoding="utf-8"?>
 <p:sld xmlns:a="http://schemas.openxmlformats.org/drawingml/2006/main" xmlns:r="http://schemas.openxmlformats.org/officeDocument/2006/relationships" xmlns:p="http://schemas.openxmlformats.org/presentationml/2006/main">
   <p:cSld>
     <p:spTree>
@@ -10885,7 +11690,7 @@
             <a:fld id="{030EE116-056E-4288-B7F7-411CB7E437A9}" type="slidenum">
               <a:rPr lang="en-US" smtClean="0"/>
               <a:pPr/>
-              <a:t>33</a:t>
+              <a:t>37</a:t>
             </a:fld>
             <a:endParaRPr lang="en-US"/>
           </a:p>
@@ -11344,7 +12149,7 @@
 </p:sld>
 </file>
 
-<file path=ppt/slides/slide34.xml><?xml version="1.0" encoding="utf-8"?>
+<file path=ppt/slides/slide38.xml><?xml version="1.0" encoding="utf-8"?>
 <p:sld xmlns:a="http://schemas.openxmlformats.org/drawingml/2006/main" xmlns:r="http://schemas.openxmlformats.org/officeDocument/2006/relationships" xmlns:p="http://schemas.openxmlformats.org/presentationml/2006/main">
   <p:cSld>
     <p:spTree>
@@ -11404,7 +12209,7 @@
             <a:fld id="{030EE116-056E-4288-B7F7-411CB7E437A9}" type="slidenum">
               <a:rPr lang="en-US" smtClean="0"/>
               <a:pPr/>
-              <a:t>34</a:t>
+              <a:t>38</a:t>
             </a:fld>
             <a:endParaRPr lang="en-US"/>
           </a:p>
@@ -11985,7 +12790,7 @@
 </p:sld>
 </file>
 
-<file path=ppt/slides/slide35.xml><?xml version="1.0" encoding="utf-8"?>
+<file path=ppt/slides/slide39.xml><?xml version="1.0" encoding="utf-8"?>
 <p:sld xmlns:a="http://schemas.openxmlformats.org/drawingml/2006/main" xmlns:r="http://schemas.openxmlformats.org/officeDocument/2006/relationships" xmlns:p="http://schemas.openxmlformats.org/presentationml/2006/main">
   <p:cSld>
     <p:spTree>
@@ -12045,7 +12850,7 @@
             <a:fld id="{030EE116-056E-4288-B7F7-411CB7E437A9}" type="slidenum">
               <a:rPr lang="en-US" smtClean="0"/>
               <a:pPr/>
-              <a:t>35</a:t>
+              <a:t>39</a:t>
             </a:fld>
             <a:endParaRPr lang="en-US"/>
           </a:p>
@@ -12537,7 +13342,7 @@
 </p:sld>
 </file>
 
-<file path=ppt/slides/slide36.xml><?xml version="1.0" encoding="utf-8"?>
+<file path=ppt/slides/slide4.xml><?xml version="1.0" encoding="utf-8"?>
 <p:sld xmlns:a="http://schemas.openxmlformats.org/drawingml/2006/main" xmlns:r="http://schemas.openxmlformats.org/officeDocument/2006/relationships" xmlns:p="http://schemas.openxmlformats.org/presentationml/2006/main">
   <p:cSld>
     <p:spTree>
@@ -12556,6 +13361,101 @@
       </p:grpSpPr>
       <p:sp>
         <p:nvSpPr>
+          <p:cNvPr id="5" name="Title 4"/>
+          <p:cNvSpPr>
+            <a:spLocks noGrp="1"/>
+          </p:cNvSpPr>
+          <p:nvPr>
+            <p:ph type="title"/>
+          </p:nvPr>
+        </p:nvSpPr>
+        <p:spPr/>
+        <p:txBody>
+          <a:bodyPr/>
+          <a:lstStyle/>
+          <a:p>
+            <a:r>
+              <a:rPr lang="en-US" dirty="0"/>
+              <a:t>Graphs</a:t>
+            </a:r>
+          </a:p>
+        </p:txBody>
+      </p:sp>
+      <p:sp>
+        <p:nvSpPr>
+          <p:cNvPr id="6" name="Text Placeholder 5"/>
+          <p:cNvSpPr>
+            <a:spLocks noGrp="1"/>
+          </p:cNvSpPr>
+          <p:nvPr>
+            <p:ph type="body" idx="1"/>
+          </p:nvPr>
+        </p:nvSpPr>
+        <p:spPr/>
+        <p:txBody>
+          <a:bodyPr/>
+          <a:lstStyle/>
+          <a:p>
+            <a:endParaRPr lang="en-US" dirty="0"/>
+          </a:p>
+        </p:txBody>
+      </p:sp>
+      <p:sp>
+        <p:nvSpPr>
+          <p:cNvPr id="4" name="Slide Number Placeholder 3"/>
+          <p:cNvSpPr>
+            <a:spLocks noGrp="1"/>
+          </p:cNvSpPr>
+          <p:nvPr>
+            <p:ph type="sldNum" sz="quarter" idx="12"/>
+          </p:nvPr>
+        </p:nvSpPr>
+        <p:spPr/>
+        <p:txBody>
+          <a:bodyPr/>
+          <a:lstStyle/>
+          <a:p>
+            <a:fld id="{030EE116-056E-4288-B7F7-411CB7E437A9}" type="slidenum">
+              <a:rPr lang="en-US" smtClean="0"/>
+              <a:pPr/>
+              <a:t>4</a:t>
+            </a:fld>
+            <a:endParaRPr lang="en-US"/>
+          </a:p>
+        </p:txBody>
+      </p:sp>
+    </p:spTree>
+    <p:extLst>
+      <p:ext uri="{BB962C8B-B14F-4D97-AF65-F5344CB8AC3E}">
+        <p14:creationId xmlns:p14="http://schemas.microsoft.com/office/powerpoint/2010/main" val="303554907"/>
+      </p:ext>
+    </p:extLst>
+  </p:cSld>
+  <p:clrMapOvr>
+    <a:masterClrMapping/>
+  </p:clrMapOvr>
+</p:sld>
+</file>
+
+<file path=ppt/slides/slide40.xml><?xml version="1.0" encoding="utf-8"?>
+<p:sld xmlns:a="http://schemas.openxmlformats.org/drawingml/2006/main" xmlns:r="http://schemas.openxmlformats.org/officeDocument/2006/relationships" xmlns:p="http://schemas.openxmlformats.org/presentationml/2006/main">
+  <p:cSld>
+    <p:spTree>
+      <p:nvGrpSpPr>
+        <p:cNvPr id="1" name=""/>
+        <p:cNvGrpSpPr/>
+        <p:nvPr/>
+      </p:nvGrpSpPr>
+      <p:grpSpPr>
+        <a:xfrm>
+          <a:off x="0" y="0"/>
+          <a:ext cx="0" cy="0"/>
+          <a:chOff x="0" y="0"/>
+          <a:chExt cx="0" cy="0"/>
+        </a:xfrm>
+      </p:grpSpPr>
+      <p:sp>
+        <p:nvSpPr>
           <p:cNvPr id="40962" name="Rectangle 2"/>
           <p:cNvSpPr>
             <a:spLocks noGrp="1" noChangeArrowheads="1"/>
@@ -12597,7 +13497,7 @@
             <a:fld id="{030EE116-056E-4288-B7F7-411CB7E437A9}" type="slidenum">
               <a:rPr lang="en-US" smtClean="0"/>
               <a:pPr/>
-              <a:t>36</a:t>
+              <a:t>40</a:t>
             </a:fld>
             <a:endParaRPr lang="en-US"/>
           </a:p>
@@ -13034,101 +13934,6 @@
 </p:sld>
 </file>
 
-<file path=ppt/slides/slide4.xml><?xml version="1.0" encoding="utf-8"?>
-<p:sld xmlns:a="http://schemas.openxmlformats.org/drawingml/2006/main" xmlns:r="http://schemas.openxmlformats.org/officeDocument/2006/relationships" xmlns:p="http://schemas.openxmlformats.org/presentationml/2006/main">
-  <p:cSld>
-    <p:spTree>
-      <p:nvGrpSpPr>
-        <p:cNvPr id="1" name=""/>
-        <p:cNvGrpSpPr/>
-        <p:nvPr/>
-      </p:nvGrpSpPr>
-      <p:grpSpPr>
-        <a:xfrm>
-          <a:off x="0" y="0"/>
-          <a:ext cx="0" cy="0"/>
-          <a:chOff x="0" y="0"/>
-          <a:chExt cx="0" cy="0"/>
-        </a:xfrm>
-      </p:grpSpPr>
-      <p:sp>
-        <p:nvSpPr>
-          <p:cNvPr id="5" name="Title 4"/>
-          <p:cNvSpPr>
-            <a:spLocks noGrp="1"/>
-          </p:cNvSpPr>
-          <p:nvPr>
-            <p:ph type="title"/>
-          </p:nvPr>
-        </p:nvSpPr>
-        <p:spPr/>
-        <p:txBody>
-          <a:bodyPr/>
-          <a:lstStyle/>
-          <a:p>
-            <a:r>
-              <a:rPr lang="en-US" dirty="0"/>
-              <a:t>Graphs Review</a:t>
-            </a:r>
-          </a:p>
-        </p:txBody>
-      </p:sp>
-      <p:sp>
-        <p:nvSpPr>
-          <p:cNvPr id="6" name="Text Placeholder 5"/>
-          <p:cNvSpPr>
-            <a:spLocks noGrp="1"/>
-          </p:cNvSpPr>
-          <p:nvPr>
-            <p:ph type="body" idx="1"/>
-          </p:nvPr>
-        </p:nvSpPr>
-        <p:spPr/>
-        <p:txBody>
-          <a:bodyPr/>
-          <a:lstStyle/>
-          <a:p>
-            <a:endParaRPr lang="en-US" dirty="0"/>
-          </a:p>
-        </p:txBody>
-      </p:sp>
-      <p:sp>
-        <p:nvSpPr>
-          <p:cNvPr id="4" name="Slide Number Placeholder 3"/>
-          <p:cNvSpPr>
-            <a:spLocks noGrp="1"/>
-          </p:cNvSpPr>
-          <p:nvPr>
-            <p:ph type="sldNum" sz="quarter" idx="12"/>
-          </p:nvPr>
-        </p:nvSpPr>
-        <p:spPr/>
-        <p:txBody>
-          <a:bodyPr/>
-          <a:lstStyle/>
-          <a:p>
-            <a:fld id="{030EE116-056E-4288-B7F7-411CB7E437A9}" type="slidenum">
-              <a:rPr lang="en-US" smtClean="0"/>
-              <a:pPr/>
-              <a:t>4</a:t>
-            </a:fld>
-            <a:endParaRPr lang="en-US"/>
-          </a:p>
-        </p:txBody>
-      </p:sp>
-    </p:spTree>
-    <p:extLst>
-      <p:ext uri="{BB962C8B-B14F-4D97-AF65-F5344CB8AC3E}">
-        <p14:creationId xmlns:p14="http://schemas.microsoft.com/office/powerpoint/2010/main" val="303554907"/>
-      </p:ext>
-    </p:extLst>
-  </p:cSld>
-  <p:clrMapOvr>
-    <a:masterClrMapping/>
-  </p:clrMapOvr>
-</p:sld>
-</file>
-
 <file path=ppt/slides/slide5.xml><?xml version="1.0" encoding="utf-8"?>
 <p:sld xmlns:a="http://schemas.openxmlformats.org/drawingml/2006/main" xmlns:r="http://schemas.openxmlformats.org/officeDocument/2006/relationships" xmlns:p="http://schemas.openxmlformats.org/presentationml/2006/main">
   <p:cSld>
@@ -13703,7 +14508,7 @@
       </p:grpSpPr>
       <p:sp>
         <p:nvSpPr>
-          <p:cNvPr id="20482" name="Rectangle 2"/>
+          <p:cNvPr id="16386" name="Rectangle 2"/>
           <p:cNvSpPr>
             <a:spLocks noGrp="1" noChangeArrowheads="1"/>
           </p:cNvSpPr>
@@ -13720,8 +14525,8 @@
           <a:lstStyle/>
           <a:p>
             <a:r>
-              <a:rPr lang="en-US" dirty="0"/>
-              <a:t>Terms You Should Know</a:t>
+              <a:rPr lang="en-US"/>
+              <a:t>Problems: e.g. Airline Routes</a:t>
             </a:r>
           </a:p>
         </p:txBody>
@@ -13750,241 +14555,40 @@
           </a:p>
         </p:txBody>
       </p:sp>
-      <p:sp>
-        <p:nvSpPr>
-          <p:cNvPr id="20483" name="Rectangle 3"/>
-          <p:cNvSpPr>
-            <a:spLocks noGrp="1" noChangeArrowheads="1"/>
-          </p:cNvSpPr>
+      <p:pic>
+        <p:nvPicPr>
+          <p:cNvPr id="16387" name="Picture 4" descr="fig7"/>
+          <p:cNvPicPr>
+            <a:picLocks noGrp="1" noChangeAspect="1" noChangeArrowheads="1"/>
+          </p:cNvPicPr>
           <p:nvPr>
             <p:ph sz="quarter" idx="1"/>
             <p:custDataLst>
               <p:tags r:id="rId2"/>
             </p:custDataLst>
           </p:nvPr>
-        </p:nvSpPr>
-        <p:spPr/>
-        <p:txBody>
-          <a:bodyPr>
-            <a:normAutofit fontScale="92500" lnSpcReduction="10000"/>
-          </a:bodyPr>
-          <a:lstStyle/>
-          <a:p>
-            <a:pPr>
-              <a:lnSpc>
-                <a:spcPct val="90000"/>
-              </a:lnSpc>
-            </a:pPr>
-            <a:r>
-              <a:rPr lang="en-US" sz="2400" dirty="0"/>
-              <a:t>Vertex (plural </a:t>
-            </a:r>
-            <a:r>
-              <a:rPr lang="en-US" sz="2400" i="1" dirty="0"/>
-              <a:t>vertices</a:t>
-            </a:r>
-            <a:r>
-              <a:rPr lang="en-US" sz="2400" dirty="0"/>
-              <a:t>) or Node</a:t>
-            </a:r>
-          </a:p>
-          <a:p>
-            <a:pPr>
-              <a:lnSpc>
-                <a:spcPct val="90000"/>
-              </a:lnSpc>
-            </a:pPr>
-            <a:r>
-              <a:rPr lang="en-US" sz="2400" dirty="0"/>
-              <a:t>Edge (sometimes referred to as an </a:t>
-            </a:r>
-            <a:r>
-              <a:rPr lang="en-US" sz="2400" i="1" dirty="0"/>
-              <a:t>arc</a:t>
-            </a:r>
-            <a:r>
-              <a:rPr lang="en-US" sz="2400" dirty="0"/>
-              <a:t>)</a:t>
-            </a:r>
-          </a:p>
-          <a:p>
-            <a:pPr lvl="1">
-              <a:lnSpc>
-                <a:spcPct val="90000"/>
-              </a:lnSpc>
-            </a:pPr>
-            <a:r>
-              <a:rPr lang="en-US" sz="2000" dirty="0"/>
-              <a:t>Note the meaning of </a:t>
-            </a:r>
-            <a:r>
-              <a:rPr lang="en-US" sz="2000" i="1" dirty="0"/>
-              <a:t>incident</a:t>
-            </a:r>
-          </a:p>
-          <a:p>
-            <a:pPr>
-              <a:lnSpc>
-                <a:spcPct val="90000"/>
-              </a:lnSpc>
-            </a:pPr>
-            <a:r>
-              <a:rPr lang="en-US" sz="2400" dirty="0"/>
-              <a:t>Degree of a vertex: how many adjacent vertices</a:t>
-            </a:r>
-          </a:p>
-          <a:p>
-            <a:pPr lvl="1">
-              <a:lnSpc>
-                <a:spcPct val="90000"/>
-              </a:lnSpc>
-            </a:pPr>
-            <a:r>
-              <a:rPr lang="en-US" sz="2000" dirty="0"/>
-              <a:t>Digraph: in-degree (num. of incoming edges) vs. out-degree</a:t>
-            </a:r>
-          </a:p>
-          <a:p>
-            <a:pPr>
-              <a:lnSpc>
-                <a:spcPct val="90000"/>
-              </a:lnSpc>
-            </a:pPr>
-            <a:r>
-              <a:rPr lang="en-US" sz="2400" dirty="0"/>
-              <a:t>Graphs can be:</a:t>
-            </a:r>
-          </a:p>
-          <a:p>
-            <a:pPr lvl="1">
-              <a:lnSpc>
-                <a:spcPct val="90000"/>
-              </a:lnSpc>
-            </a:pPr>
-            <a:r>
-              <a:rPr lang="en-US" sz="2000" dirty="0"/>
-              <a:t>Directed or undirected</a:t>
-            </a:r>
-          </a:p>
-          <a:p>
-            <a:pPr lvl="1">
-              <a:lnSpc>
-                <a:spcPct val="90000"/>
-              </a:lnSpc>
-            </a:pPr>
-            <a:r>
-              <a:rPr lang="en-US" sz="2000" dirty="0"/>
-              <a:t>Weighted or not weighted</a:t>
-            </a:r>
-          </a:p>
-          <a:p>
-            <a:pPr lvl="2">
-              <a:lnSpc>
-                <a:spcPct val="90000"/>
-              </a:lnSpc>
-            </a:pPr>
-            <a:r>
-              <a:rPr lang="en-US" sz="1800" dirty="0"/>
-              <a:t>weights can be </a:t>
-            </a:r>
-            <a:r>
-              <a:rPr lang="en-US" sz="1800" dirty="0" err="1"/>
-              <a:t>reals</a:t>
-            </a:r>
-            <a:r>
-              <a:rPr lang="en-US" sz="1800" dirty="0"/>
-              <a:t>, integers, etc.</a:t>
-            </a:r>
-          </a:p>
-          <a:p>
-            <a:pPr lvl="2">
-              <a:lnSpc>
-                <a:spcPct val="90000"/>
-              </a:lnSpc>
-            </a:pPr>
-            <a:r>
-              <a:rPr lang="en-US" sz="1800" dirty="0"/>
-              <a:t>weight also known as: cost, length, distance, capacity,…</a:t>
-            </a:r>
-          </a:p>
-          <a:p>
-            <a:pPr>
-              <a:lnSpc>
-                <a:spcPct val="90000"/>
-              </a:lnSpc>
-            </a:pPr>
-            <a:r>
-              <a:rPr lang="en-US" sz="2400" dirty="0"/>
-              <a:t>Undirected graphs:</a:t>
-            </a:r>
-          </a:p>
-          <a:p>
-            <a:pPr lvl="1">
-              <a:lnSpc>
-                <a:spcPct val="90000"/>
-              </a:lnSpc>
-            </a:pPr>
-            <a:r>
-              <a:rPr lang="en-US" sz="2000" dirty="0"/>
-              <a:t>Normally an edge can’t connect a vertex to itself</a:t>
-            </a:r>
-          </a:p>
-          <a:p>
-            <a:pPr>
-              <a:lnSpc>
-                <a:spcPct val="90000"/>
-              </a:lnSpc>
-            </a:pPr>
-            <a:r>
-              <a:rPr lang="en-US" sz="2400" dirty="0"/>
-              <a:t>A directed graph (also known as a </a:t>
-            </a:r>
-            <a:r>
-              <a:rPr lang="en-US" sz="2400" i="1" dirty="0"/>
-              <a:t>digraph</a:t>
-            </a:r>
-            <a:r>
-              <a:rPr lang="en-US" sz="2400" dirty="0"/>
-              <a:t>)</a:t>
-            </a:r>
-          </a:p>
-          <a:p>
-            <a:pPr lvl="1">
-              <a:lnSpc>
-                <a:spcPct val="90000"/>
-              </a:lnSpc>
-            </a:pPr>
-            <a:r>
-              <a:rPr lang="en-US" sz="2000" dirty="0"/>
-              <a:t>“Originating” node is the </a:t>
-            </a:r>
-            <a:r>
-              <a:rPr lang="en-US" sz="2000" i="1" dirty="0"/>
-              <a:t>head</a:t>
-            </a:r>
-            <a:r>
-              <a:rPr lang="en-US" sz="2000" dirty="0"/>
-              <a:t>, the target the </a:t>
-            </a:r>
-            <a:r>
-              <a:rPr lang="en-US" sz="2000" i="1" dirty="0"/>
-              <a:t>tail</a:t>
-            </a:r>
-          </a:p>
-          <a:p>
-            <a:pPr lvl="1">
-              <a:lnSpc>
-                <a:spcPct val="90000"/>
-              </a:lnSpc>
-            </a:pPr>
-            <a:r>
-              <a:rPr lang="en-US" sz="2000" dirty="0"/>
-              <a:t>An edge may connect a vertex to itself</a:t>
-            </a:r>
-          </a:p>
-        </p:txBody>
-      </p:sp>
+        </p:nvPicPr>
+        <p:blipFill>
+          <a:blip r:embed="rId4"/>
+          <a:srcRect r="926"/>
+          <a:stretch>
+            <a:fillRect/>
+          </a:stretch>
+        </p:blipFill>
+        <p:spPr>
+          <a:xfrm>
+            <a:off x="1981200" y="1219200"/>
+            <a:ext cx="8153400" cy="4937760"/>
+          </a:xfrm>
+          <a:noFill/>
+        </p:spPr>
+      </p:pic>
     </p:spTree>
+    <p:extLst>
+      <p:ext uri="{BB962C8B-B14F-4D97-AF65-F5344CB8AC3E}">
+        <p14:creationId xmlns:p14="http://schemas.microsoft.com/office/powerpoint/2010/main" val="904104004"/>
+      </p:ext>
+    </p:extLst>
   </p:cSld>
   <p:clrMapOvr>
     <a:masterClrMapping/>
@@ -14009,36 +14613,70 @@
           <a:chExt cx="0" cy="0"/>
         </a:xfrm>
       </p:grpSpPr>
-      <p:sp>
-        <p:nvSpPr>
-          <p:cNvPr id="21506" name="Rectangle 2"/>
-          <p:cNvSpPr>
-            <a:spLocks noGrp="1" noChangeArrowheads="1"/>
-          </p:cNvSpPr>
-          <p:nvPr>
-            <p:ph type="title"/>
+      <p:pic>
+        <p:nvPicPr>
+          <p:cNvPr id="17412" name="Picture 4" descr="fig7"/>
+          <p:cNvPicPr>
+            <a:picLocks noChangeAspect="1" noChangeArrowheads="1"/>
+          </p:cNvPicPr>
+          <p:nvPr>
             <p:custDataLst>
               <p:tags r:id="rId1"/>
             </p:custDataLst>
           </p:nvPr>
+        </p:nvPicPr>
+        <p:blipFill>
+          <a:blip r:embed="rId4"/>
+          <a:srcRect l="4672" t="4225" r="3738"/>
+          <a:stretch>
+            <a:fillRect/>
+          </a:stretch>
+        </p:blipFill>
+        <p:spPr bwMode="auto">
+          <a:xfrm>
+            <a:off x="1524000" y="1066800"/>
+            <a:ext cx="8915400" cy="5791200"/>
+          </a:xfrm>
+          <a:prstGeom prst="rect">
+            <a:avLst/>
+          </a:prstGeom>
+          <a:noFill/>
+          <a:ln w="9525">
+            <a:noFill/>
+            <a:miter lim="800000"/>
+            <a:headEnd/>
+            <a:tailEnd/>
+          </a:ln>
+        </p:spPr>
+      </p:pic>
+      <p:sp>
+        <p:nvSpPr>
+          <p:cNvPr id="17410" name="Rectangle 2"/>
+          <p:cNvSpPr>
+            <a:spLocks noGrp="1" noChangeArrowheads="1"/>
+          </p:cNvSpPr>
+          <p:nvPr>
+            <p:ph type="title"/>
+            <p:custDataLst>
+              <p:tags r:id="rId2"/>
+            </p:custDataLst>
+          </p:nvPr>
         </p:nvSpPr>
         <p:spPr/>
         <p:txBody>
-          <a:bodyPr>
-            <a:normAutofit/>
-          </a:bodyPr>
+          <a:bodyPr/>
           <a:lstStyle/>
           <a:p>
             <a:r>
               <a:rPr lang="en-US"/>
-              <a:t>Terms You Should Know or Learn Now</a:t>
-            </a:r>
-          </a:p>
-        </p:txBody>
-      </p:sp>
-      <p:sp>
-        <p:nvSpPr>
-          <p:cNvPr id="4" name="Slide Number Placeholder 3"/>
+              <a:t>Problems: e.g. Flowcharts</a:t>
+            </a:r>
+          </a:p>
+        </p:txBody>
+      </p:sp>
+      <p:sp>
+        <p:nvSpPr>
+          <p:cNvPr id="5" name="Slide Number Placeholder 4"/>
           <p:cNvSpPr>
             <a:spLocks noGrp="1"/>
           </p:cNvSpPr>
@@ -14060,110 +14698,12 @@
           </a:p>
         </p:txBody>
       </p:sp>
-      <p:sp>
-        <p:nvSpPr>
-          <p:cNvPr id="21507" name="Rectangle 3"/>
-          <p:cNvSpPr>
-            <a:spLocks noGrp="1" noChangeArrowheads="1"/>
-          </p:cNvSpPr>
-          <p:nvPr>
-            <p:ph sz="quarter" idx="1"/>
-            <p:custDataLst>
-              <p:tags r:id="rId2"/>
-            </p:custDataLst>
-          </p:nvPr>
-        </p:nvSpPr>
-        <p:spPr/>
-        <p:txBody>
-          <a:bodyPr>
-            <a:normAutofit/>
-          </a:bodyPr>
-          <a:lstStyle/>
-          <a:p>
-            <a:r>
-              <a:rPr lang="en-US" dirty="0"/>
-              <a:t>Size of graph? Two measures:</a:t>
-            </a:r>
-          </a:p>
-          <a:p>
-            <a:pPr lvl="1"/>
-            <a:r>
-              <a:rPr lang="en-US" dirty="0"/>
-              <a:t>Number of nodes.  Usually  ‘V’</a:t>
-            </a:r>
-          </a:p>
-          <a:p>
-            <a:pPr lvl="1"/>
-            <a:r>
-              <a:rPr lang="en-US" dirty="0"/>
-              <a:t>Number of edges: usually ‘E’</a:t>
-            </a:r>
-          </a:p>
-          <a:p>
-            <a:r>
-              <a:rPr lang="en-US" dirty="0"/>
-              <a:t>Dense graph: many edges</a:t>
-            </a:r>
-          </a:p>
-          <a:p>
-            <a:pPr lvl="1"/>
-            <a:r>
-              <a:rPr lang="en-US" dirty="0"/>
-              <a:t>Maximally dense?</a:t>
-            </a:r>
-          </a:p>
-          <a:p>
-            <a:pPr lvl="1" algn="l"/>
-            <a:r>
-              <a:rPr lang="en-US" dirty="0"/>
-              <a:t>Undirected: each node connects to all others, so </a:t>
-            </a:r>
-            <a:br>
-              <a:rPr lang="en-US" dirty="0"/>
-            </a:br>
-            <a:r>
-              <a:rPr lang="en-US" dirty="0"/>
-              <a:t>e = v(v-1)/2</a:t>
-            </a:r>
-            <a:br>
-              <a:rPr lang="en-US" dirty="0"/>
-            </a:br>
-            <a:r>
-              <a:rPr lang="en-US" dirty="0"/>
-              <a:t>Called a </a:t>
-            </a:r>
-            <a:r>
-              <a:rPr lang="en-US" i="1" dirty="0"/>
-              <a:t>complete graph</a:t>
-            </a:r>
-          </a:p>
-          <a:p>
-            <a:pPr lvl="1"/>
-            <a:r>
-              <a:rPr lang="en-US" dirty="0"/>
-              <a:t>Directed:   e = v(v-1)        </a:t>
-            </a:r>
-            <a:r>
-              <a:rPr lang="en-US" i="1" dirty="0"/>
-              <a:t>why?</a:t>
-            </a:r>
-          </a:p>
-          <a:p>
-            <a:r>
-              <a:rPr lang="en-US" dirty="0"/>
-              <a:t>Sparse graph: fewer edges</a:t>
-            </a:r>
-          </a:p>
-          <a:p>
-            <a:pPr lvl="1"/>
-            <a:r>
-              <a:rPr lang="en-US" dirty="0"/>
-              <a:t>Could be zero edges…</a:t>
-            </a:r>
-          </a:p>
-        </p:txBody>
-      </p:sp>
     </p:spTree>
+    <p:extLst>
+      <p:ext uri="{BB962C8B-B14F-4D97-AF65-F5344CB8AC3E}">
+        <p14:creationId xmlns:p14="http://schemas.microsoft.com/office/powerpoint/2010/main" val="1757008305"/>
+      </p:ext>
+    </p:extLst>
   </p:cSld>
   <p:clrMapOvr>
     <a:masterClrMapping/>
@@ -14184,12 +14724,6 @@
 </file>
 
 <file path=ppt/tags/tag11.xml><?xml version="1.0" encoding="utf-8"?>
-<p:tagLst xmlns:a="http://schemas.openxmlformats.org/drawingml/2006/main" xmlns:r="http://schemas.openxmlformats.org/officeDocument/2006/relationships" xmlns:p="http://schemas.openxmlformats.org/presentationml/2006/main">
-  <p:tag name="_INSTRUCTOR VIEW19C14C36-AC8E-43BC-9DB6-C2AAF774C7DC|PANE__TAG" val="_"/>
-</p:tagLst>
-</file>
-
-<file path=ppt/tags/tag110.xml><?xml version="1.0" encoding="utf-8"?>
 <p:tagLst xmlns:a="http://schemas.openxmlformats.org/drawingml/2006/main" xmlns:r="http://schemas.openxmlformats.org/officeDocument/2006/relationships" xmlns:p="http://schemas.openxmlformats.org/presentationml/2006/main">
   <p:tag name="_INSTRUCTOR VIEW19C14C36-AC8E-43BC-9DB6-C2AAF774C7DC|PANE__TAG" val="_"/>
 </p:tagLst>
@@ -14579,7 +15113,55 @@
 </p:tagLst>
 </file>
 
+<file path=ppt/tags/tag68.xml><?xml version="1.0" encoding="utf-8"?>
+<p:tagLst xmlns:a="http://schemas.openxmlformats.org/drawingml/2006/main" xmlns:r="http://schemas.openxmlformats.org/officeDocument/2006/relationships" xmlns:p="http://schemas.openxmlformats.org/presentationml/2006/main">
+  <p:tag name="_INSTRUCTOR VIEW19C14C36-AC8E-43BC-9DB6-C2AAF774C7DC|PANE__TAG" val="_"/>
+</p:tagLst>
+</file>
+
+<file path=ppt/tags/tag69.xml><?xml version="1.0" encoding="utf-8"?>
+<p:tagLst xmlns:a="http://schemas.openxmlformats.org/drawingml/2006/main" xmlns:r="http://schemas.openxmlformats.org/officeDocument/2006/relationships" xmlns:p="http://schemas.openxmlformats.org/presentationml/2006/main">
+  <p:tag name="_INSTRUCTOR VIEW19C14C36-AC8E-43BC-9DB6-C2AAF774C7DC|PANE__TAG" val="_"/>
+</p:tagLst>
+</file>
+
 <file path=ppt/tags/tag7.xml><?xml version="1.0" encoding="utf-8"?>
+<p:tagLst xmlns:a="http://schemas.openxmlformats.org/drawingml/2006/main" xmlns:r="http://schemas.openxmlformats.org/officeDocument/2006/relationships" xmlns:p="http://schemas.openxmlformats.org/presentationml/2006/main">
+  <p:tag name="_INSTRUCTOR VIEW19C14C36-AC8E-43BC-9DB6-C2AAF774C7DC|PANE__TAG" val="_"/>
+</p:tagLst>
+</file>
+
+<file path=ppt/tags/tag70.xml><?xml version="1.0" encoding="utf-8"?>
+<p:tagLst xmlns:a="http://schemas.openxmlformats.org/drawingml/2006/main" xmlns:r="http://schemas.openxmlformats.org/officeDocument/2006/relationships" xmlns:p="http://schemas.openxmlformats.org/presentationml/2006/main">
+  <p:tag name="_INSTRUCTOR VIEW19C14C36-AC8E-43BC-9DB6-C2AAF774C7DC|PANE__TAG" val="_"/>
+</p:tagLst>
+</file>
+
+<file path=ppt/tags/tag71.xml><?xml version="1.0" encoding="utf-8"?>
+<p:tagLst xmlns:a="http://schemas.openxmlformats.org/drawingml/2006/main" xmlns:r="http://schemas.openxmlformats.org/officeDocument/2006/relationships" xmlns:p="http://schemas.openxmlformats.org/presentationml/2006/main">
+  <p:tag name="_INSTRUCTOR VIEW19C14C36-AC8E-43BC-9DB6-C2AAF774C7DC|PANE__TAG" val="_"/>
+</p:tagLst>
+</file>
+
+<file path=ppt/tags/tag72.xml><?xml version="1.0" encoding="utf-8"?>
+<p:tagLst xmlns:a="http://schemas.openxmlformats.org/drawingml/2006/main" xmlns:r="http://schemas.openxmlformats.org/officeDocument/2006/relationships" xmlns:p="http://schemas.openxmlformats.org/presentationml/2006/main">
+  <p:tag name="_INSTRUCTOR VIEW19C14C36-AC8E-43BC-9DB6-C2AAF774C7DC|PANE__TAG" val="_"/>
+</p:tagLst>
+</file>
+
+<file path=ppt/tags/tag73.xml><?xml version="1.0" encoding="utf-8"?>
+<p:tagLst xmlns:a="http://schemas.openxmlformats.org/drawingml/2006/main" xmlns:r="http://schemas.openxmlformats.org/officeDocument/2006/relationships" xmlns:p="http://schemas.openxmlformats.org/presentationml/2006/main">
+  <p:tag name="_INSTRUCTOR VIEW19C14C36-AC8E-43BC-9DB6-C2AAF774C7DC|PANE__TAG" val="_"/>
+</p:tagLst>
+</file>
+
+<file path=ppt/tags/tag74.xml><?xml version="1.0" encoding="utf-8"?>
+<p:tagLst xmlns:a="http://schemas.openxmlformats.org/drawingml/2006/main" xmlns:r="http://schemas.openxmlformats.org/officeDocument/2006/relationships" xmlns:p="http://schemas.openxmlformats.org/presentationml/2006/main">
+  <p:tag name="_INSTRUCTOR VIEW19C14C36-AC8E-43BC-9DB6-C2AAF774C7DC|PANE__TAG" val="_"/>
+</p:tagLst>
+</file>
+
+<file path=ppt/tags/tag75.xml><?xml version="1.0" encoding="utf-8"?>
 <p:tagLst xmlns:a="http://schemas.openxmlformats.org/drawingml/2006/main" xmlns:r="http://schemas.openxmlformats.org/officeDocument/2006/relationships" xmlns:p="http://schemas.openxmlformats.org/presentationml/2006/main">
   <p:tag name="_INSTRUCTOR VIEW19C14C36-AC8E-43BC-9DB6-C2AAF774C7DC|PANE__TAG" val="_"/>
 </p:tagLst>

--- a/slides/01-01-GraphsIntroBFS.pptx
+++ b/slides/01-01-GraphsIntroBFS.pptx
@@ -5,10 +5,10 @@
     <p:sldMasterId id="2147483714" r:id="rId1"/>
   </p:sldMasterIdLst>
   <p:notesMasterIdLst>
-    <p:notesMasterId r:id="rId42"/>
+    <p:notesMasterId r:id="rId43"/>
   </p:notesMasterIdLst>
   <p:handoutMasterIdLst>
-    <p:handoutMasterId r:id="rId43"/>
+    <p:handoutMasterId r:id="rId44"/>
   </p:handoutMasterIdLst>
   <p:sldIdLst>
     <p:sldId id="377" r:id="rId2"/>
@@ -34,28 +34,29 @@
     <p:sldId id="381" r:id="rId22"/>
     <p:sldId id="333" r:id="rId23"/>
     <p:sldId id="369" r:id="rId24"/>
-    <p:sldId id="459" r:id="rId25"/>
-    <p:sldId id="370" r:id="rId26"/>
-    <p:sldId id="460" r:id="rId27"/>
-    <p:sldId id="373" r:id="rId28"/>
-    <p:sldId id="461" r:id="rId29"/>
-    <p:sldId id="462" r:id="rId30"/>
-    <p:sldId id="463" r:id="rId31"/>
-    <p:sldId id="466" r:id="rId32"/>
-    <p:sldId id="465" r:id="rId33"/>
-    <p:sldId id="476" r:id="rId34"/>
-    <p:sldId id="467" r:id="rId35"/>
-    <p:sldId id="468" r:id="rId36"/>
-    <p:sldId id="469" r:id="rId37"/>
-    <p:sldId id="470" r:id="rId38"/>
-    <p:sldId id="471" r:id="rId39"/>
-    <p:sldId id="472" r:id="rId40"/>
-    <p:sldId id="473" r:id="rId41"/>
+    <p:sldId id="477" r:id="rId25"/>
+    <p:sldId id="459" r:id="rId26"/>
+    <p:sldId id="370" r:id="rId27"/>
+    <p:sldId id="460" r:id="rId28"/>
+    <p:sldId id="373" r:id="rId29"/>
+    <p:sldId id="461" r:id="rId30"/>
+    <p:sldId id="462" r:id="rId31"/>
+    <p:sldId id="463" r:id="rId32"/>
+    <p:sldId id="466" r:id="rId33"/>
+    <p:sldId id="465" r:id="rId34"/>
+    <p:sldId id="476" r:id="rId35"/>
+    <p:sldId id="467" r:id="rId36"/>
+    <p:sldId id="468" r:id="rId37"/>
+    <p:sldId id="469" r:id="rId38"/>
+    <p:sldId id="470" r:id="rId39"/>
+    <p:sldId id="471" r:id="rId40"/>
+    <p:sldId id="472" r:id="rId41"/>
+    <p:sldId id="473" r:id="rId42"/>
   </p:sldIdLst>
   <p:sldSz cx="12192000" cy="6858000"/>
   <p:notesSz cx="7315200" cy="9601200"/>
   <p:custDataLst>
-    <p:tags r:id="rId44"/>
+    <p:tags r:id="rId45"/>
   </p:custDataLst>
   <p:defaultTextStyle>
     <a:defPPr>
@@ -7223,7 +7224,7 @@
           <a:p>
             <a:r>
               <a:rPr lang="en-US" dirty="0"/>
-              <a:t>BFS: Overall Strategy</a:t>
+              <a:t>BFS: What’s the point</a:t>
             </a:r>
           </a:p>
         </p:txBody>
@@ -7265,49 +7266,64 @@
             </p:custDataLst>
           </p:nvPr>
         </p:nvSpPr>
-        <p:spPr/>
+        <p:spPr>
+          <a:xfrm>
+            <a:off x="457200" y="1219200"/>
+            <a:ext cx="11125200" cy="4937760"/>
+          </a:xfrm>
+        </p:spPr>
         <p:txBody>
           <a:bodyPr/>
           <a:lstStyle/>
           <a:p>
             <a:r>
               <a:rPr lang="en-US" dirty="0"/>
-              <a:t>Breadth-first search: Strategy</a:t>
+              <a:t>Two purposes:</a:t>
+            </a:r>
+          </a:p>
+          <a:p>
+            <a:endParaRPr lang="en-US" dirty="0"/>
+          </a:p>
+          <a:p>
+            <a:r>
+              <a:rPr lang="en-US" dirty="0"/>
+              <a:t>1) </a:t>
+            </a:r>
+            <a:r>
+              <a:rPr lang="en-US" b="1" i="1" u="sng" dirty="0"/>
+              <a:t>Traverse the graph</a:t>
+            </a:r>
+            <a:r>
+              <a:rPr lang="en-US" dirty="0"/>
+              <a:t>! Visit every node and do something. </a:t>
+            </a:r>
+          </a:p>
+          <a:p>
+            <a:endParaRPr lang="en-US" dirty="0"/>
+          </a:p>
+          <a:p>
+            <a:r>
+              <a:rPr lang="en-US" dirty="0"/>
+              <a:t>2) Learn something about the </a:t>
+            </a:r>
+            <a:r>
+              <a:rPr lang="en-US" b="1" i="1" u="sng" dirty="0"/>
+              <a:t>“distance” </a:t>
+            </a:r>
+            <a:r>
+              <a:rPr lang="en-US" dirty="0"/>
+              <a:t>each node is </a:t>
+            </a:r>
+            <a:r>
+              <a:rPr lang="en-US" b="1" i="1" u="sng" dirty="0"/>
+              <a:t>from the starting node</a:t>
             </a:r>
           </a:p>
           <a:p>
             <a:pPr lvl="1"/>
             <a:r>
               <a:rPr lang="en-US" dirty="0"/>
-              <a:t>choose a starting vertex, distance d = 0</a:t>
-            </a:r>
-          </a:p>
-          <a:p>
-            <a:pPr lvl="1"/>
-            <a:r>
-              <a:rPr lang="en-US" dirty="0"/>
-              <a:t>vertices are visited in order of increasing distance from the starting vertex, </a:t>
-            </a:r>
-          </a:p>
-          <a:p>
-            <a:pPr lvl="1"/>
-            <a:r>
-              <a:rPr lang="en-US" dirty="0"/>
-              <a:t>examine all edges leading from vertices (at distance d) to adjacent vertices (at distance d+1)</a:t>
-            </a:r>
-          </a:p>
-          <a:p>
-            <a:pPr lvl="1"/>
-            <a:r>
-              <a:rPr lang="en-US" dirty="0"/>
-              <a:t>then, examine all edges leading from vertices at distance d+1 to distance d+2, and so on, </a:t>
-            </a:r>
-          </a:p>
-          <a:p>
-            <a:pPr lvl="1"/>
-            <a:r>
-              <a:rPr lang="en-US" dirty="0"/>
-              <a:t>until no new vertex is discovered</a:t>
+              <a:t>“distance” here means “number of edges away”</a:t>
             </a:r>
           </a:p>
         </p:txBody>
@@ -7357,13 +7373,8 @@
           <a:p>
             <a:r>
               <a:rPr lang="en-US" dirty="0"/>
-              <a:t>BFS: Specific </a:t>
-            </a:r>
-            <a:r>
-              <a:rPr lang="en-US" dirty="0" err="1"/>
-              <a:t>Input/Output</a:t>
-            </a:r>
-            <a:endParaRPr lang="en-US" dirty="0"/>
+              <a:t>BFS: Overall Strategy</a:t>
+            </a:r>
           </a:p>
         </p:txBody>
       </p:sp>
@@ -7411,88 +7422,42 @@
           <a:p>
             <a:r>
               <a:rPr lang="en-US" dirty="0"/>
-              <a:t>Input: </a:t>
+              <a:t>Breadth-first search: Strategy</a:t>
             </a:r>
           </a:p>
           <a:p>
             <a:pPr lvl="1"/>
             <a:r>
               <a:rPr lang="en-US" dirty="0"/>
-              <a:t>A graph </a:t>
-            </a:r>
-            <a:r>
-              <a:rPr lang="en-US" b="1" i="1" u="sng" dirty="0"/>
-              <a:t>G</a:t>
-            </a:r>
-            <a:endParaRPr lang="en-US" dirty="0"/>
+              <a:t>choose a starting vertex, distance d = 0</a:t>
+            </a:r>
           </a:p>
           <a:p>
             <a:pPr lvl="1"/>
             <a:r>
               <a:rPr lang="en-US" dirty="0"/>
-              <a:t>single start vertex </a:t>
-            </a:r>
-            <a:r>
-              <a:rPr lang="en-US" b="1" i="1" u="sng" dirty="0"/>
-              <a:t>s</a:t>
-            </a:r>
-          </a:p>
-          <a:p>
-            <a:endParaRPr lang="en-US" b="1" i="1" u="sng" dirty="0"/>
-          </a:p>
-          <a:p>
+              <a:t>vertices are visited in order of increasing distance from the starting vertex, </a:t>
+            </a:r>
+          </a:p>
+          <a:p>
+            <a:pPr lvl="1"/>
             <a:r>
               <a:rPr lang="en-US" dirty="0"/>
-              <a:t>Output:</a:t>
+              <a:t>examine all edges leading from vertices (at distance d) to adjacent vertices (at distance d+1)</a:t>
             </a:r>
           </a:p>
           <a:p>
             <a:pPr lvl="1"/>
             <a:r>
               <a:rPr lang="en-US" dirty="0"/>
-              <a:t>Shortest distance from </a:t>
-            </a:r>
-            <a:r>
-              <a:rPr lang="en-US" b="1" i="1" u="sng" dirty="0"/>
-              <a:t>s</a:t>
-            </a:r>
+              <a:t>then, examine all edges leading from vertices at distance d+1 to distance d+2, and so on, </a:t>
+            </a:r>
+          </a:p>
+          <a:p>
+            <a:pPr lvl="1"/>
             <a:r>
               <a:rPr lang="en-US" dirty="0"/>
-              <a:t> to each node in </a:t>
-            </a:r>
-            <a:r>
-              <a:rPr lang="en-US" b="1" i="1" u="sng" dirty="0"/>
-              <a:t>G</a:t>
-            </a:r>
-            <a:r>
-              <a:rPr lang="en-US" dirty="0"/>
-              <a:t> (distance = number of edges)</a:t>
-            </a:r>
-          </a:p>
-          <a:p>
-            <a:pPr lvl="1"/>
-            <a:r>
-              <a:rPr lang="en-US" dirty="0"/>
-              <a:t>Breadth-First Tree of </a:t>
-            </a:r>
-            <a:r>
-              <a:rPr lang="en-US" b="1" i="1" u="sng" dirty="0"/>
-              <a:t>G</a:t>
-            </a:r>
-            <a:r>
-              <a:rPr lang="en-US" dirty="0"/>
-              <a:t> with root </a:t>
-            </a:r>
-            <a:r>
-              <a:rPr lang="en-US" b="1" i="1" u="sng" dirty="0"/>
-              <a:t>s</a:t>
-            </a:r>
-          </a:p>
-          <a:p>
-            <a:pPr lvl="2"/>
-            <a:r>
-              <a:rPr lang="en-US" i="1" dirty="0"/>
-              <a:t>Note: The paths in this BFS tree represent the shortest paths from s to each node in G</a:t>
+              <a:t>until no new vertex is discovered</a:t>
             </a:r>
           </a:p>
         </p:txBody>
@@ -7500,7 +7465,7 @@
     </p:spTree>
     <p:extLst>
       <p:ext uri="{BB962C8B-B14F-4D97-AF65-F5344CB8AC3E}">
-        <p14:creationId xmlns:p14="http://schemas.microsoft.com/office/powerpoint/2010/main" val="4124080203"/>
+        <p14:creationId xmlns:p14="http://schemas.microsoft.com/office/powerpoint/2010/main" val="1106188933"/>
       </p:ext>
     </p:extLst>
   </p:cSld>
@@ -7529,7 +7494,7 @@
       </p:grpSpPr>
       <p:sp>
         <p:nvSpPr>
-          <p:cNvPr id="36866" name="Rectangle 2"/>
+          <p:cNvPr id="35842" name="Rectangle 2"/>
           <p:cNvSpPr>
             <a:spLocks noGrp="1" noChangeArrowheads="1"/>
           </p:cNvSpPr>
@@ -7547,14 +7512,19 @@
           <a:p>
             <a:r>
               <a:rPr lang="en-US" dirty="0"/>
-              <a:t>Breadth-first search, quick example</a:t>
-            </a:r>
-          </a:p>
-        </p:txBody>
-      </p:sp>
-      <p:sp>
-        <p:nvSpPr>
-          <p:cNvPr id="5" name="Slide Number Placeholder 4"/>
+              <a:t>BFS: Specific </a:t>
+            </a:r>
+            <a:r>
+              <a:rPr lang="en-US" dirty="0" err="1"/>
+              <a:t>Input/Output</a:t>
+            </a:r>
+            <a:endParaRPr lang="en-US" dirty="0"/>
+          </a:p>
+        </p:txBody>
+      </p:sp>
+      <p:sp>
+        <p:nvSpPr>
+          <p:cNvPr id="4" name="Slide Number Placeholder 3"/>
           <p:cNvSpPr>
             <a:spLocks noGrp="1"/>
           </p:cNvSpPr>
@@ -7571,6 +7541,191 @@
               <a:rPr lang="en-US" smtClean="0"/>
               <a:pPr/>
               <a:t>25</a:t>
+            </a:fld>
+            <a:endParaRPr lang="en-US"/>
+          </a:p>
+        </p:txBody>
+      </p:sp>
+      <p:sp>
+        <p:nvSpPr>
+          <p:cNvPr id="35843" name="Rectangle 3"/>
+          <p:cNvSpPr>
+            <a:spLocks noGrp="1" noChangeArrowheads="1"/>
+          </p:cNvSpPr>
+          <p:nvPr>
+            <p:ph sz="quarter" idx="1"/>
+            <p:custDataLst>
+              <p:tags r:id="rId2"/>
+            </p:custDataLst>
+          </p:nvPr>
+        </p:nvSpPr>
+        <p:spPr/>
+        <p:txBody>
+          <a:bodyPr/>
+          <a:lstStyle/>
+          <a:p>
+            <a:r>
+              <a:rPr lang="en-US" dirty="0"/>
+              <a:t>Input: </a:t>
+            </a:r>
+          </a:p>
+          <a:p>
+            <a:pPr lvl="1"/>
+            <a:r>
+              <a:rPr lang="en-US" dirty="0"/>
+              <a:t>A graph </a:t>
+            </a:r>
+            <a:r>
+              <a:rPr lang="en-US" b="1" i="1" u="sng" dirty="0"/>
+              <a:t>G</a:t>
+            </a:r>
+            <a:endParaRPr lang="en-US" dirty="0"/>
+          </a:p>
+          <a:p>
+            <a:pPr lvl="1"/>
+            <a:r>
+              <a:rPr lang="en-US" dirty="0"/>
+              <a:t>single start vertex </a:t>
+            </a:r>
+            <a:r>
+              <a:rPr lang="en-US" b="1" i="1" u="sng" dirty="0"/>
+              <a:t>s</a:t>
+            </a:r>
+          </a:p>
+          <a:p>
+            <a:endParaRPr lang="en-US" b="1" i="1" u="sng" dirty="0"/>
+          </a:p>
+          <a:p>
+            <a:r>
+              <a:rPr lang="en-US" dirty="0"/>
+              <a:t>Output:</a:t>
+            </a:r>
+          </a:p>
+          <a:p>
+            <a:pPr lvl="1"/>
+            <a:r>
+              <a:rPr lang="en-US" dirty="0"/>
+              <a:t>Shortest distance from </a:t>
+            </a:r>
+            <a:r>
+              <a:rPr lang="en-US" b="1" i="1" u="sng" dirty="0"/>
+              <a:t>s</a:t>
+            </a:r>
+            <a:r>
+              <a:rPr lang="en-US" dirty="0"/>
+              <a:t> to each node in </a:t>
+            </a:r>
+            <a:r>
+              <a:rPr lang="en-US" b="1" i="1" u="sng" dirty="0"/>
+              <a:t>G</a:t>
+            </a:r>
+            <a:r>
+              <a:rPr lang="en-US" dirty="0"/>
+              <a:t> (distance = number of edges)</a:t>
+            </a:r>
+          </a:p>
+          <a:p>
+            <a:pPr lvl="1"/>
+            <a:r>
+              <a:rPr lang="en-US" dirty="0"/>
+              <a:t>Breadth-First Tree of </a:t>
+            </a:r>
+            <a:r>
+              <a:rPr lang="en-US" b="1" i="1" u="sng" dirty="0"/>
+              <a:t>G</a:t>
+            </a:r>
+            <a:r>
+              <a:rPr lang="en-US" dirty="0"/>
+              <a:t> with root </a:t>
+            </a:r>
+            <a:r>
+              <a:rPr lang="en-US" b="1" i="1" u="sng" dirty="0"/>
+              <a:t>s</a:t>
+            </a:r>
+          </a:p>
+          <a:p>
+            <a:pPr lvl="2"/>
+            <a:r>
+              <a:rPr lang="en-US" i="1" dirty="0"/>
+              <a:t>Note: The paths in this BFS tree represent the shortest paths from s to each node in G</a:t>
+            </a:r>
+          </a:p>
+        </p:txBody>
+      </p:sp>
+    </p:spTree>
+    <p:extLst>
+      <p:ext uri="{BB962C8B-B14F-4D97-AF65-F5344CB8AC3E}">
+        <p14:creationId xmlns:p14="http://schemas.microsoft.com/office/powerpoint/2010/main" val="4124080203"/>
+      </p:ext>
+    </p:extLst>
+  </p:cSld>
+  <p:clrMapOvr>
+    <a:masterClrMapping/>
+  </p:clrMapOvr>
+</p:sld>
+</file>
+
+<file path=ppt/slides/slide26.xml><?xml version="1.0" encoding="utf-8"?>
+<p:sld xmlns:a="http://schemas.openxmlformats.org/drawingml/2006/main" xmlns:r="http://schemas.openxmlformats.org/officeDocument/2006/relationships" xmlns:p="http://schemas.openxmlformats.org/presentationml/2006/main">
+  <p:cSld>
+    <p:spTree>
+      <p:nvGrpSpPr>
+        <p:cNvPr id="1" name=""/>
+        <p:cNvGrpSpPr/>
+        <p:nvPr/>
+      </p:nvGrpSpPr>
+      <p:grpSpPr>
+        <a:xfrm>
+          <a:off x="0" y="0"/>
+          <a:ext cx="0" cy="0"/>
+          <a:chOff x="0" y="0"/>
+          <a:chExt cx="0" cy="0"/>
+        </a:xfrm>
+      </p:grpSpPr>
+      <p:sp>
+        <p:nvSpPr>
+          <p:cNvPr id="36866" name="Rectangle 2"/>
+          <p:cNvSpPr>
+            <a:spLocks noGrp="1" noChangeArrowheads="1"/>
+          </p:cNvSpPr>
+          <p:nvPr>
+            <p:ph type="title"/>
+            <p:custDataLst>
+              <p:tags r:id="rId1"/>
+            </p:custDataLst>
+          </p:nvPr>
+        </p:nvSpPr>
+        <p:spPr/>
+        <p:txBody>
+          <a:bodyPr/>
+          <a:lstStyle/>
+          <a:p>
+            <a:r>
+              <a:rPr lang="en-US" dirty="0"/>
+              <a:t>Breadth-first search, quick example</a:t>
+            </a:r>
+          </a:p>
+        </p:txBody>
+      </p:sp>
+      <p:sp>
+        <p:nvSpPr>
+          <p:cNvPr id="5" name="Slide Number Placeholder 4"/>
+          <p:cNvSpPr>
+            <a:spLocks noGrp="1"/>
+          </p:cNvSpPr>
+          <p:nvPr>
+            <p:ph type="sldNum" sz="quarter" idx="12"/>
+          </p:nvPr>
+        </p:nvSpPr>
+        <p:spPr/>
+        <p:txBody>
+          <a:bodyPr/>
+          <a:lstStyle/>
+          <a:p>
+            <a:fld id="{030EE116-056E-4288-B7F7-411CB7E437A9}" type="slidenum">
+              <a:rPr lang="en-US" smtClean="0"/>
+              <a:pPr/>
+              <a:t>26</a:t>
             </a:fld>
             <a:endParaRPr lang="en-US"/>
           </a:p>
@@ -7644,7 +7799,7 @@
 </p:sld>
 </file>
 
-<file path=ppt/slides/slide26.xml><?xml version="1.0" encoding="utf-8"?>
+<file path=ppt/slides/slide27.xml><?xml version="1.0" encoding="utf-8"?>
 <p:sld xmlns:a="http://schemas.openxmlformats.org/drawingml/2006/main" xmlns:r="http://schemas.openxmlformats.org/officeDocument/2006/relationships" xmlns:p="http://schemas.openxmlformats.org/presentationml/2006/main">
   <p:cSld>
     <p:spTree>
@@ -7704,7 +7859,7 @@
             <a:fld id="{030EE116-056E-4288-B7F7-411CB7E437A9}" type="slidenum">
               <a:rPr lang="en-US" smtClean="0"/>
               <a:pPr/>
-              <a:t>26</a:t>
+              <a:t>27</a:t>
             </a:fld>
             <a:endParaRPr lang="en-US"/>
           </a:p>
@@ -7810,243 +7965,6 @@
 </p:sld>
 </file>
 
-<file path=ppt/slides/slide27.xml><?xml version="1.0" encoding="utf-8"?>
-<p:sld xmlns:a="http://schemas.openxmlformats.org/drawingml/2006/main" xmlns:r="http://schemas.openxmlformats.org/officeDocument/2006/relationships" xmlns:p="http://schemas.openxmlformats.org/presentationml/2006/main">
-  <p:cSld>
-    <p:spTree>
-      <p:nvGrpSpPr>
-        <p:cNvPr id="1" name=""/>
-        <p:cNvGrpSpPr/>
-        <p:nvPr/>
-      </p:nvGrpSpPr>
-      <p:grpSpPr>
-        <a:xfrm>
-          <a:off x="0" y="0"/>
-          <a:ext cx="0" cy="0"/>
-          <a:chOff x="0" y="0"/>
-          <a:chExt cx="0" cy="0"/>
-        </a:xfrm>
-      </p:grpSpPr>
-      <p:sp>
-        <p:nvSpPr>
-          <p:cNvPr id="40962" name="Rectangle 2"/>
-          <p:cNvSpPr>
-            <a:spLocks noGrp="1" noChangeArrowheads="1"/>
-          </p:cNvSpPr>
-          <p:nvPr>
-            <p:ph type="title"/>
-            <p:custDataLst>
-              <p:tags r:id="rId1"/>
-            </p:custDataLst>
-          </p:nvPr>
-        </p:nvSpPr>
-        <p:spPr/>
-        <p:txBody>
-          <a:bodyPr/>
-          <a:lstStyle/>
-          <a:p>
-            <a:r>
-              <a:rPr lang="en-US"/>
-              <a:t>Breadth-first search: Analysis</a:t>
-            </a:r>
-          </a:p>
-        </p:txBody>
-      </p:sp>
-      <p:sp>
-        <p:nvSpPr>
-          <p:cNvPr id="4" name="Slide Number Placeholder 3"/>
-          <p:cNvSpPr>
-            <a:spLocks noGrp="1"/>
-          </p:cNvSpPr>
-          <p:nvPr>
-            <p:ph type="sldNum" sz="quarter" idx="12"/>
-          </p:nvPr>
-        </p:nvSpPr>
-        <p:spPr/>
-        <p:txBody>
-          <a:bodyPr/>
-          <a:lstStyle/>
-          <a:p>
-            <a:fld id="{030EE116-056E-4288-B7F7-411CB7E437A9}" type="slidenum">
-              <a:rPr lang="en-US" smtClean="0"/>
-              <a:pPr/>
-              <a:t>27</a:t>
-            </a:fld>
-            <a:endParaRPr lang="en-US"/>
-          </a:p>
-        </p:txBody>
-      </p:sp>
-      <p:sp>
-        <p:nvSpPr>
-          <p:cNvPr id="40963" name="Rectangle 3"/>
-          <p:cNvSpPr>
-            <a:spLocks noGrp="1" noChangeArrowheads="1"/>
-          </p:cNvSpPr>
-          <p:nvPr>
-            <p:ph sz="quarter" idx="1"/>
-            <p:custDataLst>
-              <p:tags r:id="rId2"/>
-            </p:custDataLst>
-          </p:nvPr>
-        </p:nvSpPr>
-        <p:spPr/>
-        <p:txBody>
-          <a:bodyPr/>
-          <a:lstStyle/>
-          <a:p>
-            <a:pPr>
-              <a:lnSpc>
-                <a:spcPct val="90000"/>
-              </a:lnSpc>
-            </a:pPr>
-            <a:r>
-              <a:rPr lang="en-US" dirty="0"/>
-              <a:t>For a digraph having V vertices and E edges</a:t>
-            </a:r>
-          </a:p>
-          <a:p>
-            <a:pPr lvl="1">
-              <a:lnSpc>
-                <a:spcPct val="90000"/>
-              </a:lnSpc>
-            </a:pPr>
-            <a:r>
-              <a:rPr lang="en-US" dirty="0"/>
-              <a:t>Each edge is processed once in the while loop for a cost of </a:t>
-            </a:r>
-            <a:r>
-              <a:rPr lang="en-US" dirty="0">
-                <a:sym typeface="Symbol" pitchFamily="18" charset="2"/>
-              </a:rPr>
-              <a:t></a:t>
-            </a:r>
-            <a:r>
-              <a:rPr lang="en-US" dirty="0"/>
-              <a:t>(E)</a:t>
-            </a:r>
-          </a:p>
-          <a:p>
-            <a:pPr lvl="1">
-              <a:lnSpc>
-                <a:spcPct val="90000"/>
-              </a:lnSpc>
-            </a:pPr>
-            <a:r>
-              <a:rPr lang="en-US" dirty="0"/>
-              <a:t>Each vertex is put into the queue once and removed from the queue and processed once, for a cost </a:t>
-            </a:r>
-            <a:r>
-              <a:rPr lang="en-US" dirty="0">
-                <a:sym typeface="Symbol" pitchFamily="18" charset="2"/>
-              </a:rPr>
-              <a:t></a:t>
-            </a:r>
-            <a:r>
-              <a:rPr lang="en-US" dirty="0"/>
-              <a:t>(V)</a:t>
-            </a:r>
-          </a:p>
-          <a:p>
-            <a:pPr lvl="1">
-              <a:lnSpc>
-                <a:spcPct val="90000"/>
-              </a:lnSpc>
-            </a:pPr>
-            <a:r>
-              <a:rPr lang="en-US" dirty="0"/>
-              <a:t>Total: </a:t>
-            </a:r>
-            <a:r>
-              <a:rPr lang="en-US" dirty="0">
-                <a:sym typeface="Symbol" pitchFamily="18" charset="2"/>
-              </a:rPr>
-              <a:t></a:t>
-            </a:r>
-            <a:r>
-              <a:rPr lang="en-US" dirty="0"/>
-              <a:t>(V+E)</a:t>
-            </a:r>
-          </a:p>
-          <a:p>
-            <a:pPr lvl="1">
-              <a:lnSpc>
-                <a:spcPct val="90000"/>
-              </a:lnSpc>
-            </a:pPr>
-            <a:r>
-              <a:rPr lang="en-US" dirty="0"/>
-              <a:t>Extra space is used for color array and queue, there are  </a:t>
-            </a:r>
-            <a:r>
-              <a:rPr lang="en-US" dirty="0">
-                <a:sym typeface="Symbol" pitchFamily="18" charset="2"/>
-              </a:rPr>
-              <a:t></a:t>
-            </a:r>
-            <a:r>
-              <a:rPr lang="en-US" dirty="0"/>
-              <a:t>(V)</a:t>
-            </a:r>
-          </a:p>
-          <a:p>
-            <a:pPr>
-              <a:lnSpc>
-                <a:spcPct val="90000"/>
-              </a:lnSpc>
-            </a:pPr>
-            <a:r>
-              <a:rPr lang="en-US" dirty="0"/>
-              <a:t>From a </a:t>
-            </a:r>
-            <a:r>
-              <a:rPr lang="en-US" i="1" dirty="0"/>
-              <a:t>tree</a:t>
-            </a:r>
-            <a:r>
-              <a:rPr lang="en-US" dirty="0"/>
-              <a:t> (breadth-first spanning tree)</a:t>
-            </a:r>
-          </a:p>
-          <a:p>
-            <a:pPr lvl="1">
-              <a:lnSpc>
-                <a:spcPct val="90000"/>
-              </a:lnSpc>
-            </a:pPr>
-            <a:r>
-              <a:rPr lang="en-US" dirty="0"/>
-              <a:t>the path in the tree from start vertex to any vertex contains the </a:t>
-            </a:r>
-            <a:r>
-              <a:rPr lang="en-US" i="1" dirty="0"/>
-              <a:t>minimum</a:t>
-            </a:r>
-            <a:r>
-              <a:rPr lang="en-US" dirty="0"/>
-              <a:t> possible number of edges</a:t>
-            </a:r>
-          </a:p>
-          <a:p>
-            <a:pPr>
-              <a:lnSpc>
-                <a:spcPct val="90000"/>
-              </a:lnSpc>
-            </a:pPr>
-            <a:r>
-              <a:rPr lang="en-US" dirty="0"/>
-              <a:t>Not all vertices are necessarily reachable from a selected starting vertex</a:t>
-            </a:r>
-          </a:p>
-        </p:txBody>
-      </p:sp>
-    </p:spTree>
-  </p:cSld>
-  <p:clrMapOvr>
-    <a:masterClrMapping/>
-  </p:clrMapOvr>
-</p:sld>
-</file>
-
 <file path=ppt/slides/slide28.xml><?xml version="1.0" encoding="utf-8"?>
 <p:sld xmlns:a="http://schemas.openxmlformats.org/drawingml/2006/main" xmlns:r="http://schemas.openxmlformats.org/officeDocument/2006/relationships" xmlns:p="http://schemas.openxmlformats.org/presentationml/2006/main">
   <p:cSld>
@@ -8083,8 +8001,8 @@
           <a:lstStyle/>
           <a:p>
             <a:r>
-              <a:rPr lang="en-US" dirty="0"/>
-              <a:t>Breadth-first search: Some Properties</a:t>
+              <a:rPr lang="en-US"/>
+              <a:t>Breadth-first search: Analysis</a:t>
             </a:r>
           </a:p>
         </p:txBody>
@@ -8108,6 +8026,243 @@
               <a:rPr lang="en-US" smtClean="0"/>
               <a:pPr/>
               <a:t>28</a:t>
+            </a:fld>
+            <a:endParaRPr lang="en-US"/>
+          </a:p>
+        </p:txBody>
+      </p:sp>
+      <p:sp>
+        <p:nvSpPr>
+          <p:cNvPr id="40963" name="Rectangle 3"/>
+          <p:cNvSpPr>
+            <a:spLocks noGrp="1" noChangeArrowheads="1"/>
+          </p:cNvSpPr>
+          <p:nvPr>
+            <p:ph sz="quarter" idx="1"/>
+            <p:custDataLst>
+              <p:tags r:id="rId2"/>
+            </p:custDataLst>
+          </p:nvPr>
+        </p:nvSpPr>
+        <p:spPr/>
+        <p:txBody>
+          <a:bodyPr/>
+          <a:lstStyle/>
+          <a:p>
+            <a:pPr>
+              <a:lnSpc>
+                <a:spcPct val="90000"/>
+              </a:lnSpc>
+            </a:pPr>
+            <a:r>
+              <a:rPr lang="en-US" dirty="0"/>
+              <a:t>For a digraph having V vertices and E edges</a:t>
+            </a:r>
+          </a:p>
+          <a:p>
+            <a:pPr lvl="1">
+              <a:lnSpc>
+                <a:spcPct val="90000"/>
+              </a:lnSpc>
+            </a:pPr>
+            <a:r>
+              <a:rPr lang="en-US" dirty="0"/>
+              <a:t>Each edge is processed once in the while loop for a cost of </a:t>
+            </a:r>
+            <a:r>
+              <a:rPr lang="en-US" dirty="0">
+                <a:sym typeface="Symbol" pitchFamily="18" charset="2"/>
+              </a:rPr>
+              <a:t></a:t>
+            </a:r>
+            <a:r>
+              <a:rPr lang="en-US" dirty="0"/>
+              <a:t>(E)</a:t>
+            </a:r>
+          </a:p>
+          <a:p>
+            <a:pPr lvl="1">
+              <a:lnSpc>
+                <a:spcPct val="90000"/>
+              </a:lnSpc>
+            </a:pPr>
+            <a:r>
+              <a:rPr lang="en-US" dirty="0"/>
+              <a:t>Each vertex is put into the queue once and removed from the queue and processed once, for a cost </a:t>
+            </a:r>
+            <a:r>
+              <a:rPr lang="en-US" dirty="0">
+                <a:sym typeface="Symbol" pitchFamily="18" charset="2"/>
+              </a:rPr>
+              <a:t></a:t>
+            </a:r>
+            <a:r>
+              <a:rPr lang="en-US" dirty="0"/>
+              <a:t>(V)</a:t>
+            </a:r>
+          </a:p>
+          <a:p>
+            <a:pPr lvl="1">
+              <a:lnSpc>
+                <a:spcPct val="90000"/>
+              </a:lnSpc>
+            </a:pPr>
+            <a:r>
+              <a:rPr lang="en-US" dirty="0"/>
+              <a:t>Total: </a:t>
+            </a:r>
+            <a:r>
+              <a:rPr lang="en-US" dirty="0">
+                <a:sym typeface="Symbol" pitchFamily="18" charset="2"/>
+              </a:rPr>
+              <a:t></a:t>
+            </a:r>
+            <a:r>
+              <a:rPr lang="en-US" dirty="0"/>
+              <a:t>(V+E)</a:t>
+            </a:r>
+          </a:p>
+          <a:p>
+            <a:pPr lvl="1">
+              <a:lnSpc>
+                <a:spcPct val="90000"/>
+              </a:lnSpc>
+            </a:pPr>
+            <a:r>
+              <a:rPr lang="en-US" dirty="0"/>
+              <a:t>Extra space is used for color array and queue, there are  </a:t>
+            </a:r>
+            <a:r>
+              <a:rPr lang="en-US" dirty="0">
+                <a:sym typeface="Symbol" pitchFamily="18" charset="2"/>
+              </a:rPr>
+              <a:t></a:t>
+            </a:r>
+            <a:r>
+              <a:rPr lang="en-US" dirty="0"/>
+              <a:t>(V)</a:t>
+            </a:r>
+          </a:p>
+          <a:p>
+            <a:pPr>
+              <a:lnSpc>
+                <a:spcPct val="90000"/>
+              </a:lnSpc>
+            </a:pPr>
+            <a:r>
+              <a:rPr lang="en-US" dirty="0"/>
+              <a:t>From a </a:t>
+            </a:r>
+            <a:r>
+              <a:rPr lang="en-US" i="1" dirty="0"/>
+              <a:t>tree</a:t>
+            </a:r>
+            <a:r>
+              <a:rPr lang="en-US" dirty="0"/>
+              <a:t> (breadth-first spanning tree)</a:t>
+            </a:r>
+          </a:p>
+          <a:p>
+            <a:pPr lvl="1">
+              <a:lnSpc>
+                <a:spcPct val="90000"/>
+              </a:lnSpc>
+            </a:pPr>
+            <a:r>
+              <a:rPr lang="en-US" dirty="0"/>
+              <a:t>the path in the tree from start vertex to any vertex contains the </a:t>
+            </a:r>
+            <a:r>
+              <a:rPr lang="en-US" i="1" dirty="0"/>
+              <a:t>minimum</a:t>
+            </a:r>
+            <a:r>
+              <a:rPr lang="en-US" dirty="0"/>
+              <a:t> possible number of edges</a:t>
+            </a:r>
+          </a:p>
+          <a:p>
+            <a:pPr>
+              <a:lnSpc>
+                <a:spcPct val="90000"/>
+              </a:lnSpc>
+            </a:pPr>
+            <a:r>
+              <a:rPr lang="en-US" dirty="0"/>
+              <a:t>Not all vertices are necessarily reachable from a selected starting vertex</a:t>
+            </a:r>
+          </a:p>
+        </p:txBody>
+      </p:sp>
+    </p:spTree>
+  </p:cSld>
+  <p:clrMapOvr>
+    <a:masterClrMapping/>
+  </p:clrMapOvr>
+</p:sld>
+</file>
+
+<file path=ppt/slides/slide29.xml><?xml version="1.0" encoding="utf-8"?>
+<p:sld xmlns:a="http://schemas.openxmlformats.org/drawingml/2006/main" xmlns:r="http://schemas.openxmlformats.org/officeDocument/2006/relationships" xmlns:p="http://schemas.openxmlformats.org/presentationml/2006/main">
+  <p:cSld>
+    <p:spTree>
+      <p:nvGrpSpPr>
+        <p:cNvPr id="1" name=""/>
+        <p:cNvGrpSpPr/>
+        <p:nvPr/>
+      </p:nvGrpSpPr>
+      <p:grpSpPr>
+        <a:xfrm>
+          <a:off x="0" y="0"/>
+          <a:ext cx="0" cy="0"/>
+          <a:chOff x="0" y="0"/>
+          <a:chExt cx="0" cy="0"/>
+        </a:xfrm>
+      </p:grpSpPr>
+      <p:sp>
+        <p:nvSpPr>
+          <p:cNvPr id="40962" name="Rectangle 2"/>
+          <p:cNvSpPr>
+            <a:spLocks noGrp="1" noChangeArrowheads="1"/>
+          </p:cNvSpPr>
+          <p:nvPr>
+            <p:ph type="title"/>
+            <p:custDataLst>
+              <p:tags r:id="rId1"/>
+            </p:custDataLst>
+          </p:nvPr>
+        </p:nvSpPr>
+        <p:spPr/>
+        <p:txBody>
+          <a:bodyPr/>
+          <a:lstStyle/>
+          <a:p>
+            <a:r>
+              <a:rPr lang="en-US" dirty="0"/>
+              <a:t>Breadth-first search: Some Properties</a:t>
+            </a:r>
+          </a:p>
+        </p:txBody>
+      </p:sp>
+      <p:sp>
+        <p:nvSpPr>
+          <p:cNvPr id="4" name="Slide Number Placeholder 3"/>
+          <p:cNvSpPr>
+            <a:spLocks noGrp="1"/>
+          </p:cNvSpPr>
+          <p:nvPr>
+            <p:ph type="sldNum" sz="quarter" idx="12"/>
+          </p:nvPr>
+        </p:nvSpPr>
+        <p:spPr/>
+        <p:txBody>
+          <a:bodyPr/>
+          <a:lstStyle/>
+          <a:p>
+            <a:fld id="{030EE116-056E-4288-B7F7-411CB7E437A9}" type="slidenum">
+              <a:rPr lang="en-US" smtClean="0"/>
+              <a:pPr/>
+              <a:t>29</a:t>
             </a:fld>
             <a:endParaRPr lang="en-US"/>
           </a:p>
@@ -8452,7 +8607,7 @@
 </p:sld>
 </file>
 
-<file path=ppt/slides/slide29.xml><?xml version="1.0" encoding="utf-8"?>
+<file path=ppt/slides/slide3.xml><?xml version="1.0" encoding="utf-8"?>
 <p:sld xmlns:a="http://schemas.openxmlformats.org/drawingml/2006/main" xmlns:r="http://schemas.openxmlformats.org/officeDocument/2006/relationships" xmlns:p="http://schemas.openxmlformats.org/presentationml/2006/main">
   <p:cSld>
     <p:spTree>
@@ -8471,7 +8626,7 @@
       </p:grpSpPr>
       <p:sp>
         <p:nvSpPr>
-          <p:cNvPr id="40962" name="Rectangle 2"/>
+          <p:cNvPr id="20482" name="Rectangle 2"/>
           <p:cNvSpPr>
             <a:spLocks noGrp="1" noChangeArrowheads="1"/>
           </p:cNvSpPr>
@@ -8489,7 +8644,7 @@
           <a:p>
             <a:r>
               <a:rPr lang="en-US" dirty="0"/>
-              <a:t>Breadth-first search: Some Properties</a:t>
+              <a:t>Module 1 Topics (Bolded items in this deck)</a:t>
             </a:r>
           </a:p>
         </p:txBody>
@@ -8512,7 +8667,184 @@
             <a:fld id="{030EE116-056E-4288-B7F7-411CB7E437A9}" type="slidenum">
               <a:rPr lang="en-US" smtClean="0"/>
               <a:pPr/>
-              <a:t>29</a:t>
+              <a:t>3</a:t>
+            </a:fld>
+            <a:endParaRPr lang="en-US"/>
+          </a:p>
+        </p:txBody>
+      </p:sp>
+      <p:sp>
+        <p:nvSpPr>
+          <p:cNvPr id="20483" name="Rectangle 3"/>
+          <p:cNvSpPr>
+            <a:spLocks noGrp="1" noChangeArrowheads="1"/>
+          </p:cNvSpPr>
+          <p:nvPr>
+            <p:ph sz="quarter" idx="1"/>
+            <p:custDataLst>
+              <p:tags r:id="rId2"/>
+            </p:custDataLst>
+          </p:nvPr>
+        </p:nvSpPr>
+        <p:spPr/>
+        <p:txBody>
+          <a:bodyPr>
+            <a:normAutofit/>
+          </a:bodyPr>
+          <a:lstStyle/>
+          <a:p>
+            <a:pPr>
+              <a:lnSpc>
+                <a:spcPct val="90000"/>
+              </a:lnSpc>
+            </a:pPr>
+            <a:r>
+              <a:rPr lang="en-US" sz="2400" b="1" i="1" dirty="0"/>
+              <a:t>Graph Representation</a:t>
+            </a:r>
+          </a:p>
+          <a:p>
+            <a:pPr lvl="1">
+              <a:lnSpc>
+                <a:spcPct val="90000"/>
+              </a:lnSpc>
+            </a:pPr>
+            <a:r>
+              <a:rPr lang="en-US" sz="1700" b="1" i="1" dirty="0"/>
+              <a:t>What is a graph?</a:t>
+            </a:r>
+          </a:p>
+          <a:p>
+            <a:pPr lvl="1">
+              <a:lnSpc>
+                <a:spcPct val="90000"/>
+              </a:lnSpc>
+            </a:pPr>
+            <a:r>
+              <a:rPr lang="en-US" sz="1700" b="1" i="1" dirty="0"/>
+              <a:t>Adjacency Lists vs. Matrices</a:t>
+            </a:r>
+          </a:p>
+          <a:p>
+            <a:pPr>
+              <a:lnSpc>
+                <a:spcPct val="90000"/>
+              </a:lnSpc>
+            </a:pPr>
+            <a:r>
+              <a:rPr lang="en-US" sz="2000" b="1" i="1" dirty="0"/>
+              <a:t>Traversing Graphs: Breadth First Search</a:t>
+            </a:r>
+          </a:p>
+          <a:p>
+            <a:pPr>
+              <a:lnSpc>
+                <a:spcPct val="90000"/>
+              </a:lnSpc>
+            </a:pPr>
+            <a:r>
+              <a:rPr lang="en-US" sz="2000" dirty="0"/>
+              <a:t>Traversing Graphs: Depth First Search</a:t>
+            </a:r>
+          </a:p>
+          <a:p>
+            <a:pPr>
+              <a:lnSpc>
+                <a:spcPct val="90000"/>
+              </a:lnSpc>
+            </a:pPr>
+            <a:r>
+              <a:rPr lang="en-US" sz="2000" dirty="0"/>
+              <a:t>Topological Sort</a:t>
+            </a:r>
+          </a:p>
+          <a:p>
+            <a:pPr>
+              <a:lnSpc>
+                <a:spcPct val="90000"/>
+              </a:lnSpc>
+            </a:pPr>
+            <a:r>
+              <a:rPr lang="en-US" sz="2000" dirty="0"/>
+              <a:t>Strongly Connected Components</a:t>
+            </a:r>
+          </a:p>
+        </p:txBody>
+      </p:sp>
+    </p:spTree>
+    <p:extLst>
+      <p:ext uri="{BB962C8B-B14F-4D97-AF65-F5344CB8AC3E}">
+        <p14:creationId xmlns:p14="http://schemas.microsoft.com/office/powerpoint/2010/main" val="2069037979"/>
+      </p:ext>
+    </p:extLst>
+  </p:cSld>
+  <p:clrMapOvr>
+    <a:masterClrMapping/>
+  </p:clrMapOvr>
+</p:sld>
+</file>
+
+<file path=ppt/slides/slide30.xml><?xml version="1.0" encoding="utf-8"?>
+<p:sld xmlns:a="http://schemas.openxmlformats.org/drawingml/2006/main" xmlns:r="http://schemas.openxmlformats.org/officeDocument/2006/relationships" xmlns:p="http://schemas.openxmlformats.org/presentationml/2006/main">
+  <p:cSld>
+    <p:spTree>
+      <p:nvGrpSpPr>
+        <p:cNvPr id="1" name=""/>
+        <p:cNvGrpSpPr/>
+        <p:nvPr/>
+      </p:nvGrpSpPr>
+      <p:grpSpPr>
+        <a:xfrm>
+          <a:off x="0" y="0"/>
+          <a:ext cx="0" cy="0"/>
+          <a:chOff x="0" y="0"/>
+          <a:chExt cx="0" cy="0"/>
+        </a:xfrm>
+      </p:grpSpPr>
+      <p:sp>
+        <p:nvSpPr>
+          <p:cNvPr id="40962" name="Rectangle 2"/>
+          <p:cNvSpPr>
+            <a:spLocks noGrp="1" noChangeArrowheads="1"/>
+          </p:cNvSpPr>
+          <p:nvPr>
+            <p:ph type="title"/>
+            <p:custDataLst>
+              <p:tags r:id="rId1"/>
+            </p:custDataLst>
+          </p:nvPr>
+        </p:nvSpPr>
+        <p:spPr/>
+        <p:txBody>
+          <a:bodyPr/>
+          <a:lstStyle/>
+          <a:p>
+            <a:r>
+              <a:rPr lang="en-US" dirty="0"/>
+              <a:t>Breadth-first search: Some Properties</a:t>
+            </a:r>
+          </a:p>
+        </p:txBody>
+      </p:sp>
+      <p:sp>
+        <p:nvSpPr>
+          <p:cNvPr id="4" name="Slide Number Placeholder 3"/>
+          <p:cNvSpPr>
+            <a:spLocks noGrp="1"/>
+          </p:cNvSpPr>
+          <p:nvPr>
+            <p:ph type="sldNum" sz="quarter" idx="12"/>
+          </p:nvPr>
+        </p:nvSpPr>
+        <p:spPr/>
+        <p:txBody>
+          <a:bodyPr/>
+          <a:lstStyle/>
+          <a:p>
+            <a:fld id="{030EE116-056E-4288-B7F7-411CB7E437A9}" type="slidenum">
+              <a:rPr lang="en-US" smtClean="0"/>
+              <a:pPr/>
+              <a:t>30</a:t>
             </a:fld>
             <a:endParaRPr lang="en-US"/>
           </a:p>
@@ -8880,7 +9212,7 @@
 </p:sld>
 </file>
 
-<file path=ppt/slides/slide3.xml><?xml version="1.0" encoding="utf-8"?>
+<file path=ppt/slides/slide31.xml><?xml version="1.0" encoding="utf-8"?>
 <p:sld xmlns:a="http://schemas.openxmlformats.org/drawingml/2006/main" xmlns:r="http://schemas.openxmlformats.org/officeDocument/2006/relationships" xmlns:p="http://schemas.openxmlformats.org/presentationml/2006/main">
   <p:cSld>
     <p:spTree>
@@ -8899,7 +9231,7 @@
       </p:grpSpPr>
       <p:sp>
         <p:nvSpPr>
-          <p:cNvPr id="20482" name="Rectangle 2"/>
+          <p:cNvPr id="40962" name="Rectangle 2"/>
           <p:cNvSpPr>
             <a:spLocks noGrp="1" noChangeArrowheads="1"/>
           </p:cNvSpPr>
@@ -8917,7 +9249,7 @@
           <a:p>
             <a:r>
               <a:rPr lang="en-US" dirty="0"/>
-              <a:t>Module 1 Topics (Bolded items in this deck)</a:t>
+              <a:t>Breadth-first search: Some Properties</a:t>
             </a:r>
           </a:p>
         </p:txBody>
@@ -8940,184 +9272,7 @@
             <a:fld id="{030EE116-056E-4288-B7F7-411CB7E437A9}" type="slidenum">
               <a:rPr lang="en-US" smtClean="0"/>
               <a:pPr/>
-              <a:t>3</a:t>
-            </a:fld>
-            <a:endParaRPr lang="en-US"/>
-          </a:p>
-        </p:txBody>
-      </p:sp>
-      <p:sp>
-        <p:nvSpPr>
-          <p:cNvPr id="20483" name="Rectangle 3"/>
-          <p:cNvSpPr>
-            <a:spLocks noGrp="1" noChangeArrowheads="1"/>
-          </p:cNvSpPr>
-          <p:nvPr>
-            <p:ph sz="quarter" idx="1"/>
-            <p:custDataLst>
-              <p:tags r:id="rId2"/>
-            </p:custDataLst>
-          </p:nvPr>
-        </p:nvSpPr>
-        <p:spPr/>
-        <p:txBody>
-          <a:bodyPr>
-            <a:normAutofit/>
-          </a:bodyPr>
-          <a:lstStyle/>
-          <a:p>
-            <a:pPr>
-              <a:lnSpc>
-                <a:spcPct val="90000"/>
-              </a:lnSpc>
-            </a:pPr>
-            <a:r>
-              <a:rPr lang="en-US" sz="2400" b="1" i="1" dirty="0"/>
-              <a:t>Graph Representation</a:t>
-            </a:r>
-          </a:p>
-          <a:p>
-            <a:pPr lvl="1">
-              <a:lnSpc>
-                <a:spcPct val="90000"/>
-              </a:lnSpc>
-            </a:pPr>
-            <a:r>
-              <a:rPr lang="en-US" sz="1700" b="1" i="1" dirty="0"/>
-              <a:t>What is a graph?</a:t>
-            </a:r>
-          </a:p>
-          <a:p>
-            <a:pPr lvl="1">
-              <a:lnSpc>
-                <a:spcPct val="90000"/>
-              </a:lnSpc>
-            </a:pPr>
-            <a:r>
-              <a:rPr lang="en-US" sz="1700" b="1" i="1" dirty="0"/>
-              <a:t>Adjacency Lists vs. Matrices</a:t>
-            </a:r>
-          </a:p>
-          <a:p>
-            <a:pPr>
-              <a:lnSpc>
-                <a:spcPct val="90000"/>
-              </a:lnSpc>
-            </a:pPr>
-            <a:r>
-              <a:rPr lang="en-US" sz="2000" b="1" i="1" dirty="0"/>
-              <a:t>Traversing Graphs: Breadth First Search</a:t>
-            </a:r>
-          </a:p>
-          <a:p>
-            <a:pPr>
-              <a:lnSpc>
-                <a:spcPct val="90000"/>
-              </a:lnSpc>
-            </a:pPr>
-            <a:r>
-              <a:rPr lang="en-US" sz="2000" dirty="0"/>
-              <a:t>Traversing Graphs: Depth First Search</a:t>
-            </a:r>
-          </a:p>
-          <a:p>
-            <a:pPr>
-              <a:lnSpc>
-                <a:spcPct val="90000"/>
-              </a:lnSpc>
-            </a:pPr>
-            <a:r>
-              <a:rPr lang="en-US" sz="2000" dirty="0"/>
-              <a:t>Topological Sort</a:t>
-            </a:r>
-          </a:p>
-          <a:p>
-            <a:pPr>
-              <a:lnSpc>
-                <a:spcPct val="90000"/>
-              </a:lnSpc>
-            </a:pPr>
-            <a:r>
-              <a:rPr lang="en-US" sz="2000" dirty="0"/>
-              <a:t>Strongly Connected Components</a:t>
-            </a:r>
-          </a:p>
-        </p:txBody>
-      </p:sp>
-    </p:spTree>
-    <p:extLst>
-      <p:ext uri="{BB962C8B-B14F-4D97-AF65-F5344CB8AC3E}">
-        <p14:creationId xmlns:p14="http://schemas.microsoft.com/office/powerpoint/2010/main" val="2069037979"/>
-      </p:ext>
-    </p:extLst>
-  </p:cSld>
-  <p:clrMapOvr>
-    <a:masterClrMapping/>
-  </p:clrMapOvr>
-</p:sld>
-</file>
-
-<file path=ppt/slides/slide30.xml><?xml version="1.0" encoding="utf-8"?>
-<p:sld xmlns:a="http://schemas.openxmlformats.org/drawingml/2006/main" xmlns:r="http://schemas.openxmlformats.org/officeDocument/2006/relationships" xmlns:p="http://schemas.openxmlformats.org/presentationml/2006/main">
-  <p:cSld>
-    <p:spTree>
-      <p:nvGrpSpPr>
-        <p:cNvPr id="1" name=""/>
-        <p:cNvGrpSpPr/>
-        <p:nvPr/>
-      </p:nvGrpSpPr>
-      <p:grpSpPr>
-        <a:xfrm>
-          <a:off x="0" y="0"/>
-          <a:ext cx="0" cy="0"/>
-          <a:chOff x="0" y="0"/>
-          <a:chExt cx="0" cy="0"/>
-        </a:xfrm>
-      </p:grpSpPr>
-      <p:sp>
-        <p:nvSpPr>
-          <p:cNvPr id="40962" name="Rectangle 2"/>
-          <p:cNvSpPr>
-            <a:spLocks noGrp="1" noChangeArrowheads="1"/>
-          </p:cNvSpPr>
-          <p:nvPr>
-            <p:ph type="title"/>
-            <p:custDataLst>
-              <p:tags r:id="rId1"/>
-            </p:custDataLst>
-          </p:nvPr>
-        </p:nvSpPr>
-        <p:spPr/>
-        <p:txBody>
-          <a:bodyPr/>
-          <a:lstStyle/>
-          <a:p>
-            <a:r>
-              <a:rPr lang="en-US" dirty="0"/>
-              <a:t>Breadth-first search: Some Properties</a:t>
-            </a:r>
-          </a:p>
-        </p:txBody>
-      </p:sp>
-      <p:sp>
-        <p:nvSpPr>
-          <p:cNvPr id="4" name="Slide Number Placeholder 3"/>
-          <p:cNvSpPr>
-            <a:spLocks noGrp="1"/>
-          </p:cNvSpPr>
-          <p:nvPr>
-            <p:ph type="sldNum" sz="quarter" idx="12"/>
-          </p:nvPr>
-        </p:nvSpPr>
-        <p:spPr/>
-        <p:txBody>
-          <a:bodyPr/>
-          <a:lstStyle/>
-          <a:p>
-            <a:fld id="{030EE116-056E-4288-B7F7-411CB7E437A9}" type="slidenum">
-              <a:rPr lang="en-US" smtClean="0"/>
-              <a:pPr/>
-              <a:t>30</a:t>
+              <a:t>31</a:t>
             </a:fld>
             <a:endParaRPr lang="en-US"/>
           </a:p>
@@ -9604,101 +9759,6 @@
 </p:sld>
 </file>
 
-<file path=ppt/slides/slide31.xml><?xml version="1.0" encoding="utf-8"?>
-<p:sld xmlns:a="http://schemas.openxmlformats.org/drawingml/2006/main" xmlns:r="http://schemas.openxmlformats.org/officeDocument/2006/relationships" xmlns:p="http://schemas.openxmlformats.org/presentationml/2006/main">
-  <p:cSld>
-    <p:spTree>
-      <p:nvGrpSpPr>
-        <p:cNvPr id="1" name=""/>
-        <p:cNvGrpSpPr/>
-        <p:nvPr/>
-      </p:nvGrpSpPr>
-      <p:grpSpPr>
-        <a:xfrm>
-          <a:off x="0" y="0"/>
-          <a:ext cx="0" cy="0"/>
-          <a:chOff x="0" y="0"/>
-          <a:chExt cx="0" cy="0"/>
-        </a:xfrm>
-      </p:grpSpPr>
-      <p:sp>
-        <p:nvSpPr>
-          <p:cNvPr id="5" name="Title 4"/>
-          <p:cNvSpPr>
-            <a:spLocks noGrp="1"/>
-          </p:cNvSpPr>
-          <p:nvPr>
-            <p:ph type="title"/>
-          </p:nvPr>
-        </p:nvSpPr>
-        <p:spPr/>
-        <p:txBody>
-          <a:bodyPr/>
-          <a:lstStyle/>
-          <a:p>
-            <a:r>
-              <a:rPr lang="en-US" dirty="0"/>
-              <a:t>Correctness of BFS</a:t>
-            </a:r>
-          </a:p>
-        </p:txBody>
-      </p:sp>
-      <p:sp>
-        <p:nvSpPr>
-          <p:cNvPr id="6" name="Text Placeholder 5"/>
-          <p:cNvSpPr>
-            <a:spLocks noGrp="1"/>
-          </p:cNvSpPr>
-          <p:nvPr>
-            <p:ph type="body" idx="1"/>
-          </p:nvPr>
-        </p:nvSpPr>
-        <p:spPr/>
-        <p:txBody>
-          <a:bodyPr/>
-          <a:lstStyle/>
-          <a:p>
-            <a:endParaRPr lang="en-US" dirty="0"/>
-          </a:p>
-        </p:txBody>
-      </p:sp>
-      <p:sp>
-        <p:nvSpPr>
-          <p:cNvPr id="4" name="Slide Number Placeholder 3"/>
-          <p:cNvSpPr>
-            <a:spLocks noGrp="1"/>
-          </p:cNvSpPr>
-          <p:nvPr>
-            <p:ph type="sldNum" sz="quarter" idx="12"/>
-          </p:nvPr>
-        </p:nvSpPr>
-        <p:spPr/>
-        <p:txBody>
-          <a:bodyPr/>
-          <a:lstStyle/>
-          <a:p>
-            <a:fld id="{030EE116-056E-4288-B7F7-411CB7E437A9}" type="slidenum">
-              <a:rPr lang="en-US" smtClean="0"/>
-              <a:pPr/>
-              <a:t>31</a:t>
-            </a:fld>
-            <a:endParaRPr lang="en-US"/>
-          </a:p>
-        </p:txBody>
-      </p:sp>
-    </p:spTree>
-    <p:extLst>
-      <p:ext uri="{BB962C8B-B14F-4D97-AF65-F5344CB8AC3E}">
-        <p14:creationId xmlns:p14="http://schemas.microsoft.com/office/powerpoint/2010/main" val="1602411458"/>
-      </p:ext>
-    </p:extLst>
-  </p:cSld>
-  <p:clrMapOvr>
-    <a:masterClrMapping/>
-  </p:clrMapOvr>
-</p:sld>
-</file>
-
 <file path=ppt/slides/slide32.xml><?xml version="1.0" encoding="utf-8"?>
 <p:sld xmlns:a="http://schemas.openxmlformats.org/drawingml/2006/main" xmlns:r="http://schemas.openxmlformats.org/officeDocument/2006/relationships" xmlns:p="http://schemas.openxmlformats.org/presentationml/2006/main">
   <p:cSld>
@@ -9718,6 +9778,101 @@
       </p:grpSpPr>
       <p:sp>
         <p:nvSpPr>
+          <p:cNvPr id="5" name="Title 4"/>
+          <p:cNvSpPr>
+            <a:spLocks noGrp="1"/>
+          </p:cNvSpPr>
+          <p:nvPr>
+            <p:ph type="title"/>
+          </p:nvPr>
+        </p:nvSpPr>
+        <p:spPr/>
+        <p:txBody>
+          <a:bodyPr/>
+          <a:lstStyle/>
+          <a:p>
+            <a:r>
+              <a:rPr lang="en-US" dirty="0"/>
+              <a:t>Correctness of BFS</a:t>
+            </a:r>
+          </a:p>
+        </p:txBody>
+      </p:sp>
+      <p:sp>
+        <p:nvSpPr>
+          <p:cNvPr id="6" name="Text Placeholder 5"/>
+          <p:cNvSpPr>
+            <a:spLocks noGrp="1"/>
+          </p:cNvSpPr>
+          <p:nvPr>
+            <p:ph type="body" idx="1"/>
+          </p:nvPr>
+        </p:nvSpPr>
+        <p:spPr/>
+        <p:txBody>
+          <a:bodyPr/>
+          <a:lstStyle/>
+          <a:p>
+            <a:endParaRPr lang="en-US" dirty="0"/>
+          </a:p>
+        </p:txBody>
+      </p:sp>
+      <p:sp>
+        <p:nvSpPr>
+          <p:cNvPr id="4" name="Slide Number Placeholder 3"/>
+          <p:cNvSpPr>
+            <a:spLocks noGrp="1"/>
+          </p:cNvSpPr>
+          <p:nvPr>
+            <p:ph type="sldNum" sz="quarter" idx="12"/>
+          </p:nvPr>
+        </p:nvSpPr>
+        <p:spPr/>
+        <p:txBody>
+          <a:bodyPr/>
+          <a:lstStyle/>
+          <a:p>
+            <a:fld id="{030EE116-056E-4288-B7F7-411CB7E437A9}" type="slidenum">
+              <a:rPr lang="en-US" smtClean="0"/>
+              <a:pPr/>
+              <a:t>32</a:t>
+            </a:fld>
+            <a:endParaRPr lang="en-US"/>
+          </a:p>
+        </p:txBody>
+      </p:sp>
+    </p:spTree>
+    <p:extLst>
+      <p:ext uri="{BB962C8B-B14F-4D97-AF65-F5344CB8AC3E}">
+        <p14:creationId xmlns:p14="http://schemas.microsoft.com/office/powerpoint/2010/main" val="1602411458"/>
+      </p:ext>
+    </p:extLst>
+  </p:cSld>
+  <p:clrMapOvr>
+    <a:masterClrMapping/>
+  </p:clrMapOvr>
+</p:sld>
+</file>
+
+<file path=ppt/slides/slide33.xml><?xml version="1.0" encoding="utf-8"?>
+<p:sld xmlns:a="http://schemas.openxmlformats.org/drawingml/2006/main" xmlns:r="http://schemas.openxmlformats.org/officeDocument/2006/relationships" xmlns:p="http://schemas.openxmlformats.org/presentationml/2006/main">
+  <p:cSld>
+    <p:spTree>
+      <p:nvGrpSpPr>
+        <p:cNvPr id="1" name=""/>
+        <p:cNvGrpSpPr/>
+        <p:nvPr/>
+      </p:nvGrpSpPr>
+      <p:grpSpPr>
+        <a:xfrm>
+          <a:off x="0" y="0"/>
+          <a:ext cx="0" cy="0"/>
+          <a:chOff x="0" y="0"/>
+          <a:chExt cx="0" cy="0"/>
+        </a:xfrm>
+      </p:grpSpPr>
+      <p:sp>
+        <p:nvSpPr>
           <p:cNvPr id="40962" name="Rectangle 2"/>
           <p:cNvSpPr>
             <a:spLocks noGrp="1" noChangeArrowheads="1"/>
@@ -9764,7 +9919,7 @@
             <a:fld id="{030EE116-056E-4288-B7F7-411CB7E437A9}" type="slidenum">
               <a:rPr lang="en-US" smtClean="0"/>
               <a:pPr/>
-              <a:t>32</a:t>
+              <a:t>33</a:t>
             </a:fld>
             <a:endParaRPr lang="en-US"/>
           </a:p>
@@ -10078,7 +10233,7 @@
 </p:sld>
 </file>
 
-<file path=ppt/slides/slide33.xml><?xml version="1.0" encoding="utf-8"?>
+<file path=ppt/slides/slide34.xml><?xml version="1.0" encoding="utf-8"?>
 <p:sld xmlns:a="http://schemas.openxmlformats.org/drawingml/2006/main" xmlns:r="http://schemas.openxmlformats.org/officeDocument/2006/relationships" xmlns:p="http://schemas.openxmlformats.org/presentationml/2006/main">
   <p:cSld>
     <p:spTree>
@@ -10138,7 +10293,7 @@
             <a:fld id="{030EE116-056E-4288-B7F7-411CB7E437A9}" type="slidenum">
               <a:rPr lang="en-US" smtClean="0"/>
               <a:pPr/>
-              <a:t>33</a:t>
+              <a:t>34</a:t>
             </a:fld>
             <a:endParaRPr lang="en-US"/>
           </a:p>
@@ -10244,7 +10399,7 @@
 </p:sld>
 </file>
 
-<file path=ppt/slides/slide34.xml><?xml version="1.0" encoding="utf-8"?>
+<file path=ppt/slides/slide35.xml><?xml version="1.0" encoding="utf-8"?>
 <p:sld xmlns:a="http://schemas.openxmlformats.org/drawingml/2006/main" xmlns:r="http://schemas.openxmlformats.org/officeDocument/2006/relationships" xmlns:p="http://schemas.openxmlformats.org/presentationml/2006/main">
   <p:cSld>
     <p:spTree>
@@ -10304,14 +10459,14 @@
             <a:fld id="{030EE116-056E-4288-B7F7-411CB7E437A9}" type="slidenum">
               <a:rPr lang="en-US" smtClean="0"/>
               <a:pPr/>
-              <a:t>34</a:t>
+              <a:t>35</a:t>
             </a:fld>
             <a:endParaRPr lang="en-US"/>
           </a:p>
         </p:txBody>
       </p:sp>
-      <mc:AlternateContent xmlns:mc="http://schemas.openxmlformats.org/markup-compatibility/2006">
-        <mc:Choice xmlns:a14="http://schemas.microsoft.com/office/drawing/2010/main" Requires="a14">
+      <mc:AlternateContent xmlns:mc="http://schemas.openxmlformats.org/markup-compatibility/2006" xmlns:a14="http://schemas.microsoft.com/office/drawing/2010/main">
+        <mc:Choice Requires="a14">
           <p:sp>
             <p:nvSpPr>
               <p:cNvPr id="40963" name="Rectangle 3"/>
@@ -10530,7 +10685,7 @@
             </p:txBody>
           </p:sp>
         </mc:Choice>
-        <mc:Fallback>
+        <mc:Fallback xmlns="">
           <p:sp>
             <p:nvSpPr>
               <p:cNvPr id="40963" name="Rectangle 3"/>
@@ -10540,7 +10695,7 @@
               <p:nvPr>
                 <p:ph sz="quarter" idx="1"/>
                 <p:custDataLst>
-                  <p:tags r:id="rId2"/>
+                  <p:tags r:id="rId4"/>
                 </p:custDataLst>
               </p:nvPr>
             </p:nvSpPr>
@@ -10550,7 +10705,7 @@
                 <a:ext cx="11277600" cy="4937760"/>
               </a:xfrm>
               <a:blipFill>
-                <a:blip r:embed="rId4"/>
+                <a:blip r:embed="rId5"/>
                 <a:stretch>
                   <a:fillRect l="-450" t="-1795" r="-675"/>
                 </a:stretch>
@@ -10616,7 +10771,7 @@
 </p:sld>
 </file>
 
-<file path=ppt/slides/slide35.xml><?xml version="1.0" encoding="utf-8"?>
+<file path=ppt/slides/slide36.xml><?xml version="1.0" encoding="utf-8"?>
 <p:sld xmlns:a="http://schemas.openxmlformats.org/drawingml/2006/main" xmlns:r="http://schemas.openxmlformats.org/officeDocument/2006/relationships" xmlns:p="http://schemas.openxmlformats.org/presentationml/2006/main">
   <p:cSld>
     <p:spTree>
@@ -10676,7 +10831,7 @@
             <a:fld id="{030EE116-056E-4288-B7F7-411CB7E437A9}" type="slidenum">
               <a:rPr lang="en-US" smtClean="0"/>
               <a:pPr/>
-              <a:t>35</a:t>
+              <a:t>36</a:t>
             </a:fld>
             <a:endParaRPr lang="en-US"/>
           </a:p>
@@ -11206,7 +11361,7 @@
 </p:sld>
 </file>
 
-<file path=ppt/slides/slide36.xml><?xml version="1.0" encoding="utf-8"?>
+<file path=ppt/slides/slide37.xml><?xml version="1.0" encoding="utf-8"?>
 <p:sld xmlns:a="http://schemas.openxmlformats.org/drawingml/2006/main" xmlns:r="http://schemas.openxmlformats.org/officeDocument/2006/relationships" xmlns:p="http://schemas.openxmlformats.org/presentationml/2006/main">
   <p:cSld>
     <p:spTree>
@@ -11266,7 +11421,7 @@
             <a:fld id="{030EE116-056E-4288-B7F7-411CB7E437A9}" type="slidenum">
               <a:rPr lang="en-US" smtClean="0"/>
               <a:pPr/>
-              <a:t>36</a:t>
+              <a:t>37</a:t>
             </a:fld>
             <a:endParaRPr lang="en-US"/>
           </a:p>
@@ -11630,7 +11785,7 @@
 </p:sld>
 </file>
 
-<file path=ppt/slides/slide37.xml><?xml version="1.0" encoding="utf-8"?>
+<file path=ppt/slides/slide38.xml><?xml version="1.0" encoding="utf-8"?>
 <p:sld xmlns:a="http://schemas.openxmlformats.org/drawingml/2006/main" xmlns:r="http://schemas.openxmlformats.org/officeDocument/2006/relationships" xmlns:p="http://schemas.openxmlformats.org/presentationml/2006/main">
   <p:cSld>
     <p:spTree>
@@ -11690,7 +11845,7 @@
             <a:fld id="{030EE116-056E-4288-B7F7-411CB7E437A9}" type="slidenum">
               <a:rPr lang="en-US" smtClean="0"/>
               <a:pPr/>
-              <a:t>37</a:t>
+              <a:t>38</a:t>
             </a:fld>
             <a:endParaRPr lang="en-US"/>
           </a:p>
@@ -12149,7 +12304,7 @@
 </p:sld>
 </file>
 
-<file path=ppt/slides/slide38.xml><?xml version="1.0" encoding="utf-8"?>
+<file path=ppt/slides/slide39.xml><?xml version="1.0" encoding="utf-8"?>
 <p:sld xmlns:a="http://schemas.openxmlformats.org/drawingml/2006/main" xmlns:r="http://schemas.openxmlformats.org/officeDocument/2006/relationships" xmlns:p="http://schemas.openxmlformats.org/presentationml/2006/main">
   <p:cSld>
     <p:spTree>
@@ -12209,7 +12364,7 @@
             <a:fld id="{030EE116-056E-4288-B7F7-411CB7E437A9}" type="slidenum">
               <a:rPr lang="en-US" smtClean="0"/>
               <a:pPr/>
-              <a:t>38</a:t>
+              <a:t>39</a:t>
             </a:fld>
             <a:endParaRPr lang="en-US"/>
           </a:p>
@@ -12790,7 +12945,7 @@
 </p:sld>
 </file>
 
-<file path=ppt/slides/slide39.xml><?xml version="1.0" encoding="utf-8"?>
+<file path=ppt/slides/slide4.xml><?xml version="1.0" encoding="utf-8"?>
 <p:sld xmlns:a="http://schemas.openxmlformats.org/drawingml/2006/main" xmlns:r="http://schemas.openxmlformats.org/officeDocument/2006/relationships" xmlns:p="http://schemas.openxmlformats.org/presentationml/2006/main">
   <p:cSld>
     <p:spTree>
@@ -12809,6 +12964,101 @@
       </p:grpSpPr>
       <p:sp>
         <p:nvSpPr>
+          <p:cNvPr id="5" name="Title 4"/>
+          <p:cNvSpPr>
+            <a:spLocks noGrp="1"/>
+          </p:cNvSpPr>
+          <p:nvPr>
+            <p:ph type="title"/>
+          </p:nvPr>
+        </p:nvSpPr>
+        <p:spPr/>
+        <p:txBody>
+          <a:bodyPr/>
+          <a:lstStyle/>
+          <a:p>
+            <a:r>
+              <a:rPr lang="en-US" dirty="0"/>
+              <a:t>Graphs</a:t>
+            </a:r>
+          </a:p>
+        </p:txBody>
+      </p:sp>
+      <p:sp>
+        <p:nvSpPr>
+          <p:cNvPr id="6" name="Text Placeholder 5"/>
+          <p:cNvSpPr>
+            <a:spLocks noGrp="1"/>
+          </p:cNvSpPr>
+          <p:nvPr>
+            <p:ph type="body" idx="1"/>
+          </p:nvPr>
+        </p:nvSpPr>
+        <p:spPr/>
+        <p:txBody>
+          <a:bodyPr/>
+          <a:lstStyle/>
+          <a:p>
+            <a:endParaRPr lang="en-US" dirty="0"/>
+          </a:p>
+        </p:txBody>
+      </p:sp>
+      <p:sp>
+        <p:nvSpPr>
+          <p:cNvPr id="4" name="Slide Number Placeholder 3"/>
+          <p:cNvSpPr>
+            <a:spLocks noGrp="1"/>
+          </p:cNvSpPr>
+          <p:nvPr>
+            <p:ph type="sldNum" sz="quarter" idx="12"/>
+          </p:nvPr>
+        </p:nvSpPr>
+        <p:spPr/>
+        <p:txBody>
+          <a:bodyPr/>
+          <a:lstStyle/>
+          <a:p>
+            <a:fld id="{030EE116-056E-4288-B7F7-411CB7E437A9}" type="slidenum">
+              <a:rPr lang="en-US" smtClean="0"/>
+              <a:pPr/>
+              <a:t>4</a:t>
+            </a:fld>
+            <a:endParaRPr lang="en-US"/>
+          </a:p>
+        </p:txBody>
+      </p:sp>
+    </p:spTree>
+    <p:extLst>
+      <p:ext uri="{BB962C8B-B14F-4D97-AF65-F5344CB8AC3E}">
+        <p14:creationId xmlns:p14="http://schemas.microsoft.com/office/powerpoint/2010/main" val="303554907"/>
+      </p:ext>
+    </p:extLst>
+  </p:cSld>
+  <p:clrMapOvr>
+    <a:masterClrMapping/>
+  </p:clrMapOvr>
+</p:sld>
+</file>
+
+<file path=ppt/slides/slide40.xml><?xml version="1.0" encoding="utf-8"?>
+<p:sld xmlns:a="http://schemas.openxmlformats.org/drawingml/2006/main" xmlns:r="http://schemas.openxmlformats.org/officeDocument/2006/relationships" xmlns:p="http://schemas.openxmlformats.org/presentationml/2006/main">
+  <p:cSld>
+    <p:spTree>
+      <p:nvGrpSpPr>
+        <p:cNvPr id="1" name=""/>
+        <p:cNvGrpSpPr/>
+        <p:nvPr/>
+      </p:nvGrpSpPr>
+      <p:grpSpPr>
+        <a:xfrm>
+          <a:off x="0" y="0"/>
+          <a:ext cx="0" cy="0"/>
+          <a:chOff x="0" y="0"/>
+          <a:chExt cx="0" cy="0"/>
+        </a:xfrm>
+      </p:grpSpPr>
+      <p:sp>
+        <p:nvSpPr>
           <p:cNvPr id="40962" name="Rectangle 2"/>
           <p:cNvSpPr>
             <a:spLocks noGrp="1" noChangeArrowheads="1"/>
@@ -12850,7 +13100,7 @@
             <a:fld id="{030EE116-056E-4288-B7F7-411CB7E437A9}" type="slidenum">
               <a:rPr lang="en-US" smtClean="0"/>
               <a:pPr/>
-              <a:t>39</a:t>
+              <a:t>40</a:t>
             </a:fld>
             <a:endParaRPr lang="en-US"/>
           </a:p>
@@ -13342,7 +13592,7 @@
 </p:sld>
 </file>
 
-<file path=ppt/slides/slide4.xml><?xml version="1.0" encoding="utf-8"?>
+<file path=ppt/slides/slide41.xml><?xml version="1.0" encoding="utf-8"?>
 <p:sld xmlns:a="http://schemas.openxmlformats.org/drawingml/2006/main" xmlns:r="http://schemas.openxmlformats.org/officeDocument/2006/relationships" xmlns:p="http://schemas.openxmlformats.org/presentationml/2006/main">
   <p:cSld>
     <p:spTree>
@@ -13361,101 +13611,6 @@
       </p:grpSpPr>
       <p:sp>
         <p:nvSpPr>
-          <p:cNvPr id="5" name="Title 4"/>
-          <p:cNvSpPr>
-            <a:spLocks noGrp="1"/>
-          </p:cNvSpPr>
-          <p:nvPr>
-            <p:ph type="title"/>
-          </p:nvPr>
-        </p:nvSpPr>
-        <p:spPr/>
-        <p:txBody>
-          <a:bodyPr/>
-          <a:lstStyle/>
-          <a:p>
-            <a:r>
-              <a:rPr lang="en-US" dirty="0"/>
-              <a:t>Graphs</a:t>
-            </a:r>
-          </a:p>
-        </p:txBody>
-      </p:sp>
-      <p:sp>
-        <p:nvSpPr>
-          <p:cNvPr id="6" name="Text Placeholder 5"/>
-          <p:cNvSpPr>
-            <a:spLocks noGrp="1"/>
-          </p:cNvSpPr>
-          <p:nvPr>
-            <p:ph type="body" idx="1"/>
-          </p:nvPr>
-        </p:nvSpPr>
-        <p:spPr/>
-        <p:txBody>
-          <a:bodyPr/>
-          <a:lstStyle/>
-          <a:p>
-            <a:endParaRPr lang="en-US" dirty="0"/>
-          </a:p>
-        </p:txBody>
-      </p:sp>
-      <p:sp>
-        <p:nvSpPr>
-          <p:cNvPr id="4" name="Slide Number Placeholder 3"/>
-          <p:cNvSpPr>
-            <a:spLocks noGrp="1"/>
-          </p:cNvSpPr>
-          <p:nvPr>
-            <p:ph type="sldNum" sz="quarter" idx="12"/>
-          </p:nvPr>
-        </p:nvSpPr>
-        <p:spPr/>
-        <p:txBody>
-          <a:bodyPr/>
-          <a:lstStyle/>
-          <a:p>
-            <a:fld id="{030EE116-056E-4288-B7F7-411CB7E437A9}" type="slidenum">
-              <a:rPr lang="en-US" smtClean="0"/>
-              <a:pPr/>
-              <a:t>4</a:t>
-            </a:fld>
-            <a:endParaRPr lang="en-US"/>
-          </a:p>
-        </p:txBody>
-      </p:sp>
-    </p:spTree>
-    <p:extLst>
-      <p:ext uri="{BB962C8B-B14F-4D97-AF65-F5344CB8AC3E}">
-        <p14:creationId xmlns:p14="http://schemas.microsoft.com/office/powerpoint/2010/main" val="303554907"/>
-      </p:ext>
-    </p:extLst>
-  </p:cSld>
-  <p:clrMapOvr>
-    <a:masterClrMapping/>
-  </p:clrMapOvr>
-</p:sld>
-</file>
-
-<file path=ppt/slides/slide40.xml><?xml version="1.0" encoding="utf-8"?>
-<p:sld xmlns:a="http://schemas.openxmlformats.org/drawingml/2006/main" xmlns:r="http://schemas.openxmlformats.org/officeDocument/2006/relationships" xmlns:p="http://schemas.openxmlformats.org/presentationml/2006/main">
-  <p:cSld>
-    <p:spTree>
-      <p:nvGrpSpPr>
-        <p:cNvPr id="1" name=""/>
-        <p:cNvGrpSpPr/>
-        <p:nvPr/>
-      </p:nvGrpSpPr>
-      <p:grpSpPr>
-        <a:xfrm>
-          <a:off x="0" y="0"/>
-          <a:ext cx="0" cy="0"/>
-          <a:chOff x="0" y="0"/>
-          <a:chExt cx="0" cy="0"/>
-        </a:xfrm>
-      </p:grpSpPr>
-      <p:sp>
-        <p:nvSpPr>
           <p:cNvPr id="40962" name="Rectangle 2"/>
           <p:cNvSpPr>
             <a:spLocks noGrp="1" noChangeArrowheads="1"/>
@@ -13497,7 +13652,7 @@
             <a:fld id="{030EE116-056E-4288-B7F7-411CB7E437A9}" type="slidenum">
               <a:rPr lang="en-US" smtClean="0"/>
               <a:pPr/>
-              <a:t>40</a:t>
+              <a:t>41</a:t>
             </a:fld>
             <a:endParaRPr lang="en-US"/>
           </a:p>
@@ -14148,77 +14303,84 @@
           <a:lstStyle/>
           <a:p>
             <a:r>
-              <a:rPr lang="en-US"/>
+              <a:rPr lang="en-US" dirty="0"/>
               <a:t>Directed Graph</a:t>
             </a:r>
           </a:p>
           <a:p>
             <a:pPr lvl="1"/>
             <a:r>
-              <a:rPr lang="en-US"/>
+              <a:rPr lang="en-US" dirty="0"/>
               <a:t>A directed graph, or digraph, is a pair </a:t>
             </a:r>
           </a:p>
           <a:p>
             <a:pPr lvl="1"/>
             <a:r>
-              <a:rPr lang="en-US"/>
+              <a:rPr lang="en-US" dirty="0"/>
               <a:t>G = (V, E) </a:t>
             </a:r>
           </a:p>
           <a:p>
             <a:pPr lvl="1"/>
             <a:r>
-              <a:rPr lang="en-US"/>
+              <a:rPr lang="en-US" dirty="0"/>
               <a:t>where V is a set whose elements are called vertices, and</a:t>
             </a:r>
           </a:p>
           <a:p>
             <a:pPr lvl="1"/>
             <a:r>
-              <a:rPr lang="en-US"/>
+              <a:rPr lang="en-US" dirty="0"/>
               <a:t>E is a set of ordered pairs of elements of V. </a:t>
             </a:r>
           </a:p>
           <a:p>
             <a:pPr lvl="1"/>
-            <a:endParaRPr lang="en-US"/>
+            <a:endParaRPr lang="en-US" dirty="0"/>
           </a:p>
           <a:p>
             <a:pPr lvl="2"/>
             <a:r>
-              <a:rPr lang="en-US"/>
+              <a:rPr lang="en-US" dirty="0"/>
               <a:t>Vertices are often also called nodes. </a:t>
             </a:r>
           </a:p>
           <a:p>
             <a:pPr lvl="2"/>
             <a:r>
-              <a:rPr lang="en-US"/>
+              <a:rPr lang="en-US" dirty="0"/>
               <a:t>Elements of E are called edges, or directed edges, or arcs. </a:t>
             </a:r>
           </a:p>
           <a:p>
             <a:pPr lvl="2"/>
             <a:r>
-              <a:rPr lang="en-US"/>
+              <a:rPr lang="en-US" dirty="0"/>
               <a:t>For directed edge (v, w) in E, v is its tail and w its head; </a:t>
             </a:r>
           </a:p>
           <a:p>
             <a:pPr lvl="2"/>
             <a:r>
-              <a:rPr lang="en-US"/>
+              <a:rPr lang="en-US" dirty="0"/>
               <a:t>(v, w) is represented in the diagrams as the arrow, v -&gt; w. </a:t>
             </a:r>
           </a:p>
           <a:p>
             <a:pPr lvl="2"/>
             <a:r>
-              <a:rPr lang="en-US"/>
-              <a:t>In text we simple write vw.</a:t>
-            </a:r>
-            <a:endParaRPr lang="en-US" dirty="0"/>
+              <a:rPr lang="en-US" dirty="0"/>
+              <a:t>In text we simple write </a:t>
+            </a:r>
+            <a:r>
+              <a:rPr lang="en-US" dirty="0" err="1"/>
+              <a:t>vw</a:t>
+            </a:r>
+            <a:r>
+              <a:rPr lang="en-US" dirty="0"/>
+              <a:t>.</a:t>
+            </a:r>
           </a:p>
         </p:txBody>
       </p:sp>
@@ -15162,6 +15324,18 @@
 </file>
 
 <file path=ppt/tags/tag75.xml><?xml version="1.0" encoding="utf-8"?>
+<p:tagLst xmlns:a="http://schemas.openxmlformats.org/drawingml/2006/main" xmlns:r="http://schemas.openxmlformats.org/officeDocument/2006/relationships" xmlns:p="http://schemas.openxmlformats.org/presentationml/2006/main">
+  <p:tag name="_INSTRUCTOR VIEW19C14C36-AC8E-43BC-9DB6-C2AAF774C7DC|PANE__TAG" val="_"/>
+</p:tagLst>
+</file>
+
+<file path=ppt/tags/tag76.xml><?xml version="1.0" encoding="utf-8"?>
+<p:tagLst xmlns:a="http://schemas.openxmlformats.org/drawingml/2006/main" xmlns:r="http://schemas.openxmlformats.org/officeDocument/2006/relationships" xmlns:p="http://schemas.openxmlformats.org/presentationml/2006/main">
+  <p:tag name="_INSTRUCTOR VIEW19C14C36-AC8E-43BC-9DB6-C2AAF774C7DC|PANE__TAG" val="_"/>
+</p:tagLst>
+</file>
+
+<file path=ppt/tags/tag77.xml><?xml version="1.0" encoding="utf-8"?>
 <p:tagLst xmlns:a="http://schemas.openxmlformats.org/drawingml/2006/main" xmlns:r="http://schemas.openxmlformats.org/officeDocument/2006/relationships" xmlns:p="http://schemas.openxmlformats.org/presentationml/2006/main">
   <p:tag name="_INSTRUCTOR VIEW19C14C36-AC8E-43BC-9DB6-C2AAF774C7DC|PANE__TAG" val="_"/>
 </p:tagLst>

--- a/slides/01-01-GraphsIntroBFS.pptx
+++ b/slides/01-01-GraphsIntroBFS.pptx
@@ -5,10 +5,10 @@
     <p:sldMasterId id="2147483714" r:id="rId1"/>
   </p:sldMasterIdLst>
   <p:notesMasterIdLst>
-    <p:notesMasterId r:id="rId43"/>
+    <p:notesMasterId r:id="rId44"/>
   </p:notesMasterIdLst>
   <p:handoutMasterIdLst>
-    <p:handoutMasterId r:id="rId44"/>
+    <p:handoutMasterId r:id="rId45"/>
   </p:handoutMasterIdLst>
   <p:sldIdLst>
     <p:sldId id="377" r:id="rId2"/>
@@ -39,24 +39,25 @@
     <p:sldId id="370" r:id="rId27"/>
     <p:sldId id="460" r:id="rId28"/>
     <p:sldId id="373" r:id="rId29"/>
-    <p:sldId id="461" r:id="rId30"/>
-    <p:sldId id="462" r:id="rId31"/>
-    <p:sldId id="463" r:id="rId32"/>
-    <p:sldId id="466" r:id="rId33"/>
-    <p:sldId id="465" r:id="rId34"/>
-    <p:sldId id="476" r:id="rId35"/>
-    <p:sldId id="467" r:id="rId36"/>
-    <p:sldId id="468" r:id="rId37"/>
-    <p:sldId id="469" r:id="rId38"/>
-    <p:sldId id="470" r:id="rId39"/>
-    <p:sldId id="471" r:id="rId40"/>
-    <p:sldId id="472" r:id="rId41"/>
-    <p:sldId id="473" r:id="rId42"/>
+    <p:sldId id="478" r:id="rId30"/>
+    <p:sldId id="461" r:id="rId31"/>
+    <p:sldId id="462" r:id="rId32"/>
+    <p:sldId id="463" r:id="rId33"/>
+    <p:sldId id="466" r:id="rId34"/>
+    <p:sldId id="465" r:id="rId35"/>
+    <p:sldId id="476" r:id="rId36"/>
+    <p:sldId id="467" r:id="rId37"/>
+    <p:sldId id="468" r:id="rId38"/>
+    <p:sldId id="469" r:id="rId39"/>
+    <p:sldId id="470" r:id="rId40"/>
+    <p:sldId id="471" r:id="rId41"/>
+    <p:sldId id="472" r:id="rId42"/>
+    <p:sldId id="473" r:id="rId43"/>
   </p:sldIdLst>
   <p:sldSz cx="12192000" cy="6858000"/>
   <p:notesSz cx="7315200" cy="9601200"/>
   <p:custDataLst>
-    <p:tags r:id="rId45"/>
+    <p:tags r:id="rId46"/>
   </p:custDataLst>
   <p:defaultTextStyle>
     <a:defPPr>
@@ -8221,7 +8222,105 @@
       </p:grpSpPr>
       <p:sp>
         <p:nvSpPr>
-          <p:cNvPr id="40962" name="Rectangle 2"/>
+          <p:cNvPr id="5" name="Title 4"/>
+          <p:cNvSpPr>
+            <a:spLocks noGrp="1"/>
+          </p:cNvSpPr>
+          <p:nvPr>
+            <p:ph type="title"/>
+          </p:nvPr>
+        </p:nvSpPr>
+        <p:spPr/>
+        <p:txBody>
+          <a:bodyPr/>
+          <a:lstStyle/>
+          <a:p>
+            <a:r>
+              <a:rPr lang="en-US" dirty="0"/>
+              <a:t>Correctness of BFS</a:t>
+            </a:r>
+          </a:p>
+        </p:txBody>
+      </p:sp>
+      <p:sp>
+        <p:nvSpPr>
+          <p:cNvPr id="6" name="Text Placeholder 5"/>
+          <p:cNvSpPr>
+            <a:spLocks noGrp="1"/>
+          </p:cNvSpPr>
+          <p:nvPr>
+            <p:ph type="body" idx="1"/>
+          </p:nvPr>
+        </p:nvSpPr>
+        <p:spPr/>
+        <p:txBody>
+          <a:bodyPr/>
+          <a:lstStyle/>
+          <a:p>
+            <a:r>
+              <a:rPr lang="en-US" dirty="0"/>
+              <a:t>First, some observations!</a:t>
+            </a:r>
+          </a:p>
+        </p:txBody>
+      </p:sp>
+      <p:sp>
+        <p:nvSpPr>
+          <p:cNvPr id="4" name="Slide Number Placeholder 3"/>
+          <p:cNvSpPr>
+            <a:spLocks noGrp="1"/>
+          </p:cNvSpPr>
+          <p:nvPr>
+            <p:ph type="sldNum" sz="quarter" idx="12"/>
+          </p:nvPr>
+        </p:nvSpPr>
+        <p:spPr/>
+        <p:txBody>
+          <a:bodyPr/>
+          <a:lstStyle/>
+          <a:p>
+            <a:fld id="{030EE116-056E-4288-B7F7-411CB7E437A9}" type="slidenum">
+              <a:rPr lang="en-US" smtClean="0"/>
+              <a:pPr/>
+              <a:t>29</a:t>
+            </a:fld>
+            <a:endParaRPr lang="en-US"/>
+          </a:p>
+        </p:txBody>
+      </p:sp>
+    </p:spTree>
+    <p:extLst>
+      <p:ext uri="{BB962C8B-B14F-4D97-AF65-F5344CB8AC3E}">
+        <p14:creationId xmlns:p14="http://schemas.microsoft.com/office/powerpoint/2010/main" val="3530640926"/>
+      </p:ext>
+    </p:extLst>
+  </p:cSld>
+  <p:clrMapOvr>
+    <a:masterClrMapping/>
+  </p:clrMapOvr>
+</p:sld>
+</file>
+
+<file path=ppt/slides/slide3.xml><?xml version="1.0" encoding="utf-8"?>
+<p:sld xmlns:a="http://schemas.openxmlformats.org/drawingml/2006/main" xmlns:r="http://schemas.openxmlformats.org/officeDocument/2006/relationships" xmlns:p="http://schemas.openxmlformats.org/presentationml/2006/main">
+  <p:cSld>
+    <p:spTree>
+      <p:nvGrpSpPr>
+        <p:cNvPr id="1" name=""/>
+        <p:cNvGrpSpPr/>
+        <p:nvPr/>
+      </p:nvGrpSpPr>
+      <p:grpSpPr>
+        <a:xfrm>
+          <a:off x="0" y="0"/>
+          <a:ext cx="0" cy="0"/>
+          <a:chOff x="0" y="0"/>
+          <a:chExt cx="0" cy="0"/>
+        </a:xfrm>
+      </p:grpSpPr>
+      <p:sp>
+        <p:nvSpPr>
+          <p:cNvPr id="20482" name="Rectangle 2"/>
           <p:cNvSpPr>
             <a:spLocks noGrp="1" noChangeArrowheads="1"/>
           </p:cNvSpPr>
@@ -8239,7 +8338,7 @@
           <a:p>
             <a:r>
               <a:rPr lang="en-US" dirty="0"/>
-              <a:t>Breadth-first search: Some Properties</a:t>
+              <a:t>Module 1 Topics (Bolded items in this deck)</a:t>
             </a:r>
           </a:p>
         </p:txBody>
@@ -8262,7 +8361,184 @@
             <a:fld id="{030EE116-056E-4288-B7F7-411CB7E437A9}" type="slidenum">
               <a:rPr lang="en-US" smtClean="0"/>
               <a:pPr/>
-              <a:t>29</a:t>
+              <a:t>3</a:t>
+            </a:fld>
+            <a:endParaRPr lang="en-US"/>
+          </a:p>
+        </p:txBody>
+      </p:sp>
+      <p:sp>
+        <p:nvSpPr>
+          <p:cNvPr id="20483" name="Rectangle 3"/>
+          <p:cNvSpPr>
+            <a:spLocks noGrp="1" noChangeArrowheads="1"/>
+          </p:cNvSpPr>
+          <p:nvPr>
+            <p:ph sz="quarter" idx="1"/>
+            <p:custDataLst>
+              <p:tags r:id="rId2"/>
+            </p:custDataLst>
+          </p:nvPr>
+        </p:nvSpPr>
+        <p:spPr/>
+        <p:txBody>
+          <a:bodyPr>
+            <a:normAutofit/>
+          </a:bodyPr>
+          <a:lstStyle/>
+          <a:p>
+            <a:pPr>
+              <a:lnSpc>
+                <a:spcPct val="90000"/>
+              </a:lnSpc>
+            </a:pPr>
+            <a:r>
+              <a:rPr lang="en-US" sz="2400" b="1" i="1" dirty="0"/>
+              <a:t>Graph Representation</a:t>
+            </a:r>
+          </a:p>
+          <a:p>
+            <a:pPr lvl="1">
+              <a:lnSpc>
+                <a:spcPct val="90000"/>
+              </a:lnSpc>
+            </a:pPr>
+            <a:r>
+              <a:rPr lang="en-US" sz="1700" b="1" i="1" dirty="0"/>
+              <a:t>What is a graph?</a:t>
+            </a:r>
+          </a:p>
+          <a:p>
+            <a:pPr lvl="1">
+              <a:lnSpc>
+                <a:spcPct val="90000"/>
+              </a:lnSpc>
+            </a:pPr>
+            <a:r>
+              <a:rPr lang="en-US" sz="1700" b="1" i="1" dirty="0"/>
+              <a:t>Adjacency Lists vs. Matrices</a:t>
+            </a:r>
+          </a:p>
+          <a:p>
+            <a:pPr>
+              <a:lnSpc>
+                <a:spcPct val="90000"/>
+              </a:lnSpc>
+            </a:pPr>
+            <a:r>
+              <a:rPr lang="en-US" sz="2000" b="1" i="1" dirty="0"/>
+              <a:t>Traversing Graphs: Breadth First Search</a:t>
+            </a:r>
+          </a:p>
+          <a:p>
+            <a:pPr>
+              <a:lnSpc>
+                <a:spcPct val="90000"/>
+              </a:lnSpc>
+            </a:pPr>
+            <a:r>
+              <a:rPr lang="en-US" sz="2000" dirty="0"/>
+              <a:t>Traversing Graphs: Depth First Search</a:t>
+            </a:r>
+          </a:p>
+          <a:p>
+            <a:pPr>
+              <a:lnSpc>
+                <a:spcPct val="90000"/>
+              </a:lnSpc>
+            </a:pPr>
+            <a:r>
+              <a:rPr lang="en-US" sz="2000" dirty="0"/>
+              <a:t>Topological Sort</a:t>
+            </a:r>
+          </a:p>
+          <a:p>
+            <a:pPr>
+              <a:lnSpc>
+                <a:spcPct val="90000"/>
+              </a:lnSpc>
+            </a:pPr>
+            <a:r>
+              <a:rPr lang="en-US" sz="2000" dirty="0"/>
+              <a:t>Strongly Connected Components</a:t>
+            </a:r>
+          </a:p>
+        </p:txBody>
+      </p:sp>
+    </p:spTree>
+    <p:extLst>
+      <p:ext uri="{BB962C8B-B14F-4D97-AF65-F5344CB8AC3E}">
+        <p14:creationId xmlns:p14="http://schemas.microsoft.com/office/powerpoint/2010/main" val="2069037979"/>
+      </p:ext>
+    </p:extLst>
+  </p:cSld>
+  <p:clrMapOvr>
+    <a:masterClrMapping/>
+  </p:clrMapOvr>
+</p:sld>
+</file>
+
+<file path=ppt/slides/slide30.xml><?xml version="1.0" encoding="utf-8"?>
+<p:sld xmlns:a="http://schemas.openxmlformats.org/drawingml/2006/main" xmlns:r="http://schemas.openxmlformats.org/officeDocument/2006/relationships" xmlns:p="http://schemas.openxmlformats.org/presentationml/2006/main">
+  <p:cSld>
+    <p:spTree>
+      <p:nvGrpSpPr>
+        <p:cNvPr id="1" name=""/>
+        <p:cNvGrpSpPr/>
+        <p:nvPr/>
+      </p:nvGrpSpPr>
+      <p:grpSpPr>
+        <a:xfrm>
+          <a:off x="0" y="0"/>
+          <a:ext cx="0" cy="0"/>
+          <a:chOff x="0" y="0"/>
+          <a:chExt cx="0" cy="0"/>
+        </a:xfrm>
+      </p:grpSpPr>
+      <p:sp>
+        <p:nvSpPr>
+          <p:cNvPr id="40962" name="Rectangle 2"/>
+          <p:cNvSpPr>
+            <a:spLocks noGrp="1" noChangeArrowheads="1"/>
+          </p:cNvSpPr>
+          <p:nvPr>
+            <p:ph type="title"/>
+            <p:custDataLst>
+              <p:tags r:id="rId1"/>
+            </p:custDataLst>
+          </p:nvPr>
+        </p:nvSpPr>
+        <p:spPr/>
+        <p:txBody>
+          <a:bodyPr/>
+          <a:lstStyle/>
+          <a:p>
+            <a:r>
+              <a:rPr lang="en-US" dirty="0"/>
+              <a:t>Breadth-first search: Some Properties</a:t>
+            </a:r>
+          </a:p>
+        </p:txBody>
+      </p:sp>
+      <p:sp>
+        <p:nvSpPr>
+          <p:cNvPr id="4" name="Slide Number Placeholder 3"/>
+          <p:cNvSpPr>
+            <a:spLocks noGrp="1"/>
+          </p:cNvSpPr>
+          <p:nvPr>
+            <p:ph type="sldNum" sz="quarter" idx="12"/>
+          </p:nvPr>
+        </p:nvSpPr>
+        <p:spPr/>
+        <p:txBody>
+          <a:bodyPr/>
+          <a:lstStyle/>
+          <a:p>
+            <a:fld id="{030EE116-056E-4288-B7F7-411CB7E437A9}" type="slidenum">
+              <a:rPr lang="en-US" smtClean="0"/>
+              <a:pPr/>
+              <a:t>30</a:t>
             </a:fld>
             <a:endParaRPr lang="en-US"/>
           </a:p>
@@ -8607,7 +8883,7 @@
 </p:sld>
 </file>
 
-<file path=ppt/slides/slide3.xml><?xml version="1.0" encoding="utf-8"?>
+<file path=ppt/slides/slide31.xml><?xml version="1.0" encoding="utf-8"?>
 <p:sld xmlns:a="http://schemas.openxmlformats.org/drawingml/2006/main" xmlns:r="http://schemas.openxmlformats.org/officeDocument/2006/relationships" xmlns:p="http://schemas.openxmlformats.org/presentationml/2006/main">
   <p:cSld>
     <p:spTree>
@@ -8626,7 +8902,7 @@
       </p:grpSpPr>
       <p:sp>
         <p:nvSpPr>
-          <p:cNvPr id="20482" name="Rectangle 2"/>
+          <p:cNvPr id="40962" name="Rectangle 2"/>
           <p:cNvSpPr>
             <a:spLocks noGrp="1" noChangeArrowheads="1"/>
           </p:cNvSpPr>
@@ -8644,7 +8920,7 @@
           <a:p>
             <a:r>
               <a:rPr lang="en-US" dirty="0"/>
-              <a:t>Module 1 Topics (Bolded items in this deck)</a:t>
+              <a:t>Breadth-first search: Some Properties</a:t>
             </a:r>
           </a:p>
         </p:txBody>
@@ -8667,184 +8943,7 @@
             <a:fld id="{030EE116-056E-4288-B7F7-411CB7E437A9}" type="slidenum">
               <a:rPr lang="en-US" smtClean="0"/>
               <a:pPr/>
-              <a:t>3</a:t>
-            </a:fld>
-            <a:endParaRPr lang="en-US"/>
-          </a:p>
-        </p:txBody>
-      </p:sp>
-      <p:sp>
-        <p:nvSpPr>
-          <p:cNvPr id="20483" name="Rectangle 3"/>
-          <p:cNvSpPr>
-            <a:spLocks noGrp="1" noChangeArrowheads="1"/>
-          </p:cNvSpPr>
-          <p:nvPr>
-            <p:ph sz="quarter" idx="1"/>
-            <p:custDataLst>
-              <p:tags r:id="rId2"/>
-            </p:custDataLst>
-          </p:nvPr>
-        </p:nvSpPr>
-        <p:spPr/>
-        <p:txBody>
-          <a:bodyPr>
-            <a:normAutofit/>
-          </a:bodyPr>
-          <a:lstStyle/>
-          <a:p>
-            <a:pPr>
-              <a:lnSpc>
-                <a:spcPct val="90000"/>
-              </a:lnSpc>
-            </a:pPr>
-            <a:r>
-              <a:rPr lang="en-US" sz="2400" b="1" i="1" dirty="0"/>
-              <a:t>Graph Representation</a:t>
-            </a:r>
-          </a:p>
-          <a:p>
-            <a:pPr lvl="1">
-              <a:lnSpc>
-                <a:spcPct val="90000"/>
-              </a:lnSpc>
-            </a:pPr>
-            <a:r>
-              <a:rPr lang="en-US" sz="1700" b="1" i="1" dirty="0"/>
-              <a:t>What is a graph?</a:t>
-            </a:r>
-          </a:p>
-          <a:p>
-            <a:pPr lvl="1">
-              <a:lnSpc>
-                <a:spcPct val="90000"/>
-              </a:lnSpc>
-            </a:pPr>
-            <a:r>
-              <a:rPr lang="en-US" sz="1700" b="1" i="1" dirty="0"/>
-              <a:t>Adjacency Lists vs. Matrices</a:t>
-            </a:r>
-          </a:p>
-          <a:p>
-            <a:pPr>
-              <a:lnSpc>
-                <a:spcPct val="90000"/>
-              </a:lnSpc>
-            </a:pPr>
-            <a:r>
-              <a:rPr lang="en-US" sz="2000" b="1" i="1" dirty="0"/>
-              <a:t>Traversing Graphs: Breadth First Search</a:t>
-            </a:r>
-          </a:p>
-          <a:p>
-            <a:pPr>
-              <a:lnSpc>
-                <a:spcPct val="90000"/>
-              </a:lnSpc>
-            </a:pPr>
-            <a:r>
-              <a:rPr lang="en-US" sz="2000" dirty="0"/>
-              <a:t>Traversing Graphs: Depth First Search</a:t>
-            </a:r>
-          </a:p>
-          <a:p>
-            <a:pPr>
-              <a:lnSpc>
-                <a:spcPct val="90000"/>
-              </a:lnSpc>
-            </a:pPr>
-            <a:r>
-              <a:rPr lang="en-US" sz="2000" dirty="0"/>
-              <a:t>Topological Sort</a:t>
-            </a:r>
-          </a:p>
-          <a:p>
-            <a:pPr>
-              <a:lnSpc>
-                <a:spcPct val="90000"/>
-              </a:lnSpc>
-            </a:pPr>
-            <a:r>
-              <a:rPr lang="en-US" sz="2000" dirty="0"/>
-              <a:t>Strongly Connected Components</a:t>
-            </a:r>
-          </a:p>
-        </p:txBody>
-      </p:sp>
-    </p:spTree>
-    <p:extLst>
-      <p:ext uri="{BB962C8B-B14F-4D97-AF65-F5344CB8AC3E}">
-        <p14:creationId xmlns:p14="http://schemas.microsoft.com/office/powerpoint/2010/main" val="2069037979"/>
-      </p:ext>
-    </p:extLst>
-  </p:cSld>
-  <p:clrMapOvr>
-    <a:masterClrMapping/>
-  </p:clrMapOvr>
-</p:sld>
-</file>
-
-<file path=ppt/slides/slide30.xml><?xml version="1.0" encoding="utf-8"?>
-<p:sld xmlns:a="http://schemas.openxmlformats.org/drawingml/2006/main" xmlns:r="http://schemas.openxmlformats.org/officeDocument/2006/relationships" xmlns:p="http://schemas.openxmlformats.org/presentationml/2006/main">
-  <p:cSld>
-    <p:spTree>
-      <p:nvGrpSpPr>
-        <p:cNvPr id="1" name=""/>
-        <p:cNvGrpSpPr/>
-        <p:nvPr/>
-      </p:nvGrpSpPr>
-      <p:grpSpPr>
-        <a:xfrm>
-          <a:off x="0" y="0"/>
-          <a:ext cx="0" cy="0"/>
-          <a:chOff x="0" y="0"/>
-          <a:chExt cx="0" cy="0"/>
-        </a:xfrm>
-      </p:grpSpPr>
-      <p:sp>
-        <p:nvSpPr>
-          <p:cNvPr id="40962" name="Rectangle 2"/>
-          <p:cNvSpPr>
-            <a:spLocks noGrp="1" noChangeArrowheads="1"/>
-          </p:cNvSpPr>
-          <p:nvPr>
-            <p:ph type="title"/>
-            <p:custDataLst>
-              <p:tags r:id="rId1"/>
-            </p:custDataLst>
-          </p:nvPr>
-        </p:nvSpPr>
-        <p:spPr/>
-        <p:txBody>
-          <a:bodyPr/>
-          <a:lstStyle/>
-          <a:p>
-            <a:r>
-              <a:rPr lang="en-US" dirty="0"/>
-              <a:t>Breadth-first search: Some Properties</a:t>
-            </a:r>
-          </a:p>
-        </p:txBody>
-      </p:sp>
-      <p:sp>
-        <p:nvSpPr>
-          <p:cNvPr id="4" name="Slide Number Placeholder 3"/>
-          <p:cNvSpPr>
-            <a:spLocks noGrp="1"/>
-          </p:cNvSpPr>
-          <p:nvPr>
-            <p:ph type="sldNum" sz="quarter" idx="12"/>
-          </p:nvPr>
-        </p:nvSpPr>
-        <p:spPr/>
-        <p:txBody>
-          <a:bodyPr/>
-          <a:lstStyle/>
-          <a:p>
-            <a:fld id="{030EE116-056E-4288-B7F7-411CB7E437A9}" type="slidenum">
-              <a:rPr lang="en-US" smtClean="0"/>
-              <a:pPr/>
-              <a:t>30</a:t>
+              <a:t>31</a:t>
             </a:fld>
             <a:endParaRPr lang="en-US"/>
           </a:p>
@@ -9212,7 +9311,7 @@
 </p:sld>
 </file>
 
-<file path=ppt/slides/slide31.xml><?xml version="1.0" encoding="utf-8"?>
+<file path=ppt/slides/slide32.xml><?xml version="1.0" encoding="utf-8"?>
 <p:sld xmlns:a="http://schemas.openxmlformats.org/drawingml/2006/main" xmlns:r="http://schemas.openxmlformats.org/officeDocument/2006/relationships" xmlns:p="http://schemas.openxmlformats.org/presentationml/2006/main">
   <p:cSld>
     <p:spTree>
@@ -9272,7 +9371,7 @@
             <a:fld id="{030EE116-056E-4288-B7F7-411CB7E437A9}" type="slidenum">
               <a:rPr lang="en-US" smtClean="0"/>
               <a:pPr/>
-              <a:t>31</a:t>
+              <a:t>32</a:t>
             </a:fld>
             <a:endParaRPr lang="en-US"/>
           </a:p>
@@ -9759,101 +9858,6 @@
 </p:sld>
 </file>
 
-<file path=ppt/slides/slide32.xml><?xml version="1.0" encoding="utf-8"?>
-<p:sld xmlns:a="http://schemas.openxmlformats.org/drawingml/2006/main" xmlns:r="http://schemas.openxmlformats.org/officeDocument/2006/relationships" xmlns:p="http://schemas.openxmlformats.org/presentationml/2006/main">
-  <p:cSld>
-    <p:spTree>
-      <p:nvGrpSpPr>
-        <p:cNvPr id="1" name=""/>
-        <p:cNvGrpSpPr/>
-        <p:nvPr/>
-      </p:nvGrpSpPr>
-      <p:grpSpPr>
-        <a:xfrm>
-          <a:off x="0" y="0"/>
-          <a:ext cx="0" cy="0"/>
-          <a:chOff x="0" y="0"/>
-          <a:chExt cx="0" cy="0"/>
-        </a:xfrm>
-      </p:grpSpPr>
-      <p:sp>
-        <p:nvSpPr>
-          <p:cNvPr id="5" name="Title 4"/>
-          <p:cNvSpPr>
-            <a:spLocks noGrp="1"/>
-          </p:cNvSpPr>
-          <p:nvPr>
-            <p:ph type="title"/>
-          </p:nvPr>
-        </p:nvSpPr>
-        <p:spPr/>
-        <p:txBody>
-          <a:bodyPr/>
-          <a:lstStyle/>
-          <a:p>
-            <a:r>
-              <a:rPr lang="en-US" dirty="0"/>
-              <a:t>Correctness of BFS</a:t>
-            </a:r>
-          </a:p>
-        </p:txBody>
-      </p:sp>
-      <p:sp>
-        <p:nvSpPr>
-          <p:cNvPr id="6" name="Text Placeholder 5"/>
-          <p:cNvSpPr>
-            <a:spLocks noGrp="1"/>
-          </p:cNvSpPr>
-          <p:nvPr>
-            <p:ph type="body" idx="1"/>
-          </p:nvPr>
-        </p:nvSpPr>
-        <p:spPr/>
-        <p:txBody>
-          <a:bodyPr/>
-          <a:lstStyle/>
-          <a:p>
-            <a:endParaRPr lang="en-US" dirty="0"/>
-          </a:p>
-        </p:txBody>
-      </p:sp>
-      <p:sp>
-        <p:nvSpPr>
-          <p:cNvPr id="4" name="Slide Number Placeholder 3"/>
-          <p:cNvSpPr>
-            <a:spLocks noGrp="1"/>
-          </p:cNvSpPr>
-          <p:nvPr>
-            <p:ph type="sldNum" sz="quarter" idx="12"/>
-          </p:nvPr>
-        </p:nvSpPr>
-        <p:spPr/>
-        <p:txBody>
-          <a:bodyPr/>
-          <a:lstStyle/>
-          <a:p>
-            <a:fld id="{030EE116-056E-4288-B7F7-411CB7E437A9}" type="slidenum">
-              <a:rPr lang="en-US" smtClean="0"/>
-              <a:pPr/>
-              <a:t>32</a:t>
-            </a:fld>
-            <a:endParaRPr lang="en-US"/>
-          </a:p>
-        </p:txBody>
-      </p:sp>
-    </p:spTree>
-    <p:extLst>
-      <p:ext uri="{BB962C8B-B14F-4D97-AF65-F5344CB8AC3E}">
-        <p14:creationId xmlns:p14="http://schemas.microsoft.com/office/powerpoint/2010/main" val="1602411458"/>
-      </p:ext>
-    </p:extLst>
-  </p:cSld>
-  <p:clrMapOvr>
-    <a:masterClrMapping/>
-  </p:clrMapOvr>
-</p:sld>
-</file>
-
 <file path=ppt/slides/slide33.xml><?xml version="1.0" encoding="utf-8"?>
 <p:sld xmlns:a="http://schemas.openxmlformats.org/drawingml/2006/main" xmlns:r="http://schemas.openxmlformats.org/officeDocument/2006/relationships" xmlns:p="http://schemas.openxmlformats.org/presentationml/2006/main">
   <p:cSld>
@@ -9873,6 +9877,101 @@
       </p:grpSpPr>
       <p:sp>
         <p:nvSpPr>
+          <p:cNvPr id="5" name="Title 4"/>
+          <p:cNvSpPr>
+            <a:spLocks noGrp="1"/>
+          </p:cNvSpPr>
+          <p:nvPr>
+            <p:ph type="title"/>
+          </p:nvPr>
+        </p:nvSpPr>
+        <p:spPr/>
+        <p:txBody>
+          <a:bodyPr/>
+          <a:lstStyle/>
+          <a:p>
+            <a:r>
+              <a:rPr lang="en-US" dirty="0"/>
+              <a:t>Correctness of BFS</a:t>
+            </a:r>
+          </a:p>
+        </p:txBody>
+      </p:sp>
+      <p:sp>
+        <p:nvSpPr>
+          <p:cNvPr id="6" name="Text Placeholder 5"/>
+          <p:cNvSpPr>
+            <a:spLocks noGrp="1"/>
+          </p:cNvSpPr>
+          <p:nvPr>
+            <p:ph type="body" idx="1"/>
+          </p:nvPr>
+        </p:nvSpPr>
+        <p:spPr/>
+        <p:txBody>
+          <a:bodyPr/>
+          <a:lstStyle/>
+          <a:p>
+            <a:endParaRPr lang="en-US" dirty="0"/>
+          </a:p>
+        </p:txBody>
+      </p:sp>
+      <p:sp>
+        <p:nvSpPr>
+          <p:cNvPr id="4" name="Slide Number Placeholder 3"/>
+          <p:cNvSpPr>
+            <a:spLocks noGrp="1"/>
+          </p:cNvSpPr>
+          <p:nvPr>
+            <p:ph type="sldNum" sz="quarter" idx="12"/>
+          </p:nvPr>
+        </p:nvSpPr>
+        <p:spPr/>
+        <p:txBody>
+          <a:bodyPr/>
+          <a:lstStyle/>
+          <a:p>
+            <a:fld id="{030EE116-056E-4288-B7F7-411CB7E437A9}" type="slidenum">
+              <a:rPr lang="en-US" smtClean="0"/>
+              <a:pPr/>
+              <a:t>33</a:t>
+            </a:fld>
+            <a:endParaRPr lang="en-US"/>
+          </a:p>
+        </p:txBody>
+      </p:sp>
+    </p:spTree>
+    <p:extLst>
+      <p:ext uri="{BB962C8B-B14F-4D97-AF65-F5344CB8AC3E}">
+        <p14:creationId xmlns:p14="http://schemas.microsoft.com/office/powerpoint/2010/main" val="1602411458"/>
+      </p:ext>
+    </p:extLst>
+  </p:cSld>
+  <p:clrMapOvr>
+    <a:masterClrMapping/>
+  </p:clrMapOvr>
+</p:sld>
+</file>
+
+<file path=ppt/slides/slide34.xml><?xml version="1.0" encoding="utf-8"?>
+<p:sld xmlns:a="http://schemas.openxmlformats.org/drawingml/2006/main" xmlns:r="http://schemas.openxmlformats.org/officeDocument/2006/relationships" xmlns:p="http://schemas.openxmlformats.org/presentationml/2006/main">
+  <p:cSld>
+    <p:spTree>
+      <p:nvGrpSpPr>
+        <p:cNvPr id="1" name=""/>
+        <p:cNvGrpSpPr/>
+        <p:nvPr/>
+      </p:nvGrpSpPr>
+      <p:grpSpPr>
+        <a:xfrm>
+          <a:off x="0" y="0"/>
+          <a:ext cx="0" cy="0"/>
+          <a:chOff x="0" y="0"/>
+          <a:chExt cx="0" cy="0"/>
+        </a:xfrm>
+      </p:grpSpPr>
+      <p:sp>
+        <p:nvSpPr>
           <p:cNvPr id="40962" name="Rectangle 2"/>
           <p:cNvSpPr>
             <a:spLocks noGrp="1" noChangeArrowheads="1"/>
@@ -9919,7 +10018,7 @@
             <a:fld id="{030EE116-056E-4288-B7F7-411CB7E437A9}" type="slidenum">
               <a:rPr lang="en-US" smtClean="0"/>
               <a:pPr/>
-              <a:t>33</a:t>
+              <a:t>34</a:t>
             </a:fld>
             <a:endParaRPr lang="en-US"/>
           </a:p>
@@ -10233,7 +10332,7 @@
 </p:sld>
 </file>
 
-<file path=ppt/slides/slide34.xml><?xml version="1.0" encoding="utf-8"?>
+<file path=ppt/slides/slide35.xml><?xml version="1.0" encoding="utf-8"?>
 <p:sld xmlns:a="http://schemas.openxmlformats.org/drawingml/2006/main" xmlns:r="http://schemas.openxmlformats.org/officeDocument/2006/relationships" xmlns:p="http://schemas.openxmlformats.org/presentationml/2006/main">
   <p:cSld>
     <p:spTree>
@@ -10293,7 +10392,7 @@
             <a:fld id="{030EE116-056E-4288-B7F7-411CB7E437A9}" type="slidenum">
               <a:rPr lang="en-US" smtClean="0"/>
               <a:pPr/>
-              <a:t>34</a:t>
+              <a:t>35</a:t>
             </a:fld>
             <a:endParaRPr lang="en-US"/>
           </a:p>
@@ -10399,7 +10498,7 @@
 </p:sld>
 </file>
 
-<file path=ppt/slides/slide35.xml><?xml version="1.0" encoding="utf-8"?>
+<file path=ppt/slides/slide36.xml><?xml version="1.0" encoding="utf-8"?>
 <p:sld xmlns:a="http://schemas.openxmlformats.org/drawingml/2006/main" xmlns:r="http://schemas.openxmlformats.org/officeDocument/2006/relationships" xmlns:p="http://schemas.openxmlformats.org/presentationml/2006/main">
   <p:cSld>
     <p:spTree>
@@ -10459,7 +10558,7 @@
             <a:fld id="{030EE116-056E-4288-B7F7-411CB7E437A9}" type="slidenum">
               <a:rPr lang="en-US" smtClean="0"/>
               <a:pPr/>
-              <a:t>35</a:t>
+              <a:t>36</a:t>
             </a:fld>
             <a:endParaRPr lang="en-US"/>
           </a:p>
@@ -10771,7 +10870,7 @@
 </p:sld>
 </file>
 
-<file path=ppt/slides/slide36.xml><?xml version="1.0" encoding="utf-8"?>
+<file path=ppt/slides/slide37.xml><?xml version="1.0" encoding="utf-8"?>
 <p:sld xmlns:a="http://schemas.openxmlformats.org/drawingml/2006/main" xmlns:r="http://schemas.openxmlformats.org/officeDocument/2006/relationships" xmlns:p="http://schemas.openxmlformats.org/presentationml/2006/main">
   <p:cSld>
     <p:spTree>
@@ -10831,7 +10930,7 @@
             <a:fld id="{030EE116-056E-4288-B7F7-411CB7E437A9}" type="slidenum">
               <a:rPr lang="en-US" smtClean="0"/>
               <a:pPr/>
-              <a:t>36</a:t>
+              <a:t>37</a:t>
             </a:fld>
             <a:endParaRPr lang="en-US"/>
           </a:p>
@@ -11361,7 +11460,7 @@
 </p:sld>
 </file>
 
-<file path=ppt/slides/slide37.xml><?xml version="1.0" encoding="utf-8"?>
+<file path=ppt/slides/slide38.xml><?xml version="1.0" encoding="utf-8"?>
 <p:sld xmlns:a="http://schemas.openxmlformats.org/drawingml/2006/main" xmlns:r="http://schemas.openxmlformats.org/officeDocument/2006/relationships" xmlns:p="http://schemas.openxmlformats.org/presentationml/2006/main">
   <p:cSld>
     <p:spTree>
@@ -11421,7 +11520,7 @@
             <a:fld id="{030EE116-056E-4288-B7F7-411CB7E437A9}" type="slidenum">
               <a:rPr lang="en-US" smtClean="0"/>
               <a:pPr/>
-              <a:t>37</a:t>
+              <a:t>38</a:t>
             </a:fld>
             <a:endParaRPr lang="en-US"/>
           </a:p>
@@ -11785,7 +11884,7 @@
 </p:sld>
 </file>
 
-<file path=ppt/slides/slide38.xml><?xml version="1.0" encoding="utf-8"?>
+<file path=ppt/slides/slide39.xml><?xml version="1.0" encoding="utf-8"?>
 <p:sld xmlns:a="http://schemas.openxmlformats.org/drawingml/2006/main" xmlns:r="http://schemas.openxmlformats.org/officeDocument/2006/relationships" xmlns:p="http://schemas.openxmlformats.org/presentationml/2006/main">
   <p:cSld>
     <p:spTree>
@@ -11845,7 +11944,7 @@
             <a:fld id="{030EE116-056E-4288-B7F7-411CB7E437A9}" type="slidenum">
               <a:rPr lang="en-US" smtClean="0"/>
               <a:pPr/>
-              <a:t>38</a:t>
+              <a:t>39</a:t>
             </a:fld>
             <a:endParaRPr lang="en-US"/>
           </a:p>
@@ -12304,7 +12403,7 @@
 </p:sld>
 </file>
 
-<file path=ppt/slides/slide39.xml><?xml version="1.0" encoding="utf-8"?>
+<file path=ppt/slides/slide4.xml><?xml version="1.0" encoding="utf-8"?>
 <p:sld xmlns:a="http://schemas.openxmlformats.org/drawingml/2006/main" xmlns:r="http://schemas.openxmlformats.org/officeDocument/2006/relationships" xmlns:p="http://schemas.openxmlformats.org/presentationml/2006/main">
   <p:cSld>
     <p:spTree>
@@ -12323,6 +12422,101 @@
       </p:grpSpPr>
       <p:sp>
         <p:nvSpPr>
+          <p:cNvPr id="5" name="Title 4"/>
+          <p:cNvSpPr>
+            <a:spLocks noGrp="1"/>
+          </p:cNvSpPr>
+          <p:nvPr>
+            <p:ph type="title"/>
+          </p:nvPr>
+        </p:nvSpPr>
+        <p:spPr/>
+        <p:txBody>
+          <a:bodyPr/>
+          <a:lstStyle/>
+          <a:p>
+            <a:r>
+              <a:rPr lang="en-US" dirty="0"/>
+              <a:t>Graphs</a:t>
+            </a:r>
+          </a:p>
+        </p:txBody>
+      </p:sp>
+      <p:sp>
+        <p:nvSpPr>
+          <p:cNvPr id="6" name="Text Placeholder 5"/>
+          <p:cNvSpPr>
+            <a:spLocks noGrp="1"/>
+          </p:cNvSpPr>
+          <p:nvPr>
+            <p:ph type="body" idx="1"/>
+          </p:nvPr>
+        </p:nvSpPr>
+        <p:spPr/>
+        <p:txBody>
+          <a:bodyPr/>
+          <a:lstStyle/>
+          <a:p>
+            <a:endParaRPr lang="en-US" dirty="0"/>
+          </a:p>
+        </p:txBody>
+      </p:sp>
+      <p:sp>
+        <p:nvSpPr>
+          <p:cNvPr id="4" name="Slide Number Placeholder 3"/>
+          <p:cNvSpPr>
+            <a:spLocks noGrp="1"/>
+          </p:cNvSpPr>
+          <p:nvPr>
+            <p:ph type="sldNum" sz="quarter" idx="12"/>
+          </p:nvPr>
+        </p:nvSpPr>
+        <p:spPr/>
+        <p:txBody>
+          <a:bodyPr/>
+          <a:lstStyle/>
+          <a:p>
+            <a:fld id="{030EE116-056E-4288-B7F7-411CB7E437A9}" type="slidenum">
+              <a:rPr lang="en-US" smtClean="0"/>
+              <a:pPr/>
+              <a:t>4</a:t>
+            </a:fld>
+            <a:endParaRPr lang="en-US"/>
+          </a:p>
+        </p:txBody>
+      </p:sp>
+    </p:spTree>
+    <p:extLst>
+      <p:ext uri="{BB962C8B-B14F-4D97-AF65-F5344CB8AC3E}">
+        <p14:creationId xmlns:p14="http://schemas.microsoft.com/office/powerpoint/2010/main" val="303554907"/>
+      </p:ext>
+    </p:extLst>
+  </p:cSld>
+  <p:clrMapOvr>
+    <a:masterClrMapping/>
+  </p:clrMapOvr>
+</p:sld>
+</file>
+
+<file path=ppt/slides/slide40.xml><?xml version="1.0" encoding="utf-8"?>
+<p:sld xmlns:a="http://schemas.openxmlformats.org/drawingml/2006/main" xmlns:r="http://schemas.openxmlformats.org/officeDocument/2006/relationships" xmlns:p="http://schemas.openxmlformats.org/presentationml/2006/main">
+  <p:cSld>
+    <p:spTree>
+      <p:nvGrpSpPr>
+        <p:cNvPr id="1" name=""/>
+        <p:cNvGrpSpPr/>
+        <p:nvPr/>
+      </p:nvGrpSpPr>
+      <p:grpSpPr>
+        <a:xfrm>
+          <a:off x="0" y="0"/>
+          <a:ext cx="0" cy="0"/>
+          <a:chOff x="0" y="0"/>
+          <a:chExt cx="0" cy="0"/>
+        </a:xfrm>
+      </p:grpSpPr>
+      <p:sp>
+        <p:nvSpPr>
           <p:cNvPr id="40962" name="Rectangle 2"/>
           <p:cNvSpPr>
             <a:spLocks noGrp="1" noChangeArrowheads="1"/>
@@ -12364,7 +12558,7 @@
             <a:fld id="{030EE116-056E-4288-B7F7-411CB7E437A9}" type="slidenum">
               <a:rPr lang="en-US" smtClean="0"/>
               <a:pPr/>
-              <a:t>39</a:t>
+              <a:t>40</a:t>
             </a:fld>
             <a:endParaRPr lang="en-US"/>
           </a:p>
@@ -12945,7 +13139,7 @@
 </p:sld>
 </file>
 
-<file path=ppt/slides/slide4.xml><?xml version="1.0" encoding="utf-8"?>
+<file path=ppt/slides/slide41.xml><?xml version="1.0" encoding="utf-8"?>
 <p:sld xmlns:a="http://schemas.openxmlformats.org/drawingml/2006/main" xmlns:r="http://schemas.openxmlformats.org/officeDocument/2006/relationships" xmlns:p="http://schemas.openxmlformats.org/presentationml/2006/main">
   <p:cSld>
     <p:spTree>
@@ -12964,101 +13158,6 @@
       </p:grpSpPr>
       <p:sp>
         <p:nvSpPr>
-          <p:cNvPr id="5" name="Title 4"/>
-          <p:cNvSpPr>
-            <a:spLocks noGrp="1"/>
-          </p:cNvSpPr>
-          <p:nvPr>
-            <p:ph type="title"/>
-          </p:nvPr>
-        </p:nvSpPr>
-        <p:spPr/>
-        <p:txBody>
-          <a:bodyPr/>
-          <a:lstStyle/>
-          <a:p>
-            <a:r>
-              <a:rPr lang="en-US" dirty="0"/>
-              <a:t>Graphs</a:t>
-            </a:r>
-          </a:p>
-        </p:txBody>
-      </p:sp>
-      <p:sp>
-        <p:nvSpPr>
-          <p:cNvPr id="6" name="Text Placeholder 5"/>
-          <p:cNvSpPr>
-            <a:spLocks noGrp="1"/>
-          </p:cNvSpPr>
-          <p:nvPr>
-            <p:ph type="body" idx="1"/>
-          </p:nvPr>
-        </p:nvSpPr>
-        <p:spPr/>
-        <p:txBody>
-          <a:bodyPr/>
-          <a:lstStyle/>
-          <a:p>
-            <a:endParaRPr lang="en-US" dirty="0"/>
-          </a:p>
-        </p:txBody>
-      </p:sp>
-      <p:sp>
-        <p:nvSpPr>
-          <p:cNvPr id="4" name="Slide Number Placeholder 3"/>
-          <p:cNvSpPr>
-            <a:spLocks noGrp="1"/>
-          </p:cNvSpPr>
-          <p:nvPr>
-            <p:ph type="sldNum" sz="quarter" idx="12"/>
-          </p:nvPr>
-        </p:nvSpPr>
-        <p:spPr/>
-        <p:txBody>
-          <a:bodyPr/>
-          <a:lstStyle/>
-          <a:p>
-            <a:fld id="{030EE116-056E-4288-B7F7-411CB7E437A9}" type="slidenum">
-              <a:rPr lang="en-US" smtClean="0"/>
-              <a:pPr/>
-              <a:t>4</a:t>
-            </a:fld>
-            <a:endParaRPr lang="en-US"/>
-          </a:p>
-        </p:txBody>
-      </p:sp>
-    </p:spTree>
-    <p:extLst>
-      <p:ext uri="{BB962C8B-B14F-4D97-AF65-F5344CB8AC3E}">
-        <p14:creationId xmlns:p14="http://schemas.microsoft.com/office/powerpoint/2010/main" val="303554907"/>
-      </p:ext>
-    </p:extLst>
-  </p:cSld>
-  <p:clrMapOvr>
-    <a:masterClrMapping/>
-  </p:clrMapOvr>
-</p:sld>
-</file>
-
-<file path=ppt/slides/slide40.xml><?xml version="1.0" encoding="utf-8"?>
-<p:sld xmlns:a="http://schemas.openxmlformats.org/drawingml/2006/main" xmlns:r="http://schemas.openxmlformats.org/officeDocument/2006/relationships" xmlns:p="http://schemas.openxmlformats.org/presentationml/2006/main">
-  <p:cSld>
-    <p:spTree>
-      <p:nvGrpSpPr>
-        <p:cNvPr id="1" name=""/>
-        <p:cNvGrpSpPr/>
-        <p:nvPr/>
-      </p:nvGrpSpPr>
-      <p:grpSpPr>
-        <a:xfrm>
-          <a:off x="0" y="0"/>
-          <a:ext cx="0" cy="0"/>
-          <a:chOff x="0" y="0"/>
-          <a:chExt cx="0" cy="0"/>
-        </a:xfrm>
-      </p:grpSpPr>
-      <p:sp>
-        <p:nvSpPr>
           <p:cNvPr id="40962" name="Rectangle 2"/>
           <p:cNvSpPr>
             <a:spLocks noGrp="1" noChangeArrowheads="1"/>
@@ -13100,7 +13199,7 @@
             <a:fld id="{030EE116-056E-4288-B7F7-411CB7E437A9}" type="slidenum">
               <a:rPr lang="en-US" smtClean="0"/>
               <a:pPr/>
-              <a:t>40</a:t>
+              <a:t>41</a:t>
             </a:fld>
             <a:endParaRPr lang="en-US"/>
           </a:p>
@@ -13592,7 +13691,7 @@
 </p:sld>
 </file>
 
-<file path=ppt/slides/slide41.xml><?xml version="1.0" encoding="utf-8"?>
+<file path=ppt/slides/slide42.xml><?xml version="1.0" encoding="utf-8"?>
 <p:sld xmlns:a="http://schemas.openxmlformats.org/drawingml/2006/main" xmlns:r="http://schemas.openxmlformats.org/officeDocument/2006/relationships" xmlns:p="http://schemas.openxmlformats.org/presentationml/2006/main">
   <p:cSld>
     <p:spTree>
@@ -13652,7 +13751,7 @@
             <a:fld id="{030EE116-056E-4288-B7F7-411CB7E437A9}" type="slidenum">
               <a:rPr lang="en-US" smtClean="0"/>
               <a:pPr/>
-              <a:t>41</a:t>
+              <a:t>42</a:t>
             </a:fld>
             <a:endParaRPr lang="en-US"/>
           </a:p>
